--- a/articles/reactive-talk-london/reactive_fsharp.pptx
+++ b/articles/reactive-talk-london/reactive_fsharp.pptx
@@ -140,6 +140,86 @@
       </a:defRPr>
     </a:lvl9pPr>
   </p:defaultTextStyle>
+  <p:extLst>
+    <p:ext uri="{EFAFB233-063F-42B5-8137-9DF3F51BA10A}">
+      <p15:sldGuideLst xmlns:p15="http://schemas.microsoft.com/office/powerpoint/2012/main">
+        <p15:guide id="1" orient="horz" pos="204">
+          <p15:clr>
+            <a:srgbClr val="A4A3A4"/>
+          </p15:clr>
+        </p15:guide>
+        <p15:guide id="2" orient="horz" pos="912">
+          <p15:clr>
+            <a:srgbClr val="A4A3A4"/>
+          </p15:clr>
+        </p15:guide>
+        <p15:guide id="3" orient="horz" pos="1484">
+          <p15:clr>
+            <a:srgbClr val="A4A3A4"/>
+          </p15:clr>
+        </p15:guide>
+        <p15:guide id="4" orient="horz" pos="1200">
+          <p15:clr>
+            <a:srgbClr val="A4A3A4"/>
+          </p15:clr>
+        </p15:guide>
+        <p15:guide id="5" orient="horz" pos="2389">
+          <p15:clr>
+            <a:srgbClr val="A4A3A4"/>
+          </p15:clr>
+        </p15:guide>
+        <p15:guide id="6" orient="horz" pos="4176">
+          <p15:clr>
+            <a:srgbClr val="A4A3A4"/>
+          </p15:clr>
+        </p15:guide>
+        <p15:guide id="7" pos="2880">
+          <p15:clr>
+            <a:srgbClr val="A4A3A4"/>
+          </p15:clr>
+        </p15:guide>
+        <p15:guide id="8" pos="240">
+          <p15:clr>
+            <a:srgbClr val="A4A3A4"/>
+          </p15:clr>
+        </p15:guide>
+        <p15:guide id="9" pos="460">
+          <p15:clr>
+            <a:srgbClr val="A4A3A4"/>
+          </p15:clr>
+        </p15:guide>
+        <p15:guide id="10" pos="5520">
+          <p15:clr>
+            <a:srgbClr val="A4A3A4"/>
+          </p15:clr>
+        </p15:guide>
+        <p15:guide id="11" pos="863">
+          <p15:clr>
+            <a:srgbClr val="A4A3A4"/>
+          </p15:clr>
+        </p15:guide>
+        <p15:guide id="12" pos="5299">
+          <p15:clr>
+            <a:srgbClr val="A4A3A4"/>
+          </p15:clr>
+        </p15:guide>
+      </p15:sldGuideLst>
+    </p:ext>
+    <p:ext uri="{2D200454-40CA-4A62-9FC3-DE9A4176ACB9}">
+      <p15:notesGuideLst xmlns:p15="http://schemas.microsoft.com/office/powerpoint/2012/main">
+        <p15:guide id="1" orient="horz" pos="2880">
+          <p15:clr>
+            <a:srgbClr val="A4A3A4"/>
+          </p15:clr>
+        </p15:guide>
+        <p15:guide id="2" pos="2160">
+          <p15:clr>
+            <a:srgbClr val="A4A3A4"/>
+          </p15:clr>
+        </p15:guide>
+      </p15:notesGuideLst>
+    </p:ext>
+  </p:extLst>
 </p:presentation>
 </file>
 
@@ -193,14 +273,11 @@
           </a:lstStyle>
           <a:p>
             <a:r>
-              <a:rPr lang="en-US" dirty="0" smtClean="0">
+              <a:rPr lang="en-US" dirty="0">
                 <a:latin typeface="Segoe UI" pitchFamily="34" charset="0"/>
               </a:rPr>
               <a:t>PDC 2009</a:t>
             </a:r>
-            <a:endParaRPr lang="en-US" dirty="0">
-              <a:latin typeface="Segoe UI" pitchFamily="34" charset="0"/>
-            </a:endParaRPr>
           </a:p>
         </p:txBody>
       </p:sp>
@@ -236,7 +313,7 @@
                 <a:latin typeface="Segoe UI" pitchFamily="34" charset="0"/>
               </a:rPr>
               <a:pPr/>
-              <a:t>6/23/2010</a:t>
+              <a:t>4/19/2016</a:t>
             </a:fld>
             <a:endParaRPr lang="en-US" dirty="0">
               <a:latin typeface="Segoe UI" pitchFamily="34" charset="0"/>
@@ -272,7 +349,7 @@
           </a:lstStyle>
           <a:p>
             <a:r>
-              <a:rPr lang="en-US" sz="500" dirty="0" smtClean="0">
+              <a:rPr lang="en-US" sz="500" dirty="0">
                 <a:solidFill>
                   <a:srgbClr val="000000"/>
                 </a:solidFill>
@@ -283,7 +360,7 @@
           </a:p>
           <a:p>
             <a:r>
-              <a:rPr lang="en-US" sz="500" dirty="0" smtClean="0">
+              <a:rPr lang="en-US" sz="500" dirty="0">
                 <a:solidFill>
                   <a:srgbClr val="000000"/>
                 </a:solidFill>
@@ -292,7 +369,7 @@
               <a:t>The information herein is for informational purposes only and represents the current view of Microsoft Corporation as of the date of this presentation.  Because Microsoft must respond to changing market conditions, it should not be interpreted to be a commitment on the part of Microsoft, and Microsoft cannot guarantee the accuracy of any information provided after the date of this presentation.  </a:t>
             </a:r>
             <a:br>
-              <a:rPr lang="en-US" sz="500" dirty="0" smtClean="0">
+              <a:rPr lang="en-US" sz="500" dirty="0">
                 <a:solidFill>
                   <a:srgbClr val="000000"/>
                 </a:solidFill>
@@ -300,7 +377,7 @@
               </a:rPr>
             </a:br>
             <a:r>
-              <a:rPr lang="en-US" sz="500" dirty="0" smtClean="0">
+              <a:rPr lang="en-US" sz="500" dirty="0">
                 <a:solidFill>
                   <a:srgbClr val="000000"/>
                 </a:solidFill>
@@ -414,10 +491,9 @@
           </a:lstStyle>
           <a:p>
             <a:r>
-              <a:rPr lang="en-US" dirty="0" smtClean="0"/>
+              <a:rPr lang="en-US" dirty="0"/>
               <a:t>PDC 2009</a:t>
             </a:r>
-            <a:endParaRPr lang="en-US" dirty="0"/>
           </a:p>
         </p:txBody>
       </p:sp>
@@ -453,7 +529,7 @@
             <a:fld id="{7C3FBCD4-166E-446F-AF18-7D4A0CF9AEF6}" type="datetimeFigureOut">
               <a:rPr lang="en-US" smtClean="0"/>
               <a:pPr/>
-              <a:t>6/23/2010</a:t>
+              <a:t>4/19/2016</a:t>
             </a:fld>
             <a:endParaRPr lang="en-US" dirty="0"/>
           </a:p>
@@ -519,38 +595,37 @@
           <a:p>
             <a:pPr lvl="0"/>
             <a:r>
-              <a:rPr lang="en-US" dirty="0" smtClean="0"/>
+              <a:rPr lang="en-US" dirty="0"/>
               <a:t>Click to edit Master text styles</a:t>
             </a:r>
           </a:p>
           <a:p>
             <a:pPr lvl="1"/>
             <a:r>
-              <a:rPr lang="en-US" dirty="0" smtClean="0"/>
+              <a:rPr lang="en-US" dirty="0"/>
               <a:t>Second level</a:t>
             </a:r>
           </a:p>
           <a:p>
             <a:pPr lvl="2"/>
             <a:r>
-              <a:rPr lang="en-US" dirty="0" smtClean="0"/>
+              <a:rPr lang="en-US" dirty="0"/>
               <a:t>Third level</a:t>
             </a:r>
           </a:p>
           <a:p>
             <a:pPr lvl="3"/>
             <a:r>
-              <a:rPr lang="en-US" dirty="0" smtClean="0"/>
+              <a:rPr lang="en-US" dirty="0"/>
               <a:t>Fourth level</a:t>
             </a:r>
           </a:p>
           <a:p>
             <a:pPr lvl="4"/>
             <a:r>
-              <a:rPr lang="en-US" dirty="0" smtClean="0"/>
+              <a:rPr lang="en-US" dirty="0"/>
               <a:t>Fifth level</a:t>
             </a:r>
-            <a:endParaRPr lang="en-US" dirty="0"/>
           </a:p>
         </p:txBody>
       </p:sp>
@@ -584,7 +659,7 @@
           </a:lstStyle>
           <a:p>
             <a:r>
-              <a:rPr lang="en-US" dirty="0" smtClean="0">
+              <a:rPr lang="en-US" dirty="0">
                 <a:solidFill>
                   <a:srgbClr val="000000"/>
                 </a:solidFill>
@@ -595,7 +670,7 @@
           </a:p>
           <a:p>
             <a:r>
-              <a:rPr lang="en-US" dirty="0" smtClean="0">
+              <a:rPr lang="en-US" dirty="0">
                 <a:solidFill>
                   <a:srgbClr val="000000"/>
                 </a:solidFill>
@@ -604,7 +679,7 @@
               <a:t>The information herein is for informational purposes only and represents the current view of Microsoft Corporation as of the date of this presentation.  Because Microsoft must respond to changing market conditions, it should not be interpreted to be a commitment on the part of Microsoft, and Microsoft cannot guarantee the accuracy of any information provided after the date of this presentation.  </a:t>
             </a:r>
             <a:br>
-              <a:rPr lang="en-US" dirty="0" smtClean="0">
+              <a:rPr lang="en-US" dirty="0">
                 <a:solidFill>
                   <a:srgbClr val="000000"/>
                 </a:solidFill>
@@ -612,7 +687,7 @@
               </a:rPr>
             </a:br>
             <a:r>
-              <a:rPr lang="en-US" dirty="0" smtClean="0">
+              <a:rPr lang="en-US" dirty="0">
                 <a:solidFill>
                   <a:srgbClr val="000000"/>
                 </a:solidFill>
@@ -855,10 +930,9 @@
           </a:lstStyle>
           <a:p>
             <a:r>
-              <a:rPr lang="en-US" dirty="0" smtClean="0"/>
+              <a:rPr lang="en-US" dirty="0"/>
               <a:t>Click to edit Master title style</a:t>
             </a:r>
-            <a:endParaRPr lang="en-US" dirty="0"/>
           </a:p>
         </p:txBody>
       </p:sp>
@@ -982,10 +1056,9 @@
           </a:lstStyle>
           <a:p>
             <a:r>
-              <a:rPr lang="en-US" dirty="0" smtClean="0"/>
+              <a:rPr lang="en-US" dirty="0"/>
               <a:t>Click to edit Master subtitle style</a:t>
             </a:r>
-            <a:endParaRPr lang="en-US" dirty="0"/>
           </a:p>
         </p:txBody>
       </p:sp>
@@ -997,13 +1070,6 @@
   <p:transition>
     <p:fade/>
   </p:transition>
-  <p:timing>
-    <p:tnLst>
-      <p:par>
-        <p:cTn id="1" dur="indefinite" restart="never" nodeType="tmRoot"/>
-      </p:par>
-    </p:tnLst>
-  </p:timing>
 </p:sldLayout>
 </file>
 
@@ -1055,10 +1121,9 @@
           </a:lstStyle>
           <a:p>
             <a:r>
-              <a:rPr lang="en-US" dirty="0" smtClean="0"/>
+              <a:rPr lang="en-US" dirty="0"/>
               <a:t>Click to edit Master title style</a:t>
             </a:r>
-            <a:endParaRPr lang="en-US" dirty="0"/>
           </a:p>
         </p:txBody>
       </p:sp>
@@ -1125,38 +1190,37 @@
           <a:p>
             <a:pPr lvl="0"/>
             <a:r>
-              <a:rPr lang="en-US" dirty="0" smtClean="0"/>
+              <a:rPr lang="en-US" dirty="0"/>
               <a:t>Click to edit Master text styles</a:t>
             </a:r>
           </a:p>
           <a:p>
             <a:pPr lvl="1"/>
             <a:r>
-              <a:rPr lang="en-US" dirty="0" smtClean="0"/>
+              <a:rPr lang="en-US" dirty="0"/>
               <a:t>Second level</a:t>
             </a:r>
           </a:p>
           <a:p>
             <a:pPr lvl="2"/>
             <a:r>
-              <a:rPr lang="en-US" dirty="0" smtClean="0"/>
+              <a:rPr lang="en-US" dirty="0"/>
               <a:t>Third level</a:t>
             </a:r>
           </a:p>
           <a:p>
             <a:pPr lvl="3"/>
             <a:r>
-              <a:rPr lang="en-US" dirty="0" smtClean="0"/>
+              <a:rPr lang="en-US" dirty="0"/>
               <a:t>Fourth level</a:t>
             </a:r>
           </a:p>
           <a:p>
             <a:pPr lvl="4"/>
             <a:r>
-              <a:rPr lang="en-US" dirty="0" smtClean="0"/>
+              <a:rPr lang="en-US" dirty="0"/>
               <a:t>Fifth level</a:t>
             </a:r>
-            <a:endParaRPr lang="en-US" dirty="0"/>
           </a:p>
         </p:txBody>
       </p:sp>
@@ -1168,13 +1232,6 @@
   <p:transition>
     <p:fade/>
   </p:transition>
-  <p:timing>
-    <p:tnLst>
-      <p:par>
-        <p:cTn id="1" dur="indefinite" restart="never" nodeType="tmRoot"/>
-      </p:par>
-    </p:tnLst>
-  </p:timing>
 </p:sldLayout>
 </file>
 
@@ -1255,10 +1312,9 @@
           <a:lstStyle/>
           <a:p>
             <a:r>
-              <a:rPr lang="en-US" dirty="0" smtClean="0"/>
+              <a:rPr lang="en-US" dirty="0"/>
               <a:t>Click to edit Master title style</a:t>
             </a:r>
-            <a:endParaRPr lang="en-US" dirty="0"/>
           </a:p>
         </p:txBody>
       </p:sp>
@@ -1289,38 +1345,37 @@
           <a:p>
             <a:pPr lvl="0"/>
             <a:r>
-              <a:rPr lang="en-US" dirty="0" smtClean="0"/>
+              <a:rPr lang="en-US" dirty="0"/>
               <a:t>Click to edit Master text styles</a:t>
             </a:r>
           </a:p>
           <a:p>
             <a:pPr lvl="1"/>
             <a:r>
-              <a:rPr lang="en-US" dirty="0" smtClean="0"/>
+              <a:rPr lang="en-US" dirty="0"/>
               <a:t>Second level</a:t>
             </a:r>
           </a:p>
           <a:p>
             <a:pPr lvl="2"/>
             <a:r>
-              <a:rPr lang="en-US" dirty="0" smtClean="0"/>
+              <a:rPr lang="en-US" dirty="0"/>
               <a:t>Third level</a:t>
             </a:r>
           </a:p>
           <a:p>
             <a:pPr lvl="3"/>
             <a:r>
-              <a:rPr lang="en-US" dirty="0" smtClean="0"/>
+              <a:rPr lang="en-US" dirty="0"/>
               <a:t>Fourth level</a:t>
             </a:r>
           </a:p>
           <a:p>
             <a:pPr lvl="4"/>
             <a:r>
-              <a:rPr lang="en-US" dirty="0" smtClean="0"/>
+              <a:rPr lang="en-US" dirty="0"/>
               <a:t>Fifth level</a:t>
             </a:r>
-            <a:endParaRPr lang="en-US" dirty="0"/>
           </a:p>
         </p:txBody>
       </p:sp>
@@ -1334,13 +1389,6 @@
   <p:transition>
     <p:fade/>
   </p:transition>
-  <p:timing>
-    <p:tnLst>
-      <p:par>
-        <p:cTn id="1" dur="indefinite" restart="never" nodeType="tmRoot"/>
-      </p:par>
-    </p:tnLst>
-  </p:timing>
   <p:txStyles>
     <p:titleStyle>
       <a:lvl1pPr algn="l" defTabSz="914363" rtl="0" eaLnBrk="1" latinLnBrk="0" hangingPunct="1">
@@ -1705,7 +1753,7 @@
           <a:lstStyle/>
           <a:p>
             <a:r>
-              <a:rPr lang="en-US" dirty="0" smtClean="0"/>
+              <a:rPr lang="en-US" dirty="0"/>
               <a:t>Reactive Programming with F#</a:t>
             </a:r>
             <a:endParaRPr lang="cs-CZ" dirty="0"/>
@@ -1728,38 +1776,38 @@
           <a:lstStyle/>
           <a:p>
             <a:r>
-              <a:rPr lang="en-US" dirty="0" smtClean="0"/>
+              <a:rPr lang="en-US" dirty="0"/>
               <a:t>Tom</a:t>
             </a:r>
             <a:r>
-              <a:rPr lang="cs-CZ" dirty="0" smtClean="0"/>
+              <a:rPr lang="cs-CZ" dirty="0"/>
               <a:t>áš Petříček</a:t>
             </a:r>
-            <a:endParaRPr lang="en-US" dirty="0" smtClean="0"/>
-          </a:p>
-          <a:p>
-            <a:endParaRPr lang="en-US" sz="2500" dirty="0" smtClean="0"/>
-          </a:p>
-          <a:p>
-            <a:r>
-              <a:rPr lang="en-US" sz="2500" dirty="0" smtClean="0"/>
+            <a:endParaRPr lang="en-US" dirty="0"/>
+          </a:p>
+          <a:p>
+            <a:endParaRPr lang="en-US" sz="2500" dirty="0"/>
+          </a:p>
+          <a:p>
+            <a:r>
+              <a:rPr lang="en-US" sz="2500" dirty="0"/>
               <a:t>Microsoft C# MVP</a:t>
             </a:r>
             <a:r>
-              <a:rPr lang="cs-CZ" sz="2500" dirty="0" smtClean="0"/>
+              <a:rPr lang="cs-CZ" sz="2500" dirty="0"/>
               <a:t> </a:t>
             </a:r>
-            <a:endParaRPr lang="en-US" sz="2500" dirty="0" smtClean="0"/>
-          </a:p>
-          <a:p>
-            <a:r>
-              <a:rPr lang="en-US" sz="2500" dirty="0" smtClean="0">
+            <a:endParaRPr lang="en-US" sz="2500" dirty="0"/>
+          </a:p>
+          <a:p>
+            <a:r>
+              <a:rPr lang="en-US" sz="2500" dirty="0">
                 <a:hlinkClick r:id="rId4"/>
               </a:rPr>
               <a:t>http://tomasp.net/blog</a:t>
             </a:r>
             <a:r>
-              <a:rPr lang="en-US" sz="2500" dirty="0" smtClean="0"/>
+              <a:rPr lang="en-US" sz="2500" dirty="0"/>
               <a:t> </a:t>
             </a:r>
           </a:p>
@@ -1787,13 +1835,6 @@
       </p:transition>
     </mc:Fallback>
   </mc:AlternateContent>
-  <p:timing>
-    <p:tnLst>
-      <p:par>
-        <p:cTn id="1" dur="indefinite" restart="never" nodeType="tmRoot"/>
-      </p:par>
-    </p:tnLst>
-  </p:timing>
 </p:sld>
 </file>
 
@@ -1830,7 +1871,7 @@
           <a:lstStyle/>
           <a:p>
             <a:r>
-              <a:rPr lang="en-US" dirty="0" smtClean="0"/>
+              <a:rPr lang="en-US" dirty="0"/>
               <a:t>Digression: Dynamic invoke in F#</a:t>
             </a:r>
             <a:endParaRPr lang="cs-CZ" dirty="0"/>
@@ -1858,18 +1899,18 @@
           <a:lstStyle/>
           <a:p>
             <a:r>
-              <a:rPr lang="en-US" dirty="0" smtClean="0"/>
+              <a:rPr lang="en-US" dirty="0"/>
               <a:t>Access members not known at compile-time</a:t>
             </a:r>
           </a:p>
           <a:p>
             <a:pPr lvl="1"/>
             <a:r>
-              <a:rPr lang="en-US" dirty="0" smtClean="0"/>
+              <a:rPr lang="en-US" dirty="0"/>
               <a:t>Simple version of </a:t>
             </a:r>
             <a:r>
-              <a:rPr lang="en-US" sz="2400" dirty="0" smtClean="0">
+              <a:rPr lang="en-US" sz="2400" dirty="0">
                 <a:solidFill>
                   <a:schemeClr val="accent1">
                     <a:lumMod val="50000"/>
@@ -1881,14 +1922,14 @@
               <a:t>dynamic</a:t>
             </a:r>
             <a:r>
-              <a:rPr lang="en-US" dirty="0" smtClean="0"/>
+              <a:rPr lang="en-US" dirty="0"/>
               <a:t> keyword in C#</a:t>
             </a:r>
           </a:p>
           <a:p>
             <a:pPr lvl="1"/>
             <a:r>
-              <a:rPr lang="en-US" dirty="0" smtClean="0"/>
+              <a:rPr lang="en-US" dirty="0"/>
               <a:t>We can easily define behavior of the operator</a:t>
             </a:r>
           </a:p>
@@ -1896,18 +1937,18 @@
             <a:endParaRPr lang="en-US" dirty="0"/>
           </a:p>
           <a:p>
-            <a:endParaRPr lang="en-US" dirty="0" smtClean="0"/>
-          </a:p>
-          <a:p>
-            <a:r>
-              <a:rPr lang="en-US" dirty="0" smtClean="0"/>
+            <a:endParaRPr lang="en-US" dirty="0"/>
+          </a:p>
+          <a:p>
+            <a:r>
+              <a:rPr lang="en-US" dirty="0"/>
               <a:t>How does it work? </a:t>
             </a:r>
           </a:p>
           <a:p>
             <a:pPr lvl="1"/>
             <a:r>
-              <a:rPr lang="en-US" dirty="0" smtClean="0"/>
+              <a:rPr lang="en-US" dirty="0"/>
               <a:t>When we write…</a:t>
             </a:r>
           </a:p>
@@ -1918,7 +1959,7 @@
           <a:p>
             <a:pPr lvl="1"/>
             <a:r>
-              <a:rPr lang="en-US" dirty="0" smtClean="0"/>
+              <a:rPr lang="en-US" dirty="0"/>
               <a:t>…the compiler treats it as:</a:t>
             </a:r>
           </a:p>
@@ -2250,7 +2291,7 @@
               <a:t> </a:t>
             </a:r>
             <a:r>
-              <a:rPr lang="cs-CZ" dirty="0" smtClean="0">
+              <a:rPr lang="cs-CZ" dirty="0">
                 <a:solidFill>
                   <a:srgbClr val="800080"/>
                 </a:solidFill>
@@ -2259,7 +2300,7 @@
               <a:t>'</a:t>
             </a:r>
             <a:r>
-              <a:rPr lang="cs-CZ" dirty="0" smtClean="0">
+              <a:rPr lang="cs-CZ" dirty="0">
                 <a:solidFill>
                   <a:srgbClr val="020002"/>
                 </a:solidFill>
@@ -2326,64 +2367,55 @@
                 </a:solidFill>
                 <a:latin typeface="Consolas"/>
               </a:rPr>
+              <a:t> ball </a:t>
+            </a:r>
+            <a:r>
+              <a:rPr lang="cs-CZ" dirty="0">
+                <a:solidFill>
+                  <a:srgbClr val="800080"/>
+                </a:solidFill>
+                <a:latin typeface="Consolas"/>
+              </a:rPr>
+              <a:t>:</a:t>
+            </a:r>
+            <a:r>
+              <a:rPr lang="en-US" dirty="0">
+                <a:solidFill>
+                  <a:srgbClr val="800080"/>
+                </a:solidFill>
+                <a:latin typeface="Consolas"/>
+              </a:rPr>
               <a:t> </a:t>
             </a:r>
             <a:r>
-              <a:rPr lang="en-US" dirty="0" smtClean="0">
-                <a:solidFill>
-                  <a:prstClr val="black"/>
-                </a:solidFill>
-                <a:latin typeface="Consolas"/>
-              </a:rPr>
-              <a:t>ball </a:t>
-            </a:r>
-            <a:r>
-              <a:rPr lang="cs-CZ" dirty="0" smtClean="0">
+              <a:rPr lang="en-US" dirty="0">
+                <a:solidFill>
+                  <a:prstClr val="black"/>
+                </a:solidFill>
+                <a:latin typeface="Consolas"/>
+              </a:rPr>
+              <a:t>Ellipse = </a:t>
+            </a:r>
+            <a:r>
+              <a:rPr lang="en-US" dirty="0" err="1">
+                <a:solidFill>
+                  <a:prstClr val="black"/>
+                </a:solidFill>
+                <a:latin typeface="Consolas"/>
+              </a:rPr>
+              <a:t>this</a:t>
+            </a:r>
+            <a:r>
+              <a:rPr lang="en-US" dirty="0" err="1">
                 <a:solidFill>
                   <a:srgbClr val="800080"/>
                 </a:solidFill>
                 <a:latin typeface="Consolas"/>
               </a:rPr>
-              <a:t>:</a:t>
-            </a:r>
-            <a:r>
-              <a:rPr lang="en-US" dirty="0">
-                <a:solidFill>
-                  <a:srgbClr val="800080"/>
-                </a:solidFill>
-                <a:latin typeface="Consolas"/>
-              </a:rPr>
-              <a:t> </a:t>
-            </a:r>
-            <a:r>
-              <a:rPr lang="en-US" dirty="0" smtClean="0">
-                <a:solidFill>
-                  <a:prstClr val="black"/>
-                </a:solidFill>
-                <a:latin typeface="Consolas"/>
-              </a:rPr>
-              <a:t>Ellipse = </a:t>
-            </a:r>
-            <a:r>
-              <a:rPr lang="en-US" dirty="0" err="1" smtClean="0">
-                <a:solidFill>
-                  <a:prstClr val="black"/>
-                </a:solidFill>
-                <a:latin typeface="Consolas"/>
-              </a:rPr>
-              <a:t>this</a:t>
-            </a:r>
-            <a:r>
-              <a:rPr lang="en-US" dirty="0" err="1" smtClean="0">
-                <a:solidFill>
-                  <a:srgbClr val="800080"/>
-                </a:solidFill>
-                <a:latin typeface="Consolas"/>
-              </a:rPr>
               <a:t>?</a:t>
             </a:r>
             <a:r>
-              <a:rPr lang="en-US" dirty="0" err="1" smtClean="0">
+              <a:rPr lang="en-US" dirty="0" err="1">
                 <a:solidFill>
                   <a:prstClr val="black"/>
                 </a:solidFill>
@@ -2435,7 +2467,7 @@
           <a:lstStyle/>
           <a:p>
             <a:r>
-              <a:rPr lang="en-US" dirty="0" smtClean="0">
+              <a:rPr lang="en-US" dirty="0">
                 <a:solidFill>
                   <a:srgbClr val="0000FF"/>
                 </a:solidFill>
@@ -2444,7 +2476,7 @@
               <a:t>let</a:t>
             </a:r>
             <a:r>
-              <a:rPr lang="en-US" dirty="0" smtClean="0">
+              <a:rPr lang="en-US" dirty="0">
                 <a:solidFill>
                   <a:prstClr val="black"/>
                 </a:solidFill>
@@ -2477,19 +2509,10 @@
                 </a:solidFill>
                 <a:latin typeface="Consolas"/>
               </a:rPr>
-              <a:t>Ellipse </a:t>
-            </a:r>
-            <a:r>
-              <a:rPr lang="en-US" dirty="0" smtClean="0">
-                <a:solidFill>
-                  <a:prstClr val="black"/>
-                </a:solidFill>
-                <a:latin typeface="Consolas"/>
-              </a:rPr>
-              <a:t>= (</a:t>
-            </a:r>
-            <a:r>
-              <a:rPr lang="en-US" dirty="0" smtClean="0">
+              <a:t>Ellipse = (</a:t>
+            </a:r>
+            <a:r>
+              <a:rPr lang="en-US" dirty="0">
                 <a:solidFill>
                   <a:srgbClr val="800080"/>
                 </a:solidFill>
@@ -2498,7 +2521,7 @@
               <a:t>?</a:t>
             </a:r>
             <a:r>
-              <a:rPr lang="en-US" dirty="0" smtClean="0">
+              <a:rPr lang="en-US" dirty="0">
                 <a:solidFill>
                   <a:prstClr val="black"/>
                 </a:solidFill>
@@ -2507,7 +2530,7 @@
               <a:t>) this</a:t>
             </a:r>
             <a:r>
-              <a:rPr lang="cs-CZ" dirty="0" smtClean="0">
+              <a:rPr lang="cs-CZ" dirty="0">
                 <a:solidFill>
                   <a:srgbClr val="808000"/>
                 </a:solidFill>
@@ -2516,7 +2539,7 @@
               <a:t> "</a:t>
             </a:r>
             <a:r>
-              <a:rPr lang="en-US" dirty="0" smtClean="0">
+              <a:rPr lang="en-US" dirty="0">
                 <a:solidFill>
                   <a:srgbClr val="808000"/>
                 </a:solidFill>
@@ -2555,13 +2578,6 @@
       </p:transition>
     </mc:Fallback>
   </mc:AlternateContent>
-  <p:timing>
-    <p:tnLst>
-      <p:par>
-        <p:cTn id="1" dur="indefinite" restart="never" nodeType="tmRoot"/>
-      </p:par>
-    </p:tnLst>
-  </p:timing>
 </p:sld>
 </file>
 
@@ -2598,7 +2614,7 @@
           <a:lstStyle/>
           <a:p>
             <a:r>
-              <a:rPr lang="en-US" dirty="0" smtClean="0"/>
+              <a:rPr lang="en-US" dirty="0"/>
               <a:t>More about F# events</a:t>
             </a:r>
             <a:endParaRPr lang="cs-CZ" dirty="0"/>
@@ -2626,11 +2642,11 @@
           <a:lstStyle/>
           <a:p>
             <a:r>
-              <a:rPr lang="en-US" dirty="0" smtClean="0"/>
+              <a:rPr lang="en-US" dirty="0"/>
               <a:t>Events in F# are </a:t>
             </a:r>
             <a:r>
-              <a:rPr lang="en-US" i="1" dirty="0" smtClean="0"/>
+              <a:rPr lang="en-US" i="1" dirty="0"/>
               <a:t>first-class values</a:t>
             </a:r>
           </a:p>
@@ -2677,7 +2693,7 @@
           <a:p>
             <a:pPr lvl="1"/>
             <a:r>
-              <a:rPr lang="en-US" dirty="0" smtClean="0"/>
+              <a:rPr lang="en-US" dirty="0"/>
               <a:t>Events carry values </a:t>
             </a:r>
             <a:r>
@@ -2703,11 +2719,11 @@
               <a:t> </a:t>
             </a:r>
             <a:r>
-              <a:rPr lang="en-US" dirty="0" smtClean="0"/>
+              <a:rPr lang="en-US" dirty="0"/>
               <a:t>such as </a:t>
             </a:r>
             <a:r>
-              <a:rPr lang="en-US" sz="2400" dirty="0" err="1" smtClean="0">
+              <a:rPr lang="en-US" sz="2400" dirty="0" err="1">
                 <a:solidFill>
                   <a:schemeClr val="accent1">
                     <a:lumMod val="50000"/>
@@ -2718,7 +2734,7 @@
               </a:rPr>
               <a:t>MouseEventArgs</a:t>
             </a:r>
-            <a:endParaRPr lang="en-US" dirty="0" smtClean="0">
+            <a:endParaRPr lang="en-US" dirty="0">
               <a:solidFill>
                 <a:schemeClr val="accent1">
                   <a:lumMod val="50000"/>
@@ -2729,21 +2745,21 @@
           <a:p>
             <a:pPr lvl="1"/>
             <a:r>
-              <a:rPr lang="en-US" dirty="0" smtClean="0"/>
+              <a:rPr lang="en-US" dirty="0"/>
               <a:t>Can be passed as arguments, returned as results</a:t>
             </a:r>
           </a:p>
           <a:p>
             <a:pPr lvl="4"/>
-            <a:endParaRPr lang="en-US" dirty="0" smtClean="0"/>
-          </a:p>
-          <a:p>
-            <a:r>
-              <a:rPr lang="en-US" dirty="0" smtClean="0"/>
+            <a:endParaRPr lang="en-US" dirty="0"/>
+          </a:p>
+          <a:p>
+            <a:r>
+              <a:rPr lang="en-US" dirty="0"/>
               <a:t>We use functions for working with </a:t>
             </a:r>
             <a:r>
-              <a:rPr lang="en-US" i="1" dirty="0" smtClean="0"/>
+              <a:rPr lang="en-US" i="1" dirty="0"/>
               <a:t>event values</a:t>
             </a:r>
           </a:p>
@@ -2756,7 +2772,7 @@
           </a:p>
           <a:p>
             <a:pPr lvl="1"/>
-            <a:endParaRPr lang="en-US" i="1" dirty="0" smtClean="0">
+            <a:endParaRPr lang="en-US" i="1" dirty="0">
               <a:latin typeface="Consolas" pitchFamily="49" charset="0"/>
               <a:cs typeface="Consolas" pitchFamily="49" charset="0"/>
             </a:endParaRPr>
@@ -2764,21 +2780,21 @@
           <a:p>
             <a:pPr lvl="1"/>
             <a:r>
-              <a:rPr lang="en-US" dirty="0" smtClean="0"/>
+              <a:rPr lang="en-US" dirty="0"/>
               <a:t>Create new event that carries different type of </a:t>
             </a:r>
             <a:br>
-              <a:rPr lang="en-US" dirty="0" smtClean="0"/>
+              <a:rPr lang="en-US" dirty="0"/>
             </a:br>
             <a:r>
-              <a:rPr lang="en-US" dirty="0" smtClean="0"/>
+              <a:rPr lang="en-US" dirty="0"/>
               <a:t>value and is triggered only in some cases</a:t>
             </a:r>
           </a:p>
           <a:p>
             <a:pPr lvl="1"/>
             <a:r>
-              <a:rPr lang="en-US" sz="2400" dirty="0" err="1" smtClean="0">
+              <a:rPr lang="en-US" sz="2400" dirty="0" err="1">
                 <a:solidFill>
                   <a:schemeClr val="accent1">
                     <a:lumMod val="50000"/>
@@ -2790,7 +2806,7 @@
               <a:t>Event.add</a:t>
             </a:r>
             <a:r>
-              <a:rPr lang="en-US" dirty="0" smtClean="0"/>
+              <a:rPr lang="en-US" dirty="0"/>
               <a:t> registers handler to the final event</a:t>
             </a:r>
             <a:endParaRPr lang="en-US" dirty="0">
@@ -2835,7 +2851,7 @@
           <a:lstStyle/>
           <a:p>
             <a:r>
-              <a:rPr lang="cs-CZ" dirty="0" smtClean="0">
+              <a:rPr lang="cs-CZ" dirty="0">
                 <a:solidFill>
                   <a:srgbClr val="020002"/>
                 </a:solidFill>
@@ -2844,7 +2860,7 @@
               <a:t>Event</a:t>
             </a:r>
             <a:r>
-              <a:rPr lang="cs-CZ" dirty="0" smtClean="0">
+              <a:rPr lang="cs-CZ" dirty="0">
                 <a:solidFill>
                   <a:srgbClr val="800080"/>
                 </a:solidFill>
@@ -2853,7 +2869,7 @@
               <a:t>.</a:t>
             </a:r>
             <a:r>
-              <a:rPr lang="cs-CZ" dirty="0" smtClean="0">
+              <a:rPr lang="cs-CZ" dirty="0">
                 <a:solidFill>
                   <a:srgbClr val="020002"/>
                 </a:solidFill>
@@ -2862,7 +2878,7 @@
               <a:t>map</a:t>
             </a:r>
             <a:r>
-              <a:rPr lang="cs-CZ" dirty="0" smtClean="0">
+              <a:rPr lang="cs-CZ" dirty="0">
                 <a:solidFill>
                   <a:prstClr val="black"/>
                 </a:solidFill>
@@ -2871,7 +2887,7 @@
               <a:t> </a:t>
             </a:r>
             <a:r>
-              <a:rPr lang="en-US" dirty="0" smtClean="0">
+              <a:rPr lang="en-US" dirty="0">
                 <a:solidFill>
                   <a:prstClr val="black"/>
                 </a:solidFill>
@@ -2880,7 +2896,7 @@
               <a:t>   : ('T -&gt; 'R)   -&gt; </a:t>
             </a:r>
             <a:r>
-              <a:rPr lang="en-US" dirty="0" err="1" smtClean="0">
+              <a:rPr lang="en-US" dirty="0" err="1">
                 <a:solidFill>
                   <a:prstClr val="black"/>
                 </a:solidFill>
@@ -2889,7 +2905,7 @@
               <a:t>IEvent</a:t>
             </a:r>
             <a:r>
-              <a:rPr lang="en-US" dirty="0" smtClean="0">
+              <a:rPr lang="en-US" dirty="0">
                 <a:solidFill>
                   <a:prstClr val="black"/>
                 </a:solidFill>
@@ -2907,7 +2923,7 @@
               <a:t>IEvent</a:t>
             </a:r>
             <a:r>
-              <a:rPr lang="en-US" dirty="0" smtClean="0">
+              <a:rPr lang="en-US" dirty="0">
                 <a:solidFill>
                   <a:prstClr val="black"/>
                 </a:solidFill>
@@ -2918,7 +2934,7 @@
           </a:p>
           <a:p>
             <a:r>
-              <a:rPr lang="en-US" dirty="0" err="1" smtClean="0">
+              <a:rPr lang="en-US" dirty="0" err="1">
                 <a:solidFill>
                   <a:prstClr val="black"/>
                 </a:solidFill>
@@ -2927,25 +2943,16 @@
               <a:t>Event.filter</a:t>
             </a:r>
             <a:r>
-              <a:rPr lang="en-US" dirty="0" smtClean="0">
-                <a:solidFill>
-                  <a:prstClr val="black"/>
-                </a:solidFill>
-                <a:latin typeface="Consolas"/>
-              </a:rPr>
-              <a:t> : </a:t>
-            </a:r>
-            <a:r>
               <a:rPr lang="en-US" dirty="0">
                 <a:solidFill>
                   <a:prstClr val="black"/>
                 </a:solidFill>
                 <a:latin typeface="Consolas"/>
               </a:rPr>
-              <a:t>('T -&gt; </a:t>
-            </a:r>
-            <a:r>
-              <a:rPr lang="en-US" dirty="0" err="1" smtClean="0">
+              <a:t> : ('T -&gt; </a:t>
+            </a:r>
+            <a:r>
+              <a:rPr lang="en-US" dirty="0" err="1">
                 <a:solidFill>
                   <a:prstClr val="black"/>
                 </a:solidFill>
@@ -2954,22 +2961,13 @@
               <a:t>bool</a:t>
             </a:r>
             <a:r>
-              <a:rPr lang="en-US" dirty="0" smtClean="0">
-                <a:solidFill>
-                  <a:prstClr val="black"/>
-                </a:solidFill>
-                <a:latin typeface="Consolas"/>
-              </a:rPr>
-              <a:t>) </a:t>
-            </a:r>
-            <a:r>
               <a:rPr lang="en-US" dirty="0">
                 <a:solidFill>
                   <a:prstClr val="black"/>
                 </a:solidFill>
                 <a:latin typeface="Consolas"/>
               </a:rPr>
-              <a:t>-&gt; </a:t>
+              <a:t>) -&gt; </a:t>
             </a:r>
             <a:r>
               <a:rPr lang="en-US" dirty="0" err="1">
@@ -2999,7 +2997,7 @@
               <a:t>IEvent</a:t>
             </a:r>
             <a:r>
-              <a:rPr lang="en-US" dirty="0" smtClean="0">
+              <a:rPr lang="en-US" dirty="0">
                 <a:solidFill>
                   <a:prstClr val="black"/>
                 </a:solidFill>
@@ -3007,12 +3005,6 @@
               </a:rPr>
               <a:t>&lt;'T&gt;</a:t>
             </a:r>
-            <a:endParaRPr lang="en-US" dirty="0">
-              <a:solidFill>
-                <a:prstClr val="black"/>
-              </a:solidFill>
-              <a:latin typeface="Consolas"/>
-            </a:endParaRPr>
           </a:p>
         </p:txBody>
       </p:sp>
@@ -3038,13 +3030,6 @@
       </p:transition>
     </mc:Fallback>
   </mc:AlternateContent>
-  <p:timing>
-    <p:tnLst>
-      <p:par>
-        <p:cTn id="1" dur="indefinite" restart="never" nodeType="tmRoot"/>
-      </p:par>
-    </p:tnLst>
-  </p:timing>
 </p:sld>
 </file>
 
@@ -3081,7 +3066,7 @@
           <a:lstStyle/>
           <a:p>
             <a:r>
-              <a:rPr lang="en-US" dirty="0" smtClean="0"/>
+              <a:rPr lang="en-US" dirty="0"/>
               <a:t>Two interesting event combinators</a:t>
             </a:r>
             <a:endParaRPr lang="cs-CZ" dirty="0"/>
@@ -3135,33 +3120,33 @@
             </a:endParaRPr>
           </a:p>
           <a:p>
-            <a:endParaRPr lang="en-US" dirty="0" smtClean="0"/>
+            <a:endParaRPr lang="en-US" dirty="0"/>
           </a:p>
           <a:p>
             <a:pPr lvl="1"/>
             <a:r>
-              <a:rPr lang="en-US" dirty="0" smtClean="0"/>
+              <a:rPr lang="en-US" dirty="0"/>
               <a:t>Triggered whenever first or second event occurs</a:t>
             </a:r>
           </a:p>
           <a:p>
             <a:pPr lvl="1"/>
             <a:r>
-              <a:rPr lang="en-US" dirty="0" smtClean="0"/>
+              <a:rPr lang="en-US" dirty="0"/>
               <a:t>Note that the carried values must have same type</a:t>
             </a:r>
           </a:p>
           <a:p>
             <a:pPr lvl="3"/>
-            <a:endParaRPr lang="en-US" dirty="0" smtClean="0"/>
-          </a:p>
-          <a:p>
-            <a:r>
-              <a:rPr lang="en-US" dirty="0" smtClean="0"/>
+            <a:endParaRPr lang="en-US" dirty="0"/>
+          </a:p>
+          <a:p>
+            <a:r>
+              <a:rPr lang="en-US" dirty="0"/>
               <a:t>Creating stateful events with </a:t>
             </a:r>
             <a:r>
-              <a:rPr lang="en-US" sz="2800" dirty="0" err="1" smtClean="0">
+              <a:rPr lang="en-US" sz="2800" dirty="0" err="1">
                 <a:solidFill>
                   <a:schemeClr val="accent1">
                     <a:lumMod val="50000"/>
@@ -3172,7 +3157,7 @@
               </a:rPr>
               <a:t>Event.scan</a:t>
             </a:r>
-            <a:endParaRPr lang="en-US" sz="2800" dirty="0" smtClean="0">
+            <a:endParaRPr lang="en-US" sz="2800" dirty="0">
               <a:solidFill>
                 <a:schemeClr val="accent1">
                   <a:lumMod val="50000"/>
@@ -3183,19 +3168,19 @@
             </a:endParaRPr>
           </a:p>
           <a:p>
-            <a:endParaRPr lang="en-US" dirty="0" smtClean="0"/>
+            <a:endParaRPr lang="en-US" dirty="0"/>
           </a:p>
           <a:p>
             <a:pPr lvl="1"/>
             <a:r>
-              <a:rPr lang="en-US" dirty="0" smtClean="0"/>
+              <a:rPr lang="en-US" dirty="0"/>
               <a:t>State is recalculated each time event occurs</a:t>
             </a:r>
           </a:p>
           <a:p>
             <a:pPr lvl="1"/>
             <a:r>
-              <a:rPr lang="en-US" dirty="0" smtClean="0"/>
+              <a:rPr lang="en-US" dirty="0"/>
               <a:t>Triggered with new state after recalculation</a:t>
             </a:r>
             <a:endParaRPr lang="cs-CZ" dirty="0">
@@ -3245,7 +3230,7 @@
           <a:lstStyle/>
           <a:p>
             <a:r>
-              <a:rPr lang="en-US" dirty="0" err="1" smtClean="0">
+              <a:rPr lang="en-US" dirty="0" err="1">
                 <a:solidFill>
                   <a:prstClr val="black"/>
                 </a:solidFill>
@@ -3254,7 +3239,7 @@
               <a:t>IEvent</a:t>
             </a:r>
             <a:r>
-              <a:rPr lang="en-US" dirty="0" smtClean="0">
+              <a:rPr lang="en-US" dirty="0">
                 <a:solidFill>
                   <a:prstClr val="black"/>
                 </a:solidFill>
@@ -3296,16 +3281,7 @@
                 </a:solidFill>
                 <a:latin typeface="Consolas"/>
               </a:rPr>
-              <a:t>&lt;</a:t>
-            </a:r>
-            <a:r>
-              <a:rPr lang="en-US" dirty="0" smtClean="0">
-                <a:solidFill>
-                  <a:prstClr val="black"/>
-                </a:solidFill>
-                <a:latin typeface="Consolas"/>
-              </a:rPr>
-              <a:t>'T&gt;</a:t>
+              <a:t>&lt;'T&gt;</a:t>
             </a:r>
           </a:p>
         </p:txBody>
@@ -3345,31 +3321,22 @@
           <a:lstStyle/>
           <a:p>
             <a:r>
-              <a:rPr lang="en-US" dirty="0" smtClean="0">
-                <a:solidFill>
-                  <a:prstClr val="black"/>
-                </a:solidFill>
-                <a:latin typeface="Consolas"/>
-              </a:rPr>
-              <a:t>('St -&gt; 'T </a:t>
-            </a:r>
-            <a:r>
               <a:rPr lang="en-US" dirty="0">
                 <a:solidFill>
                   <a:prstClr val="black"/>
                 </a:solidFill>
                 <a:latin typeface="Consolas"/>
               </a:rPr>
-              <a:t>-&gt; </a:t>
-            </a:r>
-            <a:r>
-              <a:rPr lang="en-US" dirty="0" smtClean="0">
-                <a:solidFill>
-                  <a:prstClr val="black"/>
-                </a:solidFill>
-                <a:latin typeface="Consolas"/>
-              </a:rPr>
-              <a:t>'St) </a:t>
+              <a:t>('St -&gt; 'T -&gt; 'St) -&gt; 'St -&gt; </a:t>
+            </a:r>
+            <a:r>
+              <a:rPr lang="en-US" dirty="0" err="1">
+                <a:solidFill>
+                  <a:prstClr val="black"/>
+                </a:solidFill>
+                <a:latin typeface="Consolas"/>
+              </a:rPr>
+              <a:t>IEvent</a:t>
             </a:r>
             <a:r>
               <a:rPr lang="en-US" dirty="0">
@@ -3378,19 +3345,10 @@
                 </a:solidFill>
                 <a:latin typeface="Consolas"/>
               </a:rPr>
-              <a:t>-&gt; </a:t>
-            </a:r>
-            <a:r>
-              <a:rPr lang="en-US" dirty="0" smtClean="0">
-                <a:solidFill>
-                  <a:prstClr val="black"/>
-                </a:solidFill>
-                <a:latin typeface="Consolas"/>
-              </a:rPr>
-              <a:t>'St -&gt; </a:t>
-            </a:r>
-            <a:r>
-              <a:rPr lang="en-US" dirty="0" err="1" smtClean="0">
+              <a:t>&lt;'T&gt; -&gt; </a:t>
+            </a:r>
+            <a:r>
+              <a:rPr lang="en-US" dirty="0" err="1">
                 <a:solidFill>
                   <a:prstClr val="black"/>
                 </a:solidFill>
@@ -3405,32 +3363,8 @@
                 </a:solidFill>
                 <a:latin typeface="Consolas"/>
               </a:rPr>
-              <a:t>&lt;'T&gt; -&gt; </a:t>
-            </a:r>
-            <a:r>
-              <a:rPr lang="en-US" dirty="0" err="1">
-                <a:solidFill>
-                  <a:prstClr val="black"/>
-                </a:solidFill>
-                <a:latin typeface="Consolas"/>
-              </a:rPr>
-              <a:t>IEvent</a:t>
-            </a:r>
-            <a:r>
-              <a:rPr lang="en-US" dirty="0" smtClean="0">
-                <a:solidFill>
-                  <a:prstClr val="black"/>
-                </a:solidFill>
-                <a:latin typeface="Consolas"/>
-              </a:rPr>
               <a:t>&lt;'St&gt;</a:t>
             </a:r>
-            <a:endParaRPr lang="en-US" dirty="0">
-              <a:solidFill>
-                <a:prstClr val="black"/>
-              </a:solidFill>
-              <a:latin typeface="Consolas"/>
-            </a:endParaRPr>
           </a:p>
         </p:txBody>
       </p:sp>
@@ -3456,13 +3390,6 @@
       </p:transition>
     </mc:Fallback>
   </mc:AlternateContent>
-  <p:timing>
-    <p:tnLst>
-      <p:par>
-        <p:cTn id="1" dur="indefinite" restart="never" nodeType="tmRoot"/>
-      </p:par>
-    </p:tnLst>
-  </p:timing>
 </p:sld>
 </file>
 
@@ -3499,15 +3426,15 @@
           <a:lstStyle/>
           <a:p>
             <a:r>
-              <a:rPr lang="en-US" dirty="0" smtClean="0"/>
+              <a:rPr lang="en-US" dirty="0"/>
               <a:t>Creating </a:t>
             </a:r>
             <a:r>
-              <a:rPr lang="en-US" dirty="0" err="1" smtClean="0"/>
+              <a:rPr lang="en-US" dirty="0" err="1"/>
               <a:t>ColorSelector</a:t>
             </a:r>
             <a:r>
-              <a:rPr lang="en-US" dirty="0" smtClean="0"/>
+              <a:rPr lang="en-US" dirty="0"/>
               <a:t> control</a:t>
             </a:r>
             <a:endParaRPr lang="cs-CZ" dirty="0"/>
@@ -3535,20 +3462,20 @@
           <a:lstStyle/>
           <a:p>
             <a:r>
-              <a:rPr lang="en-US" dirty="0" smtClean="0"/>
+              <a:rPr lang="en-US" dirty="0"/>
               <a:t>Three sliders for changing </a:t>
             </a:r>
             <a:br>
-              <a:rPr lang="en-US" dirty="0" smtClean="0"/>
+              <a:rPr lang="en-US" dirty="0"/>
             </a:br>
             <a:r>
-              <a:rPr lang="en-US" dirty="0" smtClean="0"/>
+              <a:rPr lang="en-US" dirty="0"/>
               <a:t>color components</a:t>
             </a:r>
           </a:p>
           <a:p>
             <a:r>
-              <a:rPr lang="en-US" dirty="0" smtClean="0"/>
+              <a:rPr lang="en-US" dirty="0"/>
               <a:t>Box shows current color</a:t>
             </a:r>
           </a:p>
@@ -3557,7 +3484,7 @@
           </a:p>
           <a:p>
             <a:r>
-              <a:rPr lang="en-US" dirty="0" smtClean="0"/>
+              <a:rPr lang="en-US" dirty="0"/>
               <a:t>Data-flow diagram describes the activity</a:t>
             </a:r>
             <a:endParaRPr lang="cs-CZ" dirty="0"/>
@@ -3650,7 +3577,7 @@
           <a:graphicData uri="http://schemas.openxmlformats.org/presentationml/2006/ole">
             <mc:AlternateContent xmlns:mc="http://schemas.openxmlformats.org/markup-compatibility/2006">
               <mc:Choice xmlns:v="urn:schemas-microsoft-com:vml" Requires="v">
-                <p:oleObj spid="_x0000_s1059" name="Visio" r:id="rId4" imgW="4509540" imgH="949984" progId="Visio.Drawing.11">
+                <p:oleObj spid="_x0000_s1060" name="Visio" r:id="rId4" imgW="4509540" imgH="949984" progId="Visio.Drawing.11">
                   <p:embed/>
                 </p:oleObj>
               </mc:Choice>
@@ -3760,7 +3687,7 @@
                 <a:spcPct val="0"/>
               </a:spcAft>
             </a:pPr>
-            <a:endParaRPr lang="cs-CZ" sz="2400" dirty="0" smtClean="0">
+            <a:endParaRPr lang="cs-CZ" sz="2400" dirty="0">
               <a:gradFill>
                 <a:gsLst>
                   <a:gs pos="0">
@@ -3800,7 +3727,7 @@
           <a:p>
             <a:pPr algn="ctr"/>
             <a:r>
-              <a:rPr lang="en-US" b="1" dirty="0" smtClean="0">
+              <a:rPr lang="en-US" b="1" dirty="0">
                 <a:gradFill>
                   <a:gsLst>
                     <a:gs pos="0">
@@ -3815,7 +3742,7 @@
               </a:rPr>
               <a:t>Diagrams</a:t>
             </a:r>
-            <a:endParaRPr lang="cs-CZ" b="1" dirty="0" err="1" smtClean="0">
+            <a:endParaRPr lang="cs-CZ" b="1" dirty="0" err="1">
               <a:gradFill>
                 <a:gsLst>
                   <a:gs pos="0">
@@ -4573,7 +4500,7 @@
           <a:lstStyle/>
           <a:p>
             <a:r>
-              <a:rPr lang="en-US" dirty="0" smtClean="0"/>
+              <a:rPr lang="en-US" dirty="0"/>
               <a:t>DEMO</a:t>
             </a:r>
             <a:endParaRPr lang="cs-CZ" dirty="0"/>
@@ -4596,15 +4523,15 @@
           <a:lstStyle/>
           <a:p>
             <a:r>
-              <a:rPr lang="en-US" dirty="0" smtClean="0"/>
+              <a:rPr lang="en-US" dirty="0"/>
               <a:t>Writing </a:t>
             </a:r>
             <a:r>
-              <a:rPr lang="en-US" dirty="0" err="1" smtClean="0"/>
+              <a:rPr lang="en-US" dirty="0" err="1"/>
               <a:t>ColorSelector</a:t>
             </a:r>
             <a:r>
-              <a:rPr lang="en-US" dirty="0" smtClean="0"/>
+              <a:rPr lang="en-US" dirty="0"/>
               <a:t> control with F# events</a:t>
             </a:r>
             <a:endParaRPr lang="cs-CZ" dirty="0"/>
@@ -4633,13 +4560,6 @@
       </p:transition>
     </mc:Fallback>
   </mc:AlternateContent>
-  <p:timing>
-    <p:tnLst>
-      <p:par>
-        <p:cTn id="1" dur="indefinite" restart="never" nodeType="tmRoot"/>
-      </p:par>
-    </p:tnLst>
-  </p:timing>
 </p:sld>
 </file>
 
@@ -4676,7 +4596,7 @@
           <a:lstStyle/>
           <a:p>
             <a:r>
-              <a:rPr lang="en-US" dirty="0" smtClean="0"/>
+              <a:rPr lang="en-US" dirty="0"/>
               <a:t>Accessing F# events from C#</a:t>
             </a:r>
             <a:endParaRPr lang="cs-CZ" dirty="0"/>
@@ -4704,7 +4624,7 @@
           <a:lstStyle/>
           <a:p>
             <a:r>
-              <a:rPr lang="en-US" dirty="0" smtClean="0"/>
+              <a:rPr lang="en-US" dirty="0"/>
               <a:t>Events in F# are values of type </a:t>
             </a:r>
             <a:r>
@@ -4731,25 +4651,25 @@
               </a:rPr>
               <a:t>&lt;'T&gt;</a:t>
             </a:r>
-            <a:endParaRPr lang="en-US" sz="2800" i="1" dirty="0" smtClean="0"/>
+            <a:endParaRPr lang="en-US" sz="2800" i="1" dirty="0"/>
           </a:p>
           <a:p>
             <a:pPr lvl="1"/>
             <a:r>
-              <a:rPr lang="en-US" dirty="0" smtClean="0"/>
+              <a:rPr lang="en-US" dirty="0"/>
               <a:t>Enables F# way of working with events</a:t>
             </a:r>
           </a:p>
           <a:p>
             <a:pPr lvl="1"/>
             <a:r>
-              <a:rPr lang="en-US" dirty="0" smtClean="0"/>
+              <a:rPr lang="en-US" dirty="0"/>
               <a:t>Attribute instructs F# to generate .NET event</a:t>
             </a:r>
           </a:p>
           <a:p>
             <a:pPr lvl="1"/>
-            <a:endParaRPr lang="en-US" dirty="0" smtClean="0"/>
+            <a:endParaRPr lang="en-US" dirty="0"/>
           </a:p>
           <a:p>
             <a:pPr lvl="1"/>
@@ -4778,10 +4698,14 @@
                 <a:latin typeface="Consolas" pitchFamily="49" charset="0"/>
                 <a:cs typeface="Consolas" pitchFamily="49" charset="0"/>
               </a:rPr>
-              <a:t>&lt;</a:t>
-            </a:r>
-            <a:r>
-              <a:rPr lang="en-US" sz="2800" dirty="0" smtClean="0">
+              <a:t>&lt;'T&gt; </a:t>
+            </a:r>
+            <a:r>
+              <a:rPr lang="en-US" dirty="0"/>
+              <a:t>vs. </a:t>
+            </a:r>
+            <a:r>
+              <a:rPr lang="en-US" sz="2800" dirty="0" err="1">
                 <a:solidFill>
                   <a:srgbClr val="94B6D2">
                     <a:lumMod val="50000"/>
@@ -4790,14 +4714,10 @@
                 <a:latin typeface="Consolas" pitchFamily="49" charset="0"/>
                 <a:cs typeface="Consolas" pitchFamily="49" charset="0"/>
               </a:rPr>
-              <a:t>'T&gt; </a:t>
-            </a:r>
-            <a:r>
-              <a:rPr lang="en-US" dirty="0" smtClean="0"/>
-              <a:t>vs. </a:t>
-            </a:r>
-            <a:r>
-              <a:rPr lang="en-US" sz="2800" dirty="0" err="1" smtClean="0">
+              <a:t>IObservable</a:t>
+            </a:r>
+            <a:r>
+              <a:rPr lang="en-US" sz="2800" dirty="0">
                 <a:solidFill>
                   <a:srgbClr val="94B6D2">
                     <a:lumMod val="50000"/>
@@ -4806,10 +4726,28 @@
                 <a:latin typeface="Consolas" pitchFamily="49" charset="0"/>
                 <a:cs typeface="Consolas" pitchFamily="49" charset="0"/>
               </a:rPr>
-              <a:t>IObservable</a:t>
-            </a:r>
-            <a:r>
-              <a:rPr lang="en-US" sz="2800" dirty="0" smtClean="0">
+              <a:t>&lt;'T&gt;</a:t>
+            </a:r>
+            <a:r>
+              <a:rPr lang="en-US" dirty="0"/>
+              <a:t> in .NET 4.0</a:t>
+            </a:r>
+          </a:p>
+          <a:p>
+            <a:pPr lvl="1"/>
+            <a:r>
+              <a:rPr lang="en-US" dirty="0"/>
+              <a:t>You can work with both of them from F#</a:t>
+            </a:r>
+          </a:p>
+          <a:p>
+            <a:pPr lvl="2"/>
+            <a:r>
+              <a:rPr lang="en-US" dirty="0"/>
+              <a:t>Using combinators such as </a:t>
+            </a:r>
+            <a:r>
+              <a:rPr lang="en-US" sz="2000" dirty="0" err="1">
                 <a:solidFill>
                   <a:srgbClr val="94B6D2">
                     <a:lumMod val="50000"/>
@@ -4818,10 +4756,10 @@
                 <a:latin typeface="Consolas" pitchFamily="49" charset="0"/>
                 <a:cs typeface="Consolas" pitchFamily="49" charset="0"/>
               </a:rPr>
-              <a:t>&lt;</a:t>
-            </a:r>
-            <a:r>
-              <a:rPr lang="en-US" sz="2800" dirty="0">
+              <a:t>Observable.map</a:t>
+            </a:r>
+            <a:r>
+              <a:rPr lang="en-US" sz="2000" dirty="0">
                 <a:solidFill>
                   <a:srgbClr val="94B6D2">
                     <a:lumMod val="50000"/>
@@ -4830,72 +4768,30 @@
                 <a:latin typeface="Consolas" pitchFamily="49" charset="0"/>
                 <a:cs typeface="Consolas" pitchFamily="49" charset="0"/>
               </a:rPr>
-              <a:t>'T&gt;</a:t>
-            </a:r>
-            <a:r>
-              <a:rPr lang="en-US" dirty="0" smtClean="0"/>
-              <a:t> in .NET 4.0</a:t>
+              <a:t> </a:t>
+            </a:r>
+            <a:r>
+              <a:rPr lang="en-US" dirty="0"/>
+              <a:t>etc.</a:t>
             </a:r>
           </a:p>
           <a:p>
             <a:pPr lvl="1"/>
             <a:r>
-              <a:rPr lang="en-US" dirty="0" smtClean="0"/>
-              <a:t>You can work with both of them from F#</a:t>
-            </a:r>
-          </a:p>
-          <a:p>
-            <a:pPr lvl="2"/>
-            <a:r>
-              <a:rPr lang="en-US" dirty="0" smtClean="0"/>
-              <a:t>Using combinators such as </a:t>
-            </a:r>
-            <a:r>
-              <a:rPr lang="en-US" sz="2000" dirty="0" err="1" smtClean="0">
-                <a:solidFill>
-                  <a:srgbClr val="94B6D2">
-                    <a:lumMod val="50000"/>
-                  </a:srgbClr>
-                </a:solidFill>
-                <a:latin typeface="Consolas" pitchFamily="49" charset="0"/>
-                <a:cs typeface="Consolas" pitchFamily="49" charset="0"/>
-              </a:rPr>
-              <a:t>Observable.map</a:t>
-            </a:r>
-            <a:r>
-              <a:rPr lang="en-US" sz="2000" dirty="0" smtClean="0">
-                <a:solidFill>
-                  <a:srgbClr val="94B6D2">
-                    <a:lumMod val="50000"/>
-                  </a:srgbClr>
-                </a:solidFill>
-                <a:latin typeface="Consolas" pitchFamily="49" charset="0"/>
-                <a:cs typeface="Consolas" pitchFamily="49" charset="0"/>
-              </a:rPr>
-              <a:t> </a:t>
-            </a:r>
-            <a:r>
-              <a:rPr lang="en-US" dirty="0" smtClean="0"/>
-              <a:t>etc.</a:t>
+              <a:rPr lang="en-US" dirty="0"/>
+              <a:t>Observable keeps separate state for each handler</a:t>
             </a:r>
           </a:p>
           <a:p>
             <a:pPr lvl="1"/>
             <a:r>
-              <a:rPr lang="en-US" dirty="0" smtClean="0"/>
-              <a:t>Observable keeps separate state for each handler</a:t>
+              <a:rPr lang="en-US" dirty="0"/>
+              <a:t>Can be confusing if you add/remove handlers </a:t>
             </a:r>
           </a:p>
           <a:p>
             <a:pPr lvl="1"/>
-            <a:r>
-              <a:rPr lang="en-US" dirty="0" smtClean="0"/>
-              <a:t>Can be confusing if you add/remove handlers </a:t>
-            </a:r>
-          </a:p>
-          <a:p>
-            <a:pPr lvl="1"/>
-            <a:endParaRPr lang="en-US" dirty="0" smtClean="0"/>
+            <a:endParaRPr lang="en-US" dirty="0"/>
           </a:p>
         </p:txBody>
       </p:sp>
@@ -4934,7 +4830,7 @@
           <a:lstStyle/>
           <a:p>
             <a:r>
-              <a:rPr lang="en-US" dirty="0" smtClean="0">
+              <a:rPr lang="en-US" dirty="0">
                 <a:solidFill>
                   <a:srgbClr val="020002"/>
                 </a:solidFill>
@@ -4943,7 +4839,7 @@
               <a:t>[&lt;C</a:t>
             </a:r>
             <a:r>
-              <a:rPr lang="cs-CZ" dirty="0" smtClean="0">
+              <a:rPr lang="cs-CZ" dirty="0">
                 <a:solidFill>
                   <a:srgbClr val="020002"/>
                 </a:solidFill>
@@ -5035,7 +4931,7 @@
               <a:t> </a:t>
             </a:r>
             <a:r>
-              <a:rPr lang="cs-CZ" dirty="0" smtClean="0">
+              <a:rPr lang="cs-CZ" dirty="0">
                 <a:solidFill>
                   <a:srgbClr val="020002"/>
                 </a:solidFill>
@@ -5074,13 +4970,6 @@
       </p:transition>
     </mc:Fallback>
   </mc:AlternateContent>
-  <p:timing>
-    <p:tnLst>
-      <p:par>
-        <p:cTn id="1" dur="indefinite" restart="never" nodeType="tmRoot"/>
-      </p:par>
-    </p:tnLst>
-  </p:timing>
 </p:sld>
 </file>
 
@@ -5156,7 +5045,7 @@
           <a:lstStyle/>
           <a:p>
             <a:r>
-              <a:rPr lang="en-US" dirty="0" smtClean="0"/>
+              <a:rPr lang="en-US" dirty="0"/>
               <a:t>Talk outline</a:t>
             </a:r>
             <a:endParaRPr lang="cs-CZ" dirty="0"/>
@@ -5184,38 +5073,38 @@
           <a:lstStyle/>
           <a:p>
             <a:r>
-              <a:rPr lang="en-US" dirty="0" smtClean="0"/>
+              <a:rPr lang="en-US" dirty="0"/>
               <a:t>Writing reactive GUIs declaratively</a:t>
             </a:r>
           </a:p>
           <a:p>
             <a:pPr lvl="1"/>
             <a:r>
-              <a:rPr lang="en-US" dirty="0" smtClean="0"/>
+              <a:rPr lang="en-US" dirty="0"/>
               <a:t>Declarative GUI programming in WPF</a:t>
             </a:r>
           </a:p>
           <a:p>
             <a:pPr lvl="1"/>
             <a:r>
-              <a:rPr lang="en-US" dirty="0" smtClean="0"/>
+              <a:rPr lang="en-US" dirty="0"/>
               <a:t>Using F# event combinators</a:t>
             </a:r>
           </a:p>
           <a:p>
             <a:r>
-              <a:rPr lang="en-US" b="1" dirty="0" smtClean="0"/>
+              <a:rPr lang="en-US" b="1" dirty="0"/>
               <a:t>Writing reactive GUIs imperatively</a:t>
             </a:r>
           </a:p>
           <a:p>
             <a:pPr lvl="1"/>
             <a:r>
-              <a:rPr lang="en-US" dirty="0" smtClean="0"/>
+              <a:rPr lang="en-US" dirty="0"/>
               <a:t>Using the </a:t>
             </a:r>
             <a:r>
-              <a:rPr lang="en-US" sz="2400" dirty="0" err="1" smtClean="0">
+              <a:rPr lang="en-US" sz="2400" dirty="0" err="1">
                 <a:solidFill>
                   <a:schemeClr val="accent1">
                     <a:lumMod val="50000"/>
@@ -5227,7 +5116,7 @@
               <a:t>AwaitObservable</a:t>
             </a:r>
             <a:r>
-              <a:rPr lang="en-US" dirty="0" smtClean="0">
+              <a:rPr lang="en-US" dirty="0">
                 <a:solidFill>
                   <a:schemeClr val="accent1">
                     <a:lumMod val="50000"/>
@@ -5237,27 +5126,27 @@
               <a:t> </a:t>
             </a:r>
             <a:r>
-              <a:rPr lang="en-US" dirty="0" smtClean="0"/>
+              <a:rPr lang="en-US" dirty="0"/>
               <a:t>primitive</a:t>
             </a:r>
           </a:p>
           <a:p>
             <a:pPr lvl="1"/>
             <a:r>
-              <a:rPr lang="en-US" dirty="0" smtClean="0"/>
+              <a:rPr lang="en-US" dirty="0"/>
               <a:t>Understanding threading</a:t>
             </a:r>
           </a:p>
           <a:p>
             <a:r>
-              <a:rPr lang="en-US" dirty="0" smtClean="0"/>
+              <a:rPr lang="en-US" dirty="0"/>
               <a:t>Asynchronous programming with events</a:t>
             </a:r>
           </a:p>
           <a:p>
             <a:pPr lvl="1"/>
             <a:r>
-              <a:rPr lang="en-US" dirty="0" smtClean="0"/>
+              <a:rPr lang="en-US" dirty="0"/>
               <a:t>Asynchronous HTTP web requests</a:t>
             </a:r>
             <a:endParaRPr lang="cs-CZ" dirty="0"/>
@@ -5286,13 +5175,6 @@
       </p:transition>
     </mc:Fallback>
   </mc:AlternateContent>
-  <p:timing>
-    <p:tnLst>
-      <p:par>
-        <p:cTn id="1" dur="indefinite" restart="never" nodeType="tmRoot"/>
-      </p:par>
-    </p:tnLst>
-  </p:timing>
 </p:sld>
 </file>
 
@@ -5329,15 +5211,15 @@
           <a:lstStyle/>
           <a:p>
             <a:r>
-              <a:rPr lang="en-US" dirty="0" smtClean="0"/>
+              <a:rPr lang="en-US" dirty="0"/>
               <a:t>Creating </a:t>
             </a:r>
             <a:r>
-              <a:rPr lang="en-US" dirty="0" err="1" smtClean="0"/>
+              <a:rPr lang="en-US" dirty="0" err="1"/>
               <a:t>SemaphoreLight</a:t>
             </a:r>
             <a:r>
-              <a:rPr lang="en-US" dirty="0" smtClean="0"/>
+              <a:rPr lang="en-US" dirty="0"/>
               <a:t> control</a:t>
             </a:r>
             <a:endParaRPr lang="cs-CZ" dirty="0"/>
@@ -5365,19 +5247,15 @@
           <a:lstStyle/>
           <a:p>
             <a:r>
-              <a:rPr lang="en-US" b="1" dirty="0" smtClean="0"/>
+              <a:rPr lang="en-US" b="1" dirty="0"/>
               <a:t>Typical approach </a:t>
             </a:r>
             <a:r>
-              <a:rPr lang="en-US" dirty="0" smtClean="0"/>
-              <a:t>– </a:t>
-            </a:r>
-            <a:r>
-              <a:rPr lang="en-US" dirty="0" smtClean="0"/>
-              <a:t>store state as </a:t>
-            </a:r>
-            <a:r>
-              <a:rPr lang="en-US" sz="2800" dirty="0" err="1" smtClean="0">
+              <a:rPr lang="en-US" dirty="0"/>
+              <a:t>– store state as </a:t>
+            </a:r>
+            <a:r>
+              <a:rPr lang="en-US" sz="2800" dirty="0" err="1">
                 <a:solidFill>
                   <a:srgbClr val="94B6D2">
                     <a:lumMod val="50000"/>
@@ -5389,11 +5267,11 @@
               <a:t>int</a:t>
             </a:r>
             <a:r>
-              <a:rPr lang="en-US" dirty="0" smtClean="0"/>
+              <a:rPr lang="en-US" dirty="0"/>
               <a:t> or </a:t>
             </a:r>
             <a:r>
-              <a:rPr lang="en-US" dirty="0" err="1" smtClean="0"/>
+              <a:rPr lang="en-US" dirty="0" err="1"/>
               <a:t>enum</a:t>
             </a:r>
             <a:endParaRPr lang="en-US" dirty="0"/>
@@ -5401,18 +5279,18 @@
           <a:p>
             <a:pPr lvl="2"/>
             <a:r>
-              <a:rPr lang="en-US" dirty="0" smtClean="0"/>
+              <a:rPr lang="en-US" dirty="0"/>
               <a:t>Imperative code uses mutable fields</a:t>
             </a:r>
           </a:p>
           <a:p>
             <a:pPr lvl="2"/>
             <a:r>
-              <a:rPr lang="en-US" dirty="0" smtClean="0"/>
+              <a:rPr lang="en-US" dirty="0"/>
               <a:t>With event combinators, we use </a:t>
             </a:r>
             <a:r>
-              <a:rPr lang="en-US" sz="2000" dirty="0" err="1" smtClean="0">
+              <a:rPr lang="en-US" sz="2000" dirty="0" err="1">
                 <a:solidFill>
                   <a:schemeClr val="accent1">
                     <a:lumMod val="50000"/>
@@ -5422,75 +5300,49 @@
               <a:t>Event.scan</a:t>
             </a:r>
             <a:r>
-              <a:rPr lang="en-US" dirty="0" smtClean="0"/>
+              <a:rPr lang="en-US" dirty="0"/>
               <a:t> </a:t>
             </a:r>
-            <a:endParaRPr lang="en-US" dirty="0" smtClean="0"/>
           </a:p>
           <a:p>
             <a:pPr lvl="1"/>
             <a:r>
-              <a:rPr lang="en-US" dirty="0" smtClean="0"/>
-              <a:t>Difficult to read – what </a:t>
-            </a:r>
-            <a:r>
-              <a:rPr lang="en-US" dirty="0" smtClean="0"/>
-              <a:t>does state represent?</a:t>
+              <a:rPr lang="en-US" dirty="0"/>
+              <a:t>Difficult to read – what does state represent?</a:t>
             </a:r>
           </a:p>
           <a:p>
             <a:pPr lvl="1"/>
             <a:r>
-              <a:rPr lang="en-US" dirty="0" smtClean="0"/>
+              <a:rPr lang="en-US" dirty="0"/>
               <a:t>It is hard to see what the transitions are!</a:t>
             </a:r>
           </a:p>
           <a:p>
             <a:r>
-              <a:rPr lang="en-US" b="1" dirty="0" smtClean="0"/>
-              <a:t>Better </a:t>
-            </a:r>
-            <a:r>
-              <a:rPr lang="en-US" b="1" dirty="0" smtClean="0"/>
-              <a:t>approach</a:t>
-            </a:r>
-            <a:r>
-              <a:rPr lang="en-US" dirty="0" smtClean="0"/>
+              <a:rPr lang="en-US" b="1" dirty="0"/>
+              <a:t>Better approach</a:t>
+            </a:r>
+            <a:r>
+              <a:rPr lang="en-US" dirty="0"/>
               <a:t> – write workflow that </a:t>
             </a:r>
-            <a:r>
-              <a:rPr lang="en-US" dirty="0" smtClean="0"/>
-              <a:t/>
-            </a:r>
             <a:br>
-              <a:rPr lang="en-US" dirty="0" smtClean="0"/>
+              <a:rPr lang="en-US" dirty="0"/>
             </a:br>
             <a:r>
-              <a:rPr lang="en-US" dirty="0" smtClean="0"/>
-              <a:t>loops </a:t>
-            </a:r>
-            <a:r>
-              <a:rPr lang="en-US" dirty="0" smtClean="0"/>
-              <a:t>between states </a:t>
-            </a:r>
-            <a:r>
-              <a:rPr lang="en-US" dirty="0" smtClean="0"/>
-              <a:t>(points in code)</a:t>
-            </a:r>
-            <a:endParaRPr lang="en-US" dirty="0" smtClean="0"/>
+              <a:rPr lang="en-US" dirty="0"/>
+              <a:t>loops between states (points in code)</a:t>
+            </a:r>
           </a:p>
           <a:p>
             <a:pPr lvl="1"/>
             <a:r>
-              <a:rPr lang="en-US" dirty="0" smtClean="0"/>
+              <a:rPr lang="en-US" dirty="0"/>
               <a:t>Asynchronous waiting on events causes transitions</a:t>
             </a:r>
-            <a:r>
-              <a:rPr lang="en-US" dirty="0" smtClean="0"/>
-              <a:t/>
-            </a:r>
             <a:br>
-              <a:rPr lang="en-US" dirty="0" smtClean="0"/>
+              <a:rPr lang="en-US" dirty="0"/>
             </a:br>
             <a:endParaRPr lang="cs-CZ" dirty="0"/>
           </a:p>
@@ -5576,7 +5428,7 @@
           <a:graphicData uri="http://schemas.openxmlformats.org/presentationml/2006/ole">
             <mc:AlternateContent xmlns:mc="http://schemas.openxmlformats.org/markup-compatibility/2006">
               <mc:Choice xmlns:v="urn:schemas-microsoft-com:vml" Requires="v">
-                <p:oleObj spid="_x0000_s2073" name="Visio" r:id="rId4" imgW="2101950" imgH="459626" progId="Visio.Drawing.11">
+                <p:oleObj spid="_x0000_s2074" name="Visio" r:id="rId4" imgW="2101950" imgH="459626" progId="Visio.Drawing.11">
                   <p:embed/>
                 </p:oleObj>
               </mc:Choice>
@@ -5686,7 +5538,7 @@
                 <a:spcPct val="0"/>
               </a:spcAft>
             </a:pPr>
-            <a:endParaRPr lang="cs-CZ" sz="2400" dirty="0" smtClean="0">
+            <a:endParaRPr lang="cs-CZ" sz="2400" dirty="0">
               <a:gradFill>
                 <a:gsLst>
                   <a:gs pos="0">
@@ -5726,7 +5578,7 @@
           <a:p>
             <a:pPr algn="ctr"/>
             <a:r>
-              <a:rPr lang="en-US" b="1" dirty="0" smtClean="0">
+              <a:rPr lang="en-US" b="1" dirty="0">
                 <a:gradFill>
                   <a:gsLst>
                     <a:gs pos="0">
@@ -5741,7 +5593,7 @@
               </a:rPr>
               <a:t>Diagrams</a:t>
             </a:r>
-            <a:endParaRPr lang="cs-CZ" b="1" dirty="0" err="1" smtClean="0">
+            <a:endParaRPr lang="cs-CZ" b="1" dirty="0" err="1">
               <a:gradFill>
                 <a:gsLst>
                   <a:gs pos="0">
@@ -6521,7 +6373,7 @@
           <a:lstStyle/>
           <a:p>
             <a:r>
-              <a:rPr lang="en-US" dirty="0" smtClean="0"/>
+              <a:rPr lang="en-US" dirty="0"/>
               <a:t>DEMO</a:t>
             </a:r>
             <a:endParaRPr lang="cs-CZ" dirty="0"/>
@@ -6544,15 +6396,15 @@
           <a:lstStyle/>
           <a:p>
             <a:r>
-              <a:rPr lang="en-US" dirty="0" smtClean="0"/>
+              <a:rPr lang="en-US" dirty="0"/>
               <a:t>Writing </a:t>
             </a:r>
             <a:r>
-              <a:rPr lang="en-US" dirty="0" err="1" smtClean="0"/>
+              <a:rPr lang="en-US" dirty="0" err="1"/>
               <a:t>SemaphoreLight</a:t>
             </a:r>
             <a:r>
-              <a:rPr lang="en-US" dirty="0" smtClean="0"/>
+              <a:rPr lang="en-US" dirty="0"/>
               <a:t> with workflows</a:t>
             </a:r>
             <a:endParaRPr lang="cs-CZ" dirty="0"/>
@@ -6581,13 +6433,6 @@
       </p:transition>
     </mc:Fallback>
   </mc:AlternateContent>
-  <p:timing>
-    <p:tnLst>
-      <p:par>
-        <p:cTn id="1" dur="indefinite" restart="never" nodeType="tmRoot"/>
-      </p:par>
-    </p:tnLst>
-  </p:timing>
 </p:sld>
 </file>
 
@@ -6624,7 +6469,7 @@
           <a:lstStyle/>
           <a:p>
             <a:r>
-              <a:rPr lang="en-US" dirty="0" smtClean="0"/>
+              <a:rPr lang="en-US" dirty="0"/>
               <a:t>Workflows for GUI programming</a:t>
             </a:r>
             <a:endParaRPr lang="cs-CZ" dirty="0"/>
@@ -6652,7 +6497,7 @@
           <a:lstStyle/>
           <a:p>
             <a:r>
-              <a:rPr lang="en-US" sz="2800" dirty="0" err="1" smtClean="0">
+              <a:rPr lang="en-US" sz="2800" dirty="0" err="1">
                 <a:solidFill>
                   <a:schemeClr val="accent1">
                     <a:lumMod val="50000"/>
@@ -6664,7 +6509,7 @@
               <a:t>Async.AwaitObservable</a:t>
             </a:r>
             <a:r>
-              <a:rPr lang="en-US" sz="2800" dirty="0" smtClean="0">
+              <a:rPr lang="en-US" sz="2800" dirty="0">
                 <a:solidFill>
                   <a:schemeClr val="accent1">
                     <a:lumMod val="50000"/>
@@ -6676,41 +6521,41 @@
               <a:t> </a:t>
             </a:r>
             <a:r>
-              <a:rPr lang="en-US" dirty="0" smtClean="0"/>
+              <a:rPr lang="en-US" dirty="0"/>
               <a:t>operation</a:t>
             </a:r>
           </a:p>
           <a:p>
             <a:pPr lvl="1"/>
-            <a:endParaRPr lang="en-US" dirty="0" smtClean="0"/>
+            <a:endParaRPr lang="en-US" dirty="0"/>
           </a:p>
           <a:p>
             <a:pPr lvl="1"/>
             <a:r>
-              <a:rPr lang="en-US" dirty="0" smtClean="0"/>
+              <a:rPr lang="en-US" dirty="0"/>
               <a:t>Creates workflow that waits for the first occurrence</a:t>
             </a:r>
           </a:p>
           <a:p>
             <a:pPr lvl="2"/>
             <a:r>
-              <a:rPr lang="en-US" dirty="0" smtClean="0"/>
+              <a:rPr lang="en-US" dirty="0"/>
               <a:t>Currently not part of F# libraries / </a:t>
             </a:r>
             <a:r>
-              <a:rPr lang="en-US" dirty="0" err="1" smtClean="0"/>
+              <a:rPr lang="en-US" dirty="0" err="1"/>
               <a:t>PowerPack</a:t>
             </a:r>
-            <a:endParaRPr lang="en-US" dirty="0" smtClean="0"/>
+            <a:endParaRPr lang="en-US" dirty="0"/>
           </a:p>
           <a:p>
             <a:pPr lvl="2"/>
             <a:r>
-              <a:rPr lang="en-US" dirty="0" smtClean="0"/>
+              <a:rPr lang="en-US" dirty="0"/>
               <a:t>Sometimes, using </a:t>
             </a:r>
             <a:r>
-              <a:rPr lang="en-US" sz="2000" dirty="0" err="1" smtClean="0">
+              <a:rPr lang="en-US" sz="2000" dirty="0" err="1">
                 <a:solidFill>
                   <a:schemeClr val="accent1">
                     <a:lumMod val="50000"/>
@@ -6722,7 +6567,7 @@
               <a:t>IObservable</a:t>
             </a:r>
             <a:r>
-              <a:rPr lang="en-US" sz="2000" dirty="0" smtClean="0">
+              <a:rPr lang="en-US" sz="2000" dirty="0">
                 <a:solidFill>
                   <a:schemeClr val="accent1">
                     <a:lumMod val="50000"/>
@@ -6734,18 +6579,18 @@
               <a:t>&lt;'T&gt;</a:t>
             </a:r>
             <a:r>
-              <a:rPr lang="en-US" dirty="0" smtClean="0"/>
+              <a:rPr lang="en-US" dirty="0"/>
               <a:t> is better</a:t>
             </a:r>
           </a:p>
           <a:p>
             <a:pPr lvl="2"/>
             <a:r>
-              <a:rPr lang="en-US" dirty="0" smtClean="0"/>
+              <a:rPr lang="en-US" dirty="0"/>
               <a:t>Works because </a:t>
             </a:r>
             <a:r>
-              <a:rPr lang="en-US" sz="2000" dirty="0" err="1" smtClean="0">
+              <a:rPr lang="en-US" sz="2000" dirty="0" err="1">
                 <a:solidFill>
                   <a:srgbClr val="94B6D2">
                     <a:lumMod val="50000"/>
@@ -6757,7 +6602,7 @@
               <a:t>IEvent</a:t>
             </a:r>
             <a:r>
-              <a:rPr lang="en-US" sz="2000" dirty="0" smtClean="0">
+              <a:rPr lang="en-US" sz="2000" dirty="0">
                 <a:solidFill>
                   <a:srgbClr val="94B6D2">
                     <a:lumMod val="50000"/>
@@ -6766,10 +6611,10 @@
                 <a:latin typeface="Consolas" pitchFamily="49" charset="0"/>
                 <a:cs typeface="Consolas" pitchFamily="49" charset="0"/>
               </a:rPr>
-              <a:t>&lt;</a:t>
-            </a:r>
-            <a:r>
-              <a:rPr lang="en-US" sz="2000" dirty="0">
+              <a:t>&lt;'T&gt; : </a:t>
+            </a:r>
+            <a:r>
+              <a:rPr lang="en-US" sz="2000" dirty="0" err="1">
                 <a:solidFill>
                   <a:srgbClr val="94B6D2">
                     <a:lumMod val="50000"/>
@@ -6778,10 +6623,10 @@
                 <a:latin typeface="Consolas" pitchFamily="49" charset="0"/>
                 <a:cs typeface="Consolas" pitchFamily="49" charset="0"/>
               </a:rPr>
-              <a:t>'T</a:t>
-            </a:r>
-            <a:r>
-              <a:rPr lang="en-US" sz="2000" dirty="0" smtClean="0">
+              <a:t>IObservable</a:t>
+            </a:r>
+            <a:r>
+              <a:rPr lang="en-US" sz="2000" dirty="0">
                 <a:solidFill>
                   <a:srgbClr val="94B6D2">
                     <a:lumMod val="50000"/>
@@ -6790,52 +6635,16 @@
                 <a:latin typeface="Consolas" pitchFamily="49" charset="0"/>
                 <a:cs typeface="Consolas" pitchFamily="49" charset="0"/>
               </a:rPr>
-              <a:t>&gt; : </a:t>
-            </a:r>
-            <a:r>
-              <a:rPr lang="en-US" sz="2000" dirty="0" err="1" smtClean="0">
-                <a:solidFill>
-                  <a:srgbClr val="94B6D2">
-                    <a:lumMod val="50000"/>
-                  </a:srgbClr>
-                </a:solidFill>
-                <a:latin typeface="Consolas" pitchFamily="49" charset="0"/>
-                <a:cs typeface="Consolas" pitchFamily="49" charset="0"/>
-              </a:rPr>
-              <a:t>IObservable</a:t>
-            </a:r>
-            <a:r>
-              <a:rPr lang="en-US" sz="2000" dirty="0">
-                <a:solidFill>
-                  <a:srgbClr val="94B6D2">
-                    <a:lumMod val="50000"/>
-                  </a:srgbClr>
-                </a:solidFill>
-                <a:latin typeface="Consolas" pitchFamily="49" charset="0"/>
-                <a:cs typeface="Consolas" pitchFamily="49" charset="0"/>
-              </a:rPr>
-              <a:t>&lt;'T</a:t>
-            </a:r>
-            <a:r>
-              <a:rPr lang="en-US" sz="2000" dirty="0" smtClean="0">
-                <a:solidFill>
-                  <a:srgbClr val="94B6D2">
-                    <a:lumMod val="50000"/>
-                  </a:srgbClr>
-                </a:solidFill>
-                <a:latin typeface="Consolas" pitchFamily="49" charset="0"/>
-                <a:cs typeface="Consolas" pitchFamily="49" charset="0"/>
-              </a:rPr>
-              <a:t>&gt;</a:t>
+              <a:t>&lt;'T&gt;</a:t>
             </a:r>
           </a:p>
           <a:p>
             <a:pPr lvl="4"/>
-            <a:endParaRPr lang="en-US" dirty="0" smtClean="0"/>
-          </a:p>
-          <a:p>
-            <a:r>
-              <a:rPr lang="en-US" sz="2800" dirty="0" err="1" smtClean="0">
+            <a:endParaRPr lang="en-US" dirty="0"/>
+          </a:p>
+          <a:p>
+            <a:r>
+              <a:rPr lang="en-US" sz="2800" dirty="0" err="1">
                 <a:solidFill>
                   <a:schemeClr val="accent1">
                     <a:lumMod val="50000"/>
@@ -6847,7 +6656,7 @@
               <a:t>Async.StartImmediate</a:t>
             </a:r>
             <a:r>
-              <a:rPr lang="en-US" sz="2800" dirty="0" smtClean="0">
+              <a:rPr lang="en-US" sz="2800" dirty="0">
                 <a:solidFill>
                   <a:schemeClr val="accent1">
                     <a:lumMod val="50000"/>
@@ -6859,39 +6668,38 @@
               <a:t> </a:t>
             </a:r>
             <a:r>
-              <a:rPr lang="en-US" dirty="0" smtClean="0"/>
+              <a:rPr lang="en-US" dirty="0"/>
               <a:t>operation</a:t>
             </a:r>
           </a:p>
           <a:p>
             <a:pPr lvl="1"/>
             <a:r>
-              <a:rPr lang="en-US" dirty="0" smtClean="0"/>
+              <a:rPr lang="en-US" dirty="0"/>
               <a:t>Starts the workflow on the </a:t>
             </a:r>
             <a:r>
-              <a:rPr lang="en-US" b="1" dirty="0" smtClean="0"/>
+              <a:rPr lang="en-US" b="1" dirty="0"/>
               <a:t>current </a:t>
             </a:r>
             <a:r>
-              <a:rPr lang="en-US" dirty="0" smtClean="0"/>
+              <a:rPr lang="en-US" dirty="0"/>
               <a:t>(e.g. GUI) thread</a:t>
             </a:r>
           </a:p>
           <a:p>
             <a:pPr lvl="1"/>
             <a:r>
-              <a:rPr lang="en-US" dirty="0" smtClean="0"/>
+              <a:rPr lang="en-US" dirty="0"/>
               <a:t>Callbacks always return to original kind of thread</a:t>
             </a:r>
           </a:p>
           <a:p>
             <a:pPr lvl="2"/>
             <a:r>
-              <a:rPr lang="en-US" dirty="0" smtClean="0"/>
+              <a:rPr lang="en-US" dirty="0"/>
               <a:t>All code in the demo runs on GUI thread as required!</a:t>
             </a:r>
-            <a:endParaRPr lang="en-US" dirty="0"/>
           </a:p>
           <a:p>
             <a:endParaRPr lang="cs-CZ" dirty="0"/>
@@ -6933,7 +6741,7 @@
           <a:lstStyle/>
           <a:p>
             <a:r>
-              <a:rPr lang="en-US" dirty="0" err="1" smtClean="0">
+              <a:rPr lang="en-US" dirty="0" err="1">
                 <a:solidFill>
                   <a:srgbClr val="020002"/>
                 </a:solidFill>
@@ -6942,7 +6750,7 @@
               <a:t>AwaitObservable</a:t>
             </a:r>
             <a:r>
-              <a:rPr lang="en-US" dirty="0" smtClean="0">
+              <a:rPr lang="en-US" dirty="0">
                 <a:solidFill>
                   <a:srgbClr val="020002"/>
                 </a:solidFill>
@@ -6951,7 +6759,7 @@
               <a:t> : </a:t>
             </a:r>
             <a:r>
-              <a:rPr lang="en-US" dirty="0" err="1" smtClean="0">
+              <a:rPr lang="en-US" dirty="0" err="1">
                 <a:solidFill>
                   <a:srgbClr val="020002"/>
                 </a:solidFill>
@@ -6960,7 +6768,7 @@
               <a:t>IObservable</a:t>
             </a:r>
             <a:r>
-              <a:rPr lang="en-US" dirty="0" smtClean="0">
+              <a:rPr lang="en-US" dirty="0">
                 <a:solidFill>
                   <a:srgbClr val="020002"/>
                 </a:solidFill>
@@ -6969,7 +6777,7 @@
               <a:t>&lt;'T&gt; -&gt; </a:t>
             </a:r>
             <a:r>
-              <a:rPr lang="en-US" dirty="0" err="1" smtClean="0">
+              <a:rPr lang="en-US" dirty="0" err="1">
                 <a:solidFill>
                   <a:srgbClr val="020002"/>
                 </a:solidFill>
@@ -6978,7 +6786,7 @@
               <a:t>Async</a:t>
             </a:r>
             <a:r>
-              <a:rPr lang="en-US" dirty="0" smtClean="0">
+              <a:rPr lang="en-US" dirty="0">
                 <a:solidFill>
                   <a:srgbClr val="020002"/>
                 </a:solidFill>
@@ -7008,13 +6816,6 @@
   <p:transition>
     <p:fade/>
   </p:transition>
-  <p:timing>
-    <p:tnLst>
-      <p:par>
-        <p:cTn id="1" dur="indefinite" restart="never" nodeType="tmRoot"/>
-      </p:par>
-    </p:tnLst>
-  </p:timing>
 </p:sld>
 </file>
 
@@ -7051,7 +6852,7 @@
           <a:lstStyle/>
           <a:p>
             <a:r>
-              <a:rPr lang="en-US" smtClean="0"/>
+              <a:rPr lang="en-US"/>
               <a:t>A little bit about me…</a:t>
             </a:r>
             <a:endParaRPr lang="cs-CZ" dirty="0"/>
@@ -7079,73 +6880,72 @@
           <a:lstStyle/>
           <a:p>
             <a:r>
-              <a:rPr lang="en-US" dirty="0" smtClean="0"/>
+              <a:rPr lang="en-US" dirty="0"/>
               <a:t>Real-World Functional Programming</a:t>
             </a:r>
           </a:p>
           <a:p>
             <a:pPr lvl="1"/>
             <a:r>
-              <a:rPr lang="en-US" dirty="0" smtClean="0"/>
+              <a:rPr lang="en-US" dirty="0"/>
               <a:t>with </a:t>
             </a:r>
             <a:r>
-              <a:rPr lang="en-US" b="1" dirty="0" smtClean="0"/>
+              <a:rPr lang="en-US" b="1" dirty="0"/>
               <a:t>Jon Skeet</a:t>
             </a:r>
           </a:p>
           <a:p>
             <a:pPr lvl="1"/>
             <a:r>
-              <a:rPr lang="en-US" dirty="0" smtClean="0"/>
+              <a:rPr lang="en-US" dirty="0"/>
               <a:t>Today’s talk based on some </a:t>
             </a:r>
             <a:br>
-              <a:rPr lang="en-US" dirty="0" smtClean="0"/>
+              <a:rPr lang="en-US" dirty="0"/>
             </a:br>
             <a:r>
-              <a:rPr lang="en-US" dirty="0" smtClean="0"/>
+              <a:rPr lang="en-US" dirty="0"/>
               <a:t>ideas from Chapter 16</a:t>
             </a:r>
           </a:p>
           <a:p>
             <a:pPr lvl="4"/>
-            <a:endParaRPr lang="en-US" dirty="0" smtClean="0"/>
-          </a:p>
-          <a:p>
-            <a:r>
-              <a:rPr lang="en-US" dirty="0" smtClean="0"/>
+            <a:endParaRPr lang="en-US" dirty="0"/>
+          </a:p>
+          <a:p>
+            <a:r>
+              <a:rPr lang="en-US" dirty="0"/>
               <a:t>Worked on F# at MSR</a:t>
             </a:r>
           </a:p>
           <a:p>
             <a:pPr lvl="1"/>
             <a:r>
-              <a:rPr lang="en-US" dirty="0" smtClean="0"/>
+              <a:rPr lang="en-US" dirty="0"/>
               <a:t>Internships with Don Syme</a:t>
             </a:r>
           </a:p>
           <a:p>
             <a:pPr lvl="1"/>
             <a:r>
-              <a:rPr lang="en-US" dirty="0" smtClean="0"/>
+              <a:rPr lang="en-US" dirty="0"/>
               <a:t>Web programming and </a:t>
             </a:r>
             <a:br>
-              <a:rPr lang="en-US" dirty="0" smtClean="0"/>
+              <a:rPr lang="en-US" dirty="0"/>
             </a:br>
             <a:r>
-              <a:rPr lang="en-US" dirty="0" smtClean="0"/>
+              <a:rPr lang="en-US" dirty="0"/>
               <a:t>reactive programming in F#</a:t>
             </a:r>
           </a:p>
           <a:p>
             <a:pPr lvl="1"/>
             <a:r>
-              <a:rPr lang="en-US" dirty="0" smtClean="0"/>
+              <a:rPr lang="en-US" dirty="0"/>
               <a:t>Some Visual Studio 2010 IntelliSense</a:t>
             </a:r>
-            <a:endParaRPr lang="en-US" dirty="0"/>
           </a:p>
         </p:txBody>
       </p:sp>
@@ -7233,13 +7033,6 @@
       </p:transition>
     </mc:Fallback>
   </mc:AlternateContent>
-  <p:timing>
-    <p:tnLst>
-      <p:par>
-        <p:cTn id="1" dur="indefinite" restart="never" nodeType="tmRoot"/>
-      </p:par>
-    </p:tnLst>
-  </p:timing>
 </p:sld>
 </file>
 
@@ -7276,7 +7069,7 @@
           <a:lstStyle/>
           <a:p>
             <a:r>
-              <a:rPr lang="en-US" dirty="0" smtClean="0"/>
+              <a:rPr lang="en-US" dirty="0"/>
               <a:t>Writing loops using workflows</a:t>
             </a:r>
             <a:endParaRPr lang="cs-CZ" dirty="0"/>
@@ -7356,22 +7149,22 @@
             </a:endParaRPr>
           </a:p>
           <a:p>
-            <a:endParaRPr lang="en-US" dirty="0" smtClean="0"/>
-          </a:p>
-          <a:p>
             <a:endParaRPr lang="en-US" dirty="0"/>
           </a:p>
           <a:p>
-            <a:pPr lvl="1"/>
-            <a:endParaRPr lang="en-US" dirty="0" smtClean="0"/>
+            <a:endParaRPr lang="en-US" dirty="0"/>
           </a:p>
           <a:p>
             <a:pPr lvl="1"/>
             <a:endParaRPr lang="en-US" dirty="0"/>
           </a:p>
           <a:p>
-            <a:r>
-              <a:rPr lang="en-US" dirty="0" smtClean="0"/>
+            <a:pPr lvl="1"/>
+            <a:endParaRPr lang="en-US" dirty="0"/>
+          </a:p>
+          <a:p>
+            <a:r>
+              <a:rPr lang="en-US" dirty="0"/>
               <a:t>Functional style – using recursion</a:t>
             </a:r>
             <a:endParaRPr lang="cs-CZ" sz="2800" dirty="0">
@@ -7421,7 +7214,7 @@
           <a:lstStyle/>
           <a:p>
             <a:r>
-              <a:rPr lang="cs-CZ" dirty="0" smtClean="0">
+              <a:rPr lang="cs-CZ" dirty="0">
                 <a:solidFill>
                   <a:srgbClr val="0000FF"/>
                 </a:solidFill>
@@ -7430,7 +7223,7 @@
               <a:t>let</a:t>
             </a:r>
             <a:r>
-              <a:rPr lang="cs-CZ" dirty="0" smtClean="0">
+              <a:rPr lang="cs-CZ" dirty="0">
                 <a:solidFill>
                   <a:prstClr val="black"/>
                 </a:solidFill>
@@ -7504,7 +7297,7 @@
               <a:t>  </a:t>
             </a:r>
             <a:r>
-              <a:rPr lang="cs-CZ" dirty="0" smtClean="0">
+              <a:rPr lang="cs-CZ" dirty="0">
                 <a:solidFill>
                   <a:srgbClr val="0000FF"/>
                 </a:solidFill>
@@ -7513,7 +7306,7 @@
               <a:t>while</a:t>
             </a:r>
             <a:r>
-              <a:rPr lang="cs-CZ" dirty="0" smtClean="0">
+              <a:rPr lang="cs-CZ" dirty="0">
                 <a:solidFill>
                   <a:prstClr val="black"/>
                 </a:solidFill>
@@ -7566,16 +7359,7 @@
                 </a:solidFill>
                 <a:latin typeface="Consolas"/>
               </a:rPr>
-              <a:t>  </a:t>
-            </a:r>
-            <a:r>
-              <a:rPr lang="en-US" dirty="0" smtClean="0">
-                <a:solidFill>
-                  <a:prstClr val="black"/>
-                </a:solidFill>
-                <a:latin typeface="Consolas"/>
-              </a:rPr>
-              <a:t>  </a:t>
+              <a:t>    </a:t>
             </a:r>
             <a:r>
               <a:rPr lang="en-US" dirty="0">
@@ -7709,16 +7493,7 @@
                 </a:solidFill>
                 <a:latin typeface="Consolas"/>
               </a:rPr>
-              <a:t>  </a:t>
-            </a:r>
-            <a:r>
-              <a:rPr lang="cs-CZ" dirty="0" smtClean="0">
-                <a:solidFill>
-                  <a:prstClr val="black"/>
-                </a:solidFill>
-                <a:latin typeface="Consolas"/>
-              </a:rPr>
-              <a:t>    </a:t>
+              <a:t>      </a:t>
             </a:r>
             <a:r>
               <a:rPr lang="cs-CZ" dirty="0">
@@ -7858,7 +7633,7 @@
               <a:t>      </a:t>
             </a:r>
             <a:r>
-              <a:rPr lang="cs-CZ" dirty="0" smtClean="0">
+              <a:rPr lang="cs-CZ" dirty="0">
                 <a:solidFill>
                   <a:srgbClr val="020002"/>
                 </a:solidFill>
@@ -7867,7 +7642,7 @@
               <a:t>display</a:t>
             </a:r>
             <a:r>
-              <a:rPr lang="cs-CZ" dirty="0" smtClean="0">
+              <a:rPr lang="cs-CZ" dirty="0">
                 <a:solidFill>
                   <a:prstClr val="black"/>
                 </a:solidFill>
@@ -7876,7 +7651,7 @@
               <a:t>(</a:t>
             </a:r>
             <a:r>
-              <a:rPr lang="cs-CZ" dirty="0" smtClean="0">
+              <a:rPr lang="cs-CZ" dirty="0">
                 <a:solidFill>
                   <a:srgbClr val="020002"/>
                 </a:solidFill>
@@ -8350,16 +8125,25 @@
               <a:t>  </a:t>
             </a:r>
             <a:r>
-              <a:rPr lang="cs-CZ" dirty="0">
+              <a:rPr lang="en-GB">
                 <a:solidFill>
                   <a:srgbClr val="0000FF"/>
                 </a:solidFill>
                 <a:latin typeface="Consolas"/>
               </a:rPr>
-              <a:t>do!</a:t>
-            </a:r>
-            <a:r>
-              <a:rPr lang="cs-CZ" dirty="0">
+              <a:t>return</a:t>
+            </a:r>
+            <a:r>
+              <a:rPr lang="cs-CZ">
+                <a:solidFill>
+                  <a:srgbClr val="0000FF"/>
+                </a:solidFill>
+                <a:latin typeface="Consolas"/>
+              </a:rPr>
+              <a:t>!</a:t>
+            </a:r>
+            <a:r>
+              <a:rPr lang="cs-CZ">
                 <a:solidFill>
                   <a:prstClr val="black"/>
                 </a:solidFill>
@@ -8383,23 +8167,8 @@
                 </a:solidFill>
                 <a:latin typeface="Consolas"/>
               </a:rPr>
-              <a:t>() </a:t>
-            </a:r>
-            <a:r>
-              <a:rPr lang="cs-CZ" dirty="0" smtClean="0">
-                <a:solidFill>
-                  <a:prstClr val="black"/>
-                </a:solidFill>
-                <a:latin typeface="Consolas"/>
-              </a:rPr>
-              <a:t>}</a:t>
-            </a:r>
-            <a:endParaRPr lang="cs-CZ" dirty="0">
-              <a:solidFill>
-                <a:prstClr val="black"/>
-              </a:solidFill>
-              <a:latin typeface="Consolas"/>
-            </a:endParaRPr>
+              <a:t>() }</a:t>
+            </a:r>
           </a:p>
         </p:txBody>
       </p:sp>
@@ -8493,7 +8262,7 @@
               </a:spcAft>
             </a:pPr>
             <a:r>
-              <a:rPr lang="en-US" sz="2000" b="1" dirty="0" smtClean="0">
+              <a:rPr lang="en-US" sz="2000" b="1" dirty="0">
                 <a:gradFill>
                   <a:gsLst>
                     <a:gs pos="0">
@@ -8508,7 +8277,7 @@
               </a:rPr>
               <a:t>“Infinite” loop</a:t>
             </a:r>
-            <a:endParaRPr lang="cs-CZ" sz="1600" b="1" dirty="0" smtClean="0">
+            <a:endParaRPr lang="cs-CZ" sz="1600" b="1" dirty="0">
               <a:gradFill>
                 <a:gsLst>
                   <a:gs pos="0">
@@ -8616,7 +8385,7 @@
               </a:spcAft>
             </a:pPr>
             <a:r>
-              <a:rPr lang="en-US" sz="2000" b="1" dirty="0" smtClean="0">
+              <a:rPr lang="en-US" sz="2000" b="1" dirty="0">
                 <a:gradFill>
                   <a:gsLst>
                     <a:gs pos="0">
@@ -8631,7 +8400,7 @@
               </a:rPr>
               <a:t>Recursive call written using “do!”</a:t>
             </a:r>
-            <a:endParaRPr lang="cs-CZ" sz="1600" b="1" dirty="0" smtClean="0">
+            <a:endParaRPr lang="cs-CZ" sz="1600" b="1" dirty="0">
               <a:gradFill>
                 <a:gsLst>
                   <a:gs pos="0">
@@ -8949,7 +8718,7 @@
           <a:lstStyle/>
           <a:p>
             <a:r>
-              <a:rPr lang="en-US" dirty="0" smtClean="0"/>
+              <a:rPr lang="en-US" dirty="0"/>
               <a:t>Break: Time for a bit of Art…</a:t>
             </a:r>
             <a:endParaRPr lang="cs-CZ" dirty="0"/>
@@ -9038,13 +8807,6 @@
       </p:transition>
     </mc:Fallback>
   </mc:AlternateContent>
-  <p:timing>
-    <p:tnLst>
-      <p:par>
-        <p:cTn id="1" dur="indefinite" restart="never" nodeType="tmRoot"/>
-      </p:par>
-    </p:tnLst>
-  </p:timing>
 </p:sld>
 </file>
 
@@ -9081,7 +8843,7 @@
           <a:lstStyle/>
           <a:p>
             <a:r>
-              <a:rPr lang="en-US" dirty="0" smtClean="0"/>
+              <a:rPr lang="en-US" dirty="0"/>
               <a:t>Application for drawing rectangles</a:t>
             </a:r>
             <a:endParaRPr lang="cs-CZ" dirty="0"/>
@@ -9108,17 +8870,13 @@
           <a:bodyPr/>
           <a:lstStyle/>
           <a:p>
-            <a:endParaRPr lang="en-US" dirty="0" smtClean="0"/>
-          </a:p>
-          <a:p>
             <a:endParaRPr lang="en-US" dirty="0"/>
           </a:p>
           <a:p>
-            <a:endParaRPr lang="en-US" dirty="0" smtClean="0"/>
-          </a:p>
-          <a:p>
-            <a:pPr lvl="2"/>
-            <a:endParaRPr lang="en-US" dirty="0" smtClean="0"/>
+            <a:endParaRPr lang="en-US" dirty="0"/>
+          </a:p>
+          <a:p>
+            <a:endParaRPr lang="en-US" dirty="0"/>
           </a:p>
           <a:p>
             <a:pPr lvl="2"/>
@@ -9126,22 +8884,26 @@
           </a:p>
           <a:p>
             <a:pPr lvl="2"/>
-            <a:endParaRPr lang="en-US" dirty="0" smtClean="0"/>
+            <a:endParaRPr lang="en-US" dirty="0"/>
+          </a:p>
+          <a:p>
+            <a:pPr lvl="2"/>
+            <a:endParaRPr lang="en-US" dirty="0"/>
           </a:p>
           <a:p>
             <a:pPr lvl="1"/>
-            <a:endParaRPr lang="en-US" dirty="0" smtClean="0"/>
-          </a:p>
-          <a:p>
-            <a:r>
-              <a:rPr lang="en-US" dirty="0" smtClean="0"/>
+            <a:endParaRPr lang="en-US" dirty="0"/>
+          </a:p>
+          <a:p>
+            <a:r>
+              <a:rPr lang="en-US" dirty="0"/>
               <a:t>Choosing between multiple transitions?</a:t>
             </a:r>
           </a:p>
           <a:p>
             <a:pPr lvl="1"/>
             <a:r>
-              <a:rPr lang="en-US" sz="2400" dirty="0" err="1" smtClean="0">
+              <a:rPr lang="en-US" sz="2400" dirty="0" err="1">
                 <a:solidFill>
                   <a:schemeClr val="accent1">
                     <a:lumMod val="50000"/>
@@ -9153,17 +8915,16 @@
               <a:t>AwaitObservable</a:t>
             </a:r>
             <a:r>
-              <a:rPr lang="en-US" dirty="0" smtClean="0"/>
+              <a:rPr lang="en-US" dirty="0"/>
               <a:t> taking two events </a:t>
             </a:r>
           </a:p>
           <a:p>
             <a:pPr lvl="1"/>
             <a:r>
-              <a:rPr lang="en-US" dirty="0" smtClean="0"/>
+              <a:rPr lang="en-US" dirty="0"/>
               <a:t>Resume when the first event fires</a:t>
             </a:r>
-            <a:endParaRPr lang="en-US" dirty="0"/>
           </a:p>
           <a:p>
             <a:endParaRPr lang="cs-CZ" dirty="0"/>
@@ -9233,7 +8994,7 @@
           <a:graphicData uri="http://schemas.openxmlformats.org/presentationml/2006/ole">
             <mc:AlternateContent xmlns:mc="http://schemas.openxmlformats.org/markup-compatibility/2006">
               <mc:Choice xmlns:v="urn:schemas-microsoft-com:vml" Requires="v">
-                <p:oleObj spid="_x0000_s6148" name="Visio" r:id="rId4" imgW="1579500" imgH="1522832" progId="Visio.Drawing.11">
+                <p:oleObj spid="_x0000_s6149" name="Visio" r:id="rId4" imgW="1579500" imgH="1522832" progId="Visio.Drawing.11">
                   <p:embed/>
                 </p:oleObj>
               </mc:Choice>
@@ -9356,7 +9117,7 @@
                 <a:spcPct val="0"/>
               </a:spcAft>
             </a:pPr>
-            <a:endParaRPr lang="cs-CZ" sz="2400" dirty="0" smtClean="0">
+            <a:endParaRPr lang="cs-CZ" sz="2400" dirty="0">
               <a:gradFill>
                 <a:gsLst>
                   <a:gs pos="0">
@@ -9396,7 +9157,7 @@
           <a:p>
             <a:pPr algn="ctr"/>
             <a:r>
-              <a:rPr lang="en-US" b="1" dirty="0" smtClean="0">
+              <a:rPr lang="en-US" b="1" dirty="0">
                 <a:gradFill>
                   <a:gsLst>
                     <a:gs pos="0">
@@ -9412,7 +9173,7 @@
               <a:t>complex</a:t>
             </a:r>
             <a:br>
-              <a:rPr lang="en-US" b="1" dirty="0" smtClean="0">
+              <a:rPr lang="en-US" b="1" dirty="0">
                 <a:gradFill>
                   <a:gsLst>
                     <a:gs pos="0">
@@ -9427,7 +9188,7 @@
               </a:rPr>
             </a:br>
             <a:r>
-              <a:rPr lang="en-US" b="1" dirty="0" smtClean="0">
+              <a:rPr lang="en-US" b="1" dirty="0">
                 <a:gradFill>
                   <a:gsLst>
                     <a:gs pos="0">
@@ -9442,7 +9203,7 @@
               </a:rPr>
               <a:t>diagrams</a:t>
             </a:r>
-            <a:endParaRPr lang="cs-CZ" b="1" dirty="0" err="1" smtClean="0">
+            <a:endParaRPr lang="cs-CZ" b="1" dirty="0" err="1">
               <a:gradFill>
                 <a:gsLst>
                   <a:gs pos="0">
@@ -10124,7 +9885,7 @@
           <a:lstStyle/>
           <a:p>
             <a:r>
-              <a:rPr lang="en-US" dirty="0" smtClean="0"/>
+              <a:rPr lang="en-US" dirty="0"/>
               <a:t>DEMO</a:t>
             </a:r>
             <a:endParaRPr lang="cs-CZ" dirty="0"/>
@@ -10147,7 +9908,7 @@
           <a:lstStyle/>
           <a:p>
             <a:r>
-              <a:rPr lang="en-US" dirty="0" smtClean="0"/>
+              <a:rPr lang="en-US" dirty="0"/>
               <a:t>Drawing rectangles in Silverlight</a:t>
             </a:r>
             <a:endParaRPr lang="cs-CZ" dirty="0"/>
@@ -10176,13 +9937,6 @@
       </p:transition>
     </mc:Fallback>
   </mc:AlternateContent>
-  <p:timing>
-    <p:tnLst>
-      <p:par>
-        <p:cTn id="1" dur="indefinite" restart="never" nodeType="tmRoot"/>
-      </p:par>
-    </p:tnLst>
-  </p:timing>
 </p:sld>
 </file>
 
@@ -10219,7 +9973,7 @@
           <a:lstStyle/>
           <a:p>
             <a:r>
-              <a:rPr lang="en-US" dirty="0" smtClean="0"/>
+              <a:rPr lang="en-US" dirty="0"/>
               <a:t>Waiting for multiple events</a:t>
             </a:r>
             <a:endParaRPr lang="cs-CZ" dirty="0"/>
@@ -10247,7 +10001,7 @@
           <a:lstStyle/>
           <a:p>
             <a:r>
-              <a:rPr lang="en-US" dirty="0" smtClean="0"/>
+              <a:rPr lang="en-US" dirty="0"/>
               <a:t>Choosing between two (or more) events</a:t>
             </a:r>
           </a:p>
@@ -10256,30 +10010,21 @@
           </a:p>
           <a:p>
             <a:pPr lvl="1"/>
-            <a:endParaRPr lang="en-US" dirty="0" smtClean="0"/>
+            <a:endParaRPr lang="en-US" dirty="0"/>
           </a:p>
           <a:p>
             <a:pPr lvl="1"/>
             <a:r>
-              <a:rPr lang="en-US" dirty="0" smtClean="0"/>
-              <a:t>Specify </a:t>
-            </a:r>
-            <a:r>
-              <a:rPr lang="en-US" dirty="0" smtClean="0"/>
-              <a:t>two different transitions from single </a:t>
-            </a:r>
-            <a:r>
-              <a:rPr lang="en-US" dirty="0" smtClean="0"/>
-              <a:t>state</a:t>
+              <a:rPr lang="en-US" dirty="0"/>
+              <a:t>Specify two different transitions from single state</a:t>
             </a:r>
           </a:p>
           <a:p>
             <a:pPr lvl="1"/>
             <a:r>
-              <a:rPr lang="en-US" dirty="0" smtClean="0"/>
+              <a:rPr lang="en-US" dirty="0"/>
               <a:t>Overloads for more events available too</a:t>
             </a:r>
-            <a:endParaRPr lang="en-US" dirty="0" smtClean="0"/>
           </a:p>
         </p:txBody>
       </p:sp>
@@ -10318,7 +10063,7 @@
           <a:lstStyle/>
           <a:p>
             <a:r>
-              <a:rPr lang="fr-FR" dirty="0" err="1" smtClean="0">
+              <a:rPr lang="fr-FR" dirty="0" err="1">
                 <a:solidFill>
                   <a:srgbClr val="020002"/>
                 </a:solidFill>
@@ -10327,7 +10072,7 @@
               <a:t>AwaitObservable</a:t>
             </a:r>
             <a:r>
-              <a:rPr lang="fr-FR" b="1" dirty="0" smtClean="0">
+              <a:rPr lang="fr-FR" b="1" dirty="0">
                 <a:solidFill>
                   <a:srgbClr val="020002"/>
                 </a:solidFill>
@@ -10336,7 +10081,7 @@
               <a:t> </a:t>
             </a:r>
             <a:r>
-              <a:rPr lang="fr-FR" dirty="0" smtClean="0">
+              <a:rPr lang="fr-FR" dirty="0">
                 <a:solidFill>
                   <a:srgbClr val="020002"/>
                 </a:solidFill>
@@ -10345,7 +10090,7 @@
               <a:t>: </a:t>
             </a:r>
             <a:r>
-              <a:rPr lang="fr-FR" dirty="0" err="1" smtClean="0">
+              <a:rPr lang="fr-FR" dirty="0" err="1">
                 <a:solidFill>
                   <a:srgbClr val="020002"/>
                 </a:solidFill>
@@ -10380,85 +10125,52 @@
               </a:rPr>
               <a:t>&lt;'U&gt; </a:t>
             </a:r>
-            <a:endParaRPr lang="fr-FR" dirty="0" smtClean="0">
-              <a:solidFill>
-                <a:srgbClr val="020002"/>
-              </a:solidFill>
-              <a:latin typeface="Consolas"/>
-            </a:endParaRPr>
-          </a:p>
-          <a:p>
-            <a:r>
-              <a:rPr lang="fr-FR" dirty="0" smtClean="0">
+          </a:p>
+          <a:p>
+            <a:r>
+              <a:rPr lang="fr-FR" dirty="0">
                 <a:solidFill>
                   <a:srgbClr val="020002"/>
                 </a:solidFill>
                 <a:latin typeface="Consolas"/>
               </a:rPr>
-              <a:t>               </a:t>
-            </a:r>
-            <a:r>
-              <a:rPr lang="fr-FR" dirty="0" smtClean="0">
+              <a:t>               -&gt; </a:t>
+            </a:r>
+            <a:r>
+              <a:rPr lang="fr-FR" dirty="0" err="1">
                 <a:solidFill>
                   <a:srgbClr val="020002"/>
                 </a:solidFill>
                 <a:latin typeface="Consolas"/>
               </a:rPr>
-              <a:t>-&gt; </a:t>
-            </a:r>
-            <a:r>
-              <a:rPr lang="fr-FR" dirty="0" err="1" smtClean="0">
+              <a:t>Async</a:t>
+            </a:r>
+            <a:r>
+              <a:rPr lang="fr-FR" dirty="0">
                 <a:solidFill>
                   <a:srgbClr val="020002"/>
                 </a:solidFill>
                 <a:latin typeface="Consolas"/>
               </a:rPr>
-              <a:t>Async</a:t>
-            </a:r>
-            <a:r>
-              <a:rPr lang="fr-FR" dirty="0" smtClean="0">
+              <a:t>&lt;</a:t>
+            </a:r>
+            <a:r>
+              <a:rPr lang="fr-FR" dirty="0" err="1">
                 <a:solidFill>
                   <a:srgbClr val="020002"/>
                 </a:solidFill>
                 <a:latin typeface="Consolas"/>
               </a:rPr>
-              <a:t>&lt;</a:t>
-            </a:r>
-            <a:r>
-              <a:rPr lang="fr-FR" dirty="0" err="1" smtClean="0">
+              <a:t>Choice</a:t>
+            </a:r>
+            <a:r>
+              <a:rPr lang="fr-FR" dirty="0">
                 <a:solidFill>
                   <a:srgbClr val="020002"/>
                 </a:solidFill>
                 <a:latin typeface="Consolas"/>
               </a:rPr>
-              <a:t>Choice</a:t>
-            </a:r>
-            <a:r>
-              <a:rPr lang="fr-FR" dirty="0">
-                <a:solidFill>
-                  <a:srgbClr val="020002"/>
-                </a:solidFill>
-                <a:latin typeface="Consolas"/>
-              </a:rPr>
-              <a:t>&lt;</a:t>
-            </a:r>
-            <a:r>
-              <a:rPr lang="fr-FR" dirty="0" smtClean="0">
-                <a:solidFill>
-                  <a:srgbClr val="020002"/>
-                </a:solidFill>
-                <a:latin typeface="Consolas"/>
-              </a:rPr>
-              <a:t>'T, 'U</a:t>
-            </a:r>
-            <a:r>
-              <a:rPr lang="fr-FR" dirty="0">
-                <a:solidFill>
-                  <a:srgbClr val="020002"/>
-                </a:solidFill>
-                <a:latin typeface="Consolas"/>
-              </a:rPr>
-              <a:t>&gt;&gt;</a:t>
+              <a:t>&lt;'T, 'U&gt;&gt;</a:t>
             </a:r>
             <a:endParaRPr lang="cs-CZ" dirty="0">
               <a:solidFill>
@@ -10558,7 +10270,7 @@
               <a:t> </a:t>
             </a:r>
             <a:r>
-              <a:rPr lang="cs-CZ" dirty="0" smtClean="0">
+              <a:rPr lang="cs-CZ" dirty="0">
                 <a:solidFill>
                   <a:srgbClr val="020002"/>
                 </a:solidFill>
@@ -10567,7 +10279,7 @@
               <a:t>Async</a:t>
             </a:r>
             <a:r>
-              <a:rPr lang="cs-CZ" dirty="0" smtClean="0">
+              <a:rPr lang="cs-CZ" dirty="0">
                 <a:solidFill>
                   <a:srgbClr val="800080"/>
                 </a:solidFill>
@@ -10576,7 +10288,7 @@
               <a:t>.</a:t>
             </a:r>
             <a:r>
-              <a:rPr lang="cs-CZ" dirty="0" smtClean="0">
+              <a:rPr lang="cs-CZ" dirty="0">
                 <a:solidFill>
                   <a:srgbClr val="020002"/>
                 </a:solidFill>
@@ -10584,7 +10296,7 @@
               </a:rPr>
               <a:t>AwaitObservable</a:t>
             </a:r>
-            <a:endParaRPr lang="en-US" dirty="0" smtClean="0">
+            <a:endParaRPr lang="en-US" dirty="0">
               <a:solidFill>
                 <a:srgbClr val="020002"/>
               </a:solidFill>
@@ -10599,64 +10311,55 @@
                 </a:solidFill>
                 <a:latin typeface="Consolas"/>
               </a:rPr>
-              <a:t> </a:t>
-            </a:r>
-            <a:r>
-              <a:rPr lang="en-US" dirty="0" smtClean="0">
+              <a:t>             </a:t>
+            </a:r>
+            <a:r>
+              <a:rPr lang="cs-CZ" dirty="0">
+                <a:solidFill>
+                  <a:prstClr val="black"/>
+                </a:solidFill>
+                <a:latin typeface="Consolas"/>
+              </a:rPr>
+              <a:t>(</a:t>
+            </a:r>
+            <a:r>
+              <a:rPr lang="en-US" dirty="0">
                 <a:solidFill>
                   <a:srgbClr val="020002"/>
                 </a:solidFill>
                 <a:latin typeface="Consolas"/>
               </a:rPr>
-              <a:t>            </a:t>
-            </a:r>
-            <a:r>
-              <a:rPr lang="cs-CZ" dirty="0" smtClean="0">
-                <a:solidFill>
-                  <a:prstClr val="black"/>
-                </a:solidFill>
-                <a:latin typeface="Consolas"/>
-              </a:rPr>
-              <a:t>(</a:t>
-            </a:r>
-            <a:r>
-              <a:rPr lang="en-US" dirty="0" smtClean="0">
+              <a:t>main</a:t>
+            </a:r>
+            <a:r>
+              <a:rPr lang="cs-CZ" dirty="0">
+                <a:solidFill>
+                  <a:srgbClr val="800080"/>
+                </a:solidFill>
+                <a:latin typeface="Consolas"/>
+              </a:rPr>
+              <a:t>.</a:t>
+            </a:r>
+            <a:r>
+              <a:rPr lang="cs-CZ" dirty="0">
                 <a:solidFill>
                   <a:srgbClr val="020002"/>
                 </a:solidFill>
                 <a:latin typeface="Consolas"/>
               </a:rPr>
-              <a:t>main</a:t>
-            </a:r>
-            <a:r>
-              <a:rPr lang="cs-CZ" dirty="0" smtClean="0">
-                <a:solidFill>
-                  <a:srgbClr val="800080"/>
-                </a:solidFill>
-                <a:latin typeface="Consolas"/>
-              </a:rPr>
-              <a:t>.</a:t>
-            </a:r>
-            <a:r>
-              <a:rPr lang="cs-CZ" dirty="0" smtClean="0">
+              <a:t>MouseLeftButton</a:t>
+            </a:r>
+            <a:r>
+              <a:rPr lang="en-US" dirty="0">
                 <a:solidFill>
                   <a:srgbClr val="020002"/>
                 </a:solidFill>
                 <a:latin typeface="Consolas"/>
               </a:rPr>
-              <a:t>MouseLeftButton</a:t>
-            </a:r>
-            <a:r>
-              <a:rPr lang="en-US" dirty="0" smtClean="0">
-                <a:solidFill>
-                  <a:srgbClr val="020002"/>
-                </a:solidFill>
-                <a:latin typeface="Consolas"/>
-              </a:rPr>
               <a:t>Down</a:t>
             </a:r>
             <a:r>
-              <a:rPr lang="cs-CZ" dirty="0" smtClean="0">
+              <a:rPr lang="cs-CZ" dirty="0">
                 <a:solidFill>
                   <a:prstClr val="black"/>
                 </a:solidFill>
@@ -10830,7 +10533,7 @@
               <a:t>    </a:t>
             </a:r>
             <a:r>
-              <a:rPr lang="en-US" dirty="0" smtClean="0">
+              <a:rPr lang="en-US" dirty="0">
                 <a:solidFill>
                   <a:srgbClr val="008000"/>
                 </a:solidFill>
@@ -10918,7 +10621,7 @@
               <a:t>    </a:t>
             </a:r>
             <a:r>
-              <a:rPr lang="en-US" dirty="0" smtClean="0">
+              <a:rPr lang="en-US" dirty="0">
                 <a:solidFill>
                   <a:srgbClr val="008000"/>
                 </a:solidFill>
@@ -10927,7 +10630,7 @@
               <a:t>// Mouse cursor moved</a:t>
             </a:r>
             <a:r>
-              <a:rPr lang="cs-CZ" dirty="0" smtClean="0">
+              <a:rPr lang="cs-CZ" dirty="0">
                 <a:solidFill>
                   <a:prstClr val="black"/>
                 </a:solidFill>
@@ -10935,12 +10638,6 @@
               </a:rPr>
               <a:t> }</a:t>
             </a:r>
-            <a:endParaRPr lang="cs-CZ" dirty="0">
-              <a:solidFill>
-                <a:prstClr val="black"/>
-              </a:solidFill>
-              <a:latin typeface="Consolas"/>
-            </a:endParaRPr>
           </a:p>
         </p:txBody>
       </p:sp>
@@ -11034,7 +10731,7 @@
               </a:spcAft>
             </a:pPr>
             <a:r>
-              <a:rPr lang="en-US" sz="2000" b="1" dirty="0" smtClean="0">
+              <a:rPr lang="en-US" sz="2000" b="1" dirty="0">
                 <a:gradFill>
                   <a:gsLst>
                     <a:gs pos="0">
@@ -11049,7 +10746,7 @@
               </a:rPr>
               <a:t>Overload taking two events as parameters</a:t>
             </a:r>
-            <a:endParaRPr lang="cs-CZ" sz="1600" b="1" dirty="0" smtClean="0">
+            <a:endParaRPr lang="cs-CZ" sz="1600" b="1" dirty="0">
               <a:gradFill>
                 <a:gsLst>
                   <a:gs pos="0">
@@ -11157,7 +10854,7 @@
               </a:spcAft>
             </a:pPr>
             <a:r>
-              <a:rPr lang="en-US" sz="2000" b="1" dirty="0" smtClean="0">
+              <a:rPr lang="en-US" sz="2000" b="1" dirty="0">
                 <a:gradFill>
                   <a:gsLst>
                     <a:gs pos="0">
@@ -11173,7 +10870,7 @@
               <a:t>Returns </a:t>
             </a:r>
             <a:r>
-              <a:rPr lang="en-US" sz="1600" b="1" dirty="0" smtClean="0">
+              <a:rPr lang="en-US" sz="1600" b="1" dirty="0">
                 <a:gradFill>
                   <a:gsLst>
                     <a:gs pos="0">
@@ -11191,7 +10888,7 @@
               <a:t>Choice&lt;'T1,'T2&gt;</a:t>
             </a:r>
             <a:r>
-              <a:rPr lang="en-US" sz="2000" b="1" dirty="0" smtClean="0">
+              <a:rPr lang="en-US" sz="2000" b="1" dirty="0">
                 <a:gradFill>
                   <a:gsLst>
                     <a:gs pos="0">
@@ -11206,7 +10903,7 @@
               </a:rPr>
               <a:t> </a:t>
             </a:r>
-            <a:endParaRPr lang="cs-CZ" sz="1600" b="1" dirty="0" smtClean="0">
+            <a:endParaRPr lang="cs-CZ" sz="1600" b="1" dirty="0">
               <a:gradFill>
                 <a:gsLst>
                   <a:gs pos="0">
@@ -11418,7 +11115,7 @@
           <a:lstStyle/>
           <a:p>
             <a:r>
-              <a:rPr lang="en-US" dirty="0" smtClean="0"/>
+              <a:rPr lang="en-US" dirty="0"/>
               <a:t>Talk outline</a:t>
             </a:r>
             <a:endParaRPr lang="cs-CZ" dirty="0"/>
@@ -11446,38 +11143,38 @@
           <a:lstStyle/>
           <a:p>
             <a:r>
-              <a:rPr lang="en-US" dirty="0" smtClean="0"/>
+              <a:rPr lang="en-US" dirty="0"/>
               <a:t>Writing reactive GUIs declaratively</a:t>
             </a:r>
           </a:p>
           <a:p>
             <a:pPr lvl="1"/>
             <a:r>
-              <a:rPr lang="en-US" dirty="0" smtClean="0"/>
+              <a:rPr lang="en-US" dirty="0"/>
               <a:t>Declarative GUI programming in WPF</a:t>
             </a:r>
           </a:p>
           <a:p>
             <a:pPr lvl="1"/>
             <a:r>
-              <a:rPr lang="en-US" dirty="0" smtClean="0"/>
+              <a:rPr lang="en-US" dirty="0"/>
               <a:t>Using F# event combinators</a:t>
             </a:r>
           </a:p>
           <a:p>
             <a:r>
-              <a:rPr lang="en-US" dirty="0" smtClean="0"/>
+              <a:rPr lang="en-US" dirty="0"/>
               <a:t>Writing reactive GUIs imperatively</a:t>
             </a:r>
           </a:p>
           <a:p>
             <a:pPr lvl="1"/>
             <a:r>
-              <a:rPr lang="en-US" dirty="0" smtClean="0"/>
+              <a:rPr lang="en-US" dirty="0"/>
               <a:t>Using the </a:t>
             </a:r>
             <a:r>
-              <a:rPr lang="en-US" sz="2400" dirty="0" err="1" smtClean="0">
+              <a:rPr lang="en-US" sz="2400" dirty="0" err="1">
                 <a:solidFill>
                   <a:schemeClr val="accent1">
                     <a:lumMod val="50000"/>
@@ -11489,7 +11186,7 @@
               <a:t>AwaitObservable</a:t>
             </a:r>
             <a:r>
-              <a:rPr lang="en-US" dirty="0" smtClean="0">
+              <a:rPr lang="en-US" dirty="0">
                 <a:solidFill>
                   <a:schemeClr val="accent1">
                     <a:lumMod val="50000"/>
@@ -11499,27 +11196,27 @@
               <a:t> </a:t>
             </a:r>
             <a:r>
-              <a:rPr lang="en-US" dirty="0" smtClean="0"/>
+              <a:rPr lang="en-US" dirty="0"/>
               <a:t>primitive</a:t>
             </a:r>
           </a:p>
           <a:p>
             <a:pPr lvl="1"/>
             <a:r>
-              <a:rPr lang="en-US" dirty="0" smtClean="0"/>
+              <a:rPr lang="en-US" dirty="0"/>
               <a:t>Understanding threading</a:t>
             </a:r>
           </a:p>
           <a:p>
             <a:r>
-              <a:rPr lang="en-US" b="1" dirty="0" smtClean="0"/>
+              <a:rPr lang="en-US" b="1" dirty="0"/>
               <a:t>Asynchronous programming with events</a:t>
             </a:r>
           </a:p>
           <a:p>
             <a:pPr lvl="1"/>
             <a:r>
-              <a:rPr lang="en-US" dirty="0" smtClean="0"/>
+              <a:rPr lang="en-US" dirty="0"/>
               <a:t>Asynchronous HTTP web requests</a:t>
             </a:r>
             <a:endParaRPr lang="cs-CZ" dirty="0"/>
@@ -11548,13 +11245,6 @@
       </p:transition>
     </mc:Fallback>
   </mc:AlternateContent>
-  <p:timing>
-    <p:tnLst>
-      <p:par>
-        <p:cTn id="1" dur="indefinite" restart="never" nodeType="tmRoot"/>
-      </p:par>
-    </p:tnLst>
-  </p:timing>
 </p:sld>
 </file>
 
@@ -11596,7 +11286,7 @@
           <a:lstStyle/>
           <a:p>
             <a:r>
-              <a:rPr lang="en-US" dirty="0" smtClean="0"/>
+              <a:rPr lang="en-US" dirty="0"/>
               <a:t>Patterns for asynchronous programming</a:t>
             </a:r>
             <a:endParaRPr lang="cs-CZ" dirty="0"/>
@@ -11624,7 +11314,7 @@
           <a:lstStyle/>
           <a:p>
             <a:r>
-              <a:rPr lang="en-US" dirty="0" smtClean="0"/>
+              <a:rPr lang="en-US" dirty="0"/>
               <a:t>Begin/End pattern used by standard libraries</a:t>
             </a:r>
           </a:p>
@@ -11634,15 +11324,15 @@
           </a:p>
           <a:p>
             <a:pPr lvl="2"/>
-            <a:endParaRPr lang="en-US" dirty="0" smtClean="0"/>
+            <a:endParaRPr lang="en-US" dirty="0"/>
           </a:p>
           <a:p>
             <a:pPr lvl="2"/>
-            <a:endParaRPr lang="en-US" dirty="0" smtClean="0"/>
-          </a:p>
-          <a:p>
-            <a:r>
-              <a:rPr lang="en-US" dirty="0" smtClean="0"/>
+            <a:endParaRPr lang="en-US" dirty="0"/>
+          </a:p>
+          <a:p>
+            <a:r>
+              <a:rPr lang="en-US" dirty="0"/>
               <a:t>Event-based pattern used more recently</a:t>
             </a:r>
           </a:p>
@@ -11650,7 +11340,7 @@
             <a:endParaRPr lang="en-US" dirty="0"/>
           </a:p>
           <a:p>
-            <a:endParaRPr lang="en-US" dirty="0" smtClean="0"/>
+            <a:endParaRPr lang="en-US" dirty="0"/>
           </a:p>
           <a:p>
             <a:endParaRPr lang="en-US" dirty="0"/>
@@ -11681,19 +11371,19 @@
           <a:p>
             <a:pPr lvl="1"/>
             <a:r>
-              <a:rPr lang="en-US" b="1" dirty="0" smtClean="0"/>
+              <a:rPr lang="en-US" b="1" dirty="0"/>
               <a:t>Little tricky </a:t>
             </a:r>
             <a:r>
-              <a:rPr lang="en-US" dirty="0" smtClean="0"/>
+              <a:rPr lang="en-US" dirty="0"/>
               <a:t>– need to attach handler </a:t>
             </a:r>
             <a:r>
-              <a:rPr lang="en-US" i="1" dirty="0" smtClean="0"/>
+              <a:rPr lang="en-US" i="1" dirty="0"/>
               <a:t>first</a:t>
             </a:r>
             <a:r>
-              <a:rPr lang="en-US" dirty="0" smtClean="0"/>
+              <a:rPr lang="en-US" dirty="0"/>
               <a:t>!</a:t>
             </a:r>
             <a:endParaRPr lang="cs-CZ" dirty="0"/>
@@ -11991,7 +11681,7 @@
               <a:t> </a:t>
             </a:r>
             <a:r>
-              <a:rPr lang="cs-CZ" dirty="0" smtClean="0">
+              <a:rPr lang="cs-CZ" dirty="0">
                 <a:solidFill>
                   <a:srgbClr val="020002"/>
                 </a:solidFill>
@@ -12000,7 +11690,7 @@
               <a:t>resp</a:t>
             </a:r>
             <a:r>
-              <a:rPr lang="cs-CZ" dirty="0" smtClean="0">
+              <a:rPr lang="cs-CZ" dirty="0">
                 <a:solidFill>
                   <a:srgbClr val="800080"/>
                 </a:solidFill>
@@ -12009,7 +11699,7 @@
               <a:t>.</a:t>
             </a:r>
             <a:r>
-              <a:rPr lang="cs-CZ" dirty="0" smtClean="0">
+              <a:rPr lang="cs-CZ" dirty="0">
                 <a:solidFill>
                   <a:srgbClr val="020002"/>
                 </a:solidFill>
@@ -12018,7 +11708,7 @@
               <a:t>GetResponseStream</a:t>
             </a:r>
             <a:r>
-              <a:rPr lang="cs-CZ" dirty="0" smtClean="0">
+              <a:rPr lang="cs-CZ" dirty="0">
                 <a:solidFill>
                   <a:prstClr val="black"/>
                 </a:solidFill>
@@ -12026,12 +11716,6 @@
               </a:rPr>
               <a:t>()</a:t>
             </a:r>
-            <a:endParaRPr lang="cs-CZ" dirty="0">
-              <a:solidFill>
-                <a:prstClr val="black"/>
-              </a:solidFill>
-              <a:latin typeface="Consolas"/>
-            </a:endParaRPr>
           </a:p>
         </p:txBody>
       </p:sp>
@@ -12125,7 +11809,7 @@
               </a:spcAft>
             </a:pPr>
             <a:r>
-              <a:rPr lang="en-US" sz="2000" b="1" dirty="0" smtClean="0">
+              <a:rPr lang="en-US" sz="2000" b="1" dirty="0">
                 <a:gradFill>
                   <a:gsLst>
                     <a:gs pos="0">
@@ -12141,7 +11825,7 @@
               <a:t>Created from  </a:t>
             </a:r>
             <a:r>
-              <a:rPr lang="en-US" sz="1600" b="1" dirty="0" smtClean="0">
+              <a:rPr lang="en-US" sz="1600" b="1" dirty="0">
                 <a:gradFill>
                   <a:gsLst>
                     <a:gs pos="0">
@@ -12159,7 +11843,7 @@
               <a:t>Begin/</a:t>
             </a:r>
             <a:r>
-              <a:rPr lang="en-US" sz="1600" b="1" dirty="0" err="1" smtClean="0">
+              <a:rPr lang="en-US" sz="1600" b="1" dirty="0" err="1">
                 <a:gradFill>
                   <a:gsLst>
                     <a:gs pos="0">
@@ -12176,7 +11860,7 @@
               </a:rPr>
               <a:t>EndGetResponse</a:t>
             </a:r>
-            <a:endParaRPr lang="cs-CZ" sz="1600" b="1" dirty="0" smtClean="0">
+            <a:endParaRPr lang="cs-CZ" sz="1600" b="1" dirty="0">
               <a:gradFill>
                 <a:gsLst>
                   <a:gs pos="0">
@@ -12571,19 +12255,10 @@
                 </a:solidFill>
                 <a:latin typeface="Consolas"/>
               </a:rPr>
-              <a:t>"http</a:t>
-            </a:r>
-            <a:r>
-              <a:rPr lang="cs-CZ" dirty="0" smtClean="0">
-                <a:solidFill>
-                  <a:srgbClr val="808000"/>
-                </a:solidFill>
-                <a:latin typeface="Consolas"/>
-              </a:rPr>
-              <a:t>://..."</a:t>
-            </a:r>
-            <a:r>
-              <a:rPr lang="cs-CZ" dirty="0" smtClean="0">
+              <a:t>"http://..."</a:t>
+            </a:r>
+            <a:r>
+              <a:rPr lang="cs-CZ" dirty="0">
                 <a:solidFill>
                   <a:prstClr val="black"/>
                 </a:solidFill>
@@ -12591,12 +12266,6 @@
               </a:rPr>
               <a:t>)</a:t>
             </a:r>
-            <a:endParaRPr lang="cs-CZ" dirty="0">
-              <a:solidFill>
-                <a:prstClr val="black"/>
-              </a:solidFill>
-              <a:latin typeface="Consolas"/>
-            </a:endParaRPr>
           </a:p>
         </p:txBody>
       </p:sp>
@@ -12690,7 +12359,7 @@
               </a:spcAft>
             </a:pPr>
             <a:r>
-              <a:rPr lang="en-US" sz="2000" b="1" dirty="0" smtClean="0">
+              <a:rPr lang="en-US" sz="2000" b="1" dirty="0">
                 <a:gradFill>
                   <a:gsLst>
                     <a:gs pos="0">
@@ -12705,7 +12374,7 @@
               </a:rPr>
               <a:t>Register handler and then start</a:t>
             </a:r>
-            <a:endParaRPr lang="cs-CZ" sz="1600" b="1" dirty="0" smtClean="0">
+            <a:endParaRPr lang="cs-CZ" sz="1600" b="1" dirty="0">
               <a:gradFill>
                 <a:gsLst>
                   <a:gs pos="0">
@@ -12997,7 +12666,7 @@
           <a:lstStyle/>
           <a:p>
             <a:r>
-              <a:rPr lang="en-US" dirty="0" smtClean="0"/>
+              <a:rPr lang="en-US" dirty="0"/>
               <a:t>Performing asynchronous calls correctly</a:t>
             </a:r>
             <a:endParaRPr lang="cs-CZ" dirty="0"/>
@@ -13025,11 +12694,11 @@
           <a:lstStyle/>
           <a:p>
             <a:r>
-              <a:rPr lang="en-US" dirty="0" smtClean="0"/>
+              <a:rPr lang="en-US" dirty="0"/>
               <a:t>Introducing </a:t>
             </a:r>
             <a:r>
-              <a:rPr lang="en-US" sz="2800" dirty="0" err="1" smtClean="0">
+              <a:rPr lang="en-US" sz="2800" dirty="0" err="1">
                 <a:solidFill>
                   <a:schemeClr val="accent1">
                     <a:lumMod val="50000"/>
@@ -13041,65 +12710,60 @@
               <a:t>GuardedAwaitObservable</a:t>
             </a:r>
             <a:r>
-              <a:rPr lang="en-US" dirty="0" smtClean="0"/>
-              <a:t> </a:t>
-            </a:r>
-            <a:r>
-              <a:rPr lang="en-US" dirty="0" smtClean="0"/>
-              <a:t>primitive</a:t>
-            </a:r>
-            <a:endParaRPr lang="en-US" dirty="0" smtClean="0"/>
-          </a:p>
-          <a:p>
-            <a:pPr lvl="1"/>
-            <a:endParaRPr lang="en-US" dirty="0" smtClean="0"/>
+              <a:rPr lang="en-US" dirty="0"/>
+              <a:t> primitive</a:t>
+            </a:r>
           </a:p>
           <a:p>
             <a:pPr lvl="1"/>
             <a:endParaRPr lang="en-US" dirty="0"/>
           </a:p>
           <a:p>
-            <a:endParaRPr lang="en-US" dirty="0" smtClean="0"/>
-          </a:p>
-          <a:p>
             <a:pPr lvl="1"/>
             <a:endParaRPr lang="en-US" dirty="0"/>
           </a:p>
           <a:p>
+            <a:endParaRPr lang="en-US" dirty="0"/>
+          </a:p>
+          <a:p>
             <a:pPr lvl="1"/>
-            <a:r>
-              <a:rPr lang="en-US" dirty="0" smtClean="0"/>
+            <a:endParaRPr lang="en-US" dirty="0"/>
+          </a:p>
+          <a:p>
+            <a:pPr lvl="1"/>
+            <a:r>
+              <a:rPr lang="en-US" dirty="0"/>
               <a:t>Calls a function after attaching event handler</a:t>
             </a:r>
           </a:p>
           <a:p>
             <a:pPr lvl="1"/>
             <a:r>
-              <a:rPr lang="en-US" dirty="0" smtClean="0"/>
+              <a:rPr lang="en-US" dirty="0"/>
               <a:t>We cannot accidentally lose event occurrence </a:t>
             </a:r>
           </a:p>
           <a:p>
             <a:pPr lvl="4"/>
-            <a:endParaRPr lang="en-US" dirty="0" smtClean="0"/>
-          </a:p>
-          <a:p>
-            <a:r>
-              <a:rPr lang="en-US" dirty="0" smtClean="0"/>
+            <a:endParaRPr lang="en-US" dirty="0"/>
+          </a:p>
+          <a:p>
+            <a:r>
+              <a:rPr lang="en-US" dirty="0"/>
               <a:t>Mixing asynchronous I/O and GUI code</a:t>
             </a:r>
           </a:p>
           <a:p>
             <a:pPr lvl="1"/>
             <a:r>
-              <a:rPr lang="en-US" dirty="0" smtClean="0"/>
+              <a:rPr lang="en-US" dirty="0"/>
               <a:t>If started from GUI thread, will return to GUI thread</a:t>
             </a:r>
           </a:p>
           <a:p>
             <a:pPr lvl="1"/>
             <a:r>
-              <a:rPr lang="en-US" dirty="0" smtClean="0"/>
+              <a:rPr lang="en-US" dirty="0"/>
               <a:t>We can safely access controls after HTTP request</a:t>
             </a:r>
             <a:endParaRPr lang="cs-CZ" dirty="0"/>
@@ -13141,7 +12805,7 @@
           <a:lstStyle/>
           <a:p>
             <a:r>
-              <a:rPr lang="en-US" dirty="0" err="1" smtClean="0">
+              <a:rPr lang="en-US" dirty="0" err="1">
                 <a:solidFill>
                   <a:srgbClr val="020002"/>
                 </a:solidFill>
@@ -13150,7 +12814,7 @@
               <a:t>async</a:t>
             </a:r>
             <a:r>
-              <a:rPr lang="en-US" dirty="0" smtClean="0">
+              <a:rPr lang="en-US" dirty="0">
                 <a:solidFill>
                   <a:srgbClr val="020002"/>
                 </a:solidFill>
@@ -13161,7 +12825,7 @@
           </a:p>
           <a:p>
             <a:r>
-              <a:rPr lang="en-US" dirty="0" smtClean="0">
+              <a:rPr lang="en-US" dirty="0">
                 <a:solidFill>
                   <a:srgbClr val="0000FF"/>
                 </a:solidFill>
@@ -13170,7 +12834,7 @@
               <a:t>  </a:t>
             </a:r>
             <a:r>
-              <a:rPr lang="cs-CZ" dirty="0" smtClean="0">
+              <a:rPr lang="cs-CZ" dirty="0">
                 <a:solidFill>
                   <a:srgbClr val="0000FF"/>
                 </a:solidFill>
@@ -13179,7 +12843,7 @@
               <a:t>let</a:t>
             </a:r>
             <a:r>
-              <a:rPr lang="cs-CZ" dirty="0" smtClean="0">
+              <a:rPr lang="cs-CZ" dirty="0">
                 <a:solidFill>
                   <a:prstClr val="black"/>
                 </a:solidFill>
@@ -13262,7 +12926,7 @@
           </a:p>
           <a:p>
             <a:r>
-              <a:rPr lang="en-US" dirty="0" smtClean="0">
+              <a:rPr lang="en-US" dirty="0">
                 <a:solidFill>
                   <a:srgbClr val="0000FF"/>
                 </a:solidFill>
@@ -13271,22 +12935,13 @@
               <a:t>  </a:t>
             </a:r>
             <a:r>
-              <a:rPr lang="cs-CZ" dirty="0" smtClean="0">
+              <a:rPr lang="cs-CZ" dirty="0">
                 <a:solidFill>
                   <a:srgbClr val="0000FF"/>
                 </a:solidFill>
                 <a:latin typeface="Consolas"/>
               </a:rPr>
-              <a:t>let</a:t>
-            </a:r>
-            <a:r>
-              <a:rPr lang="cs-CZ" dirty="0">
-                <a:solidFill>
-                  <a:srgbClr val="0000FF"/>
-                </a:solidFill>
-                <a:latin typeface="Consolas"/>
-              </a:rPr>
-              <a:t>!</a:t>
+              <a:t>let!</a:t>
             </a:r>
             <a:r>
               <a:rPr lang="cs-CZ" dirty="0">
@@ -13333,7 +12988,7 @@
               </a:rPr>
               <a:t> </a:t>
             </a:r>
-            <a:endParaRPr lang="en-US" dirty="0" smtClean="0">
+            <a:endParaRPr lang="en-US" dirty="0">
               <a:solidFill>
                 <a:prstClr val="black"/>
               </a:solidFill>
@@ -13348,28 +13003,55 @@
                 </a:solidFill>
                 <a:latin typeface="Consolas"/>
               </a:rPr>
+              <a:t>    </a:t>
+            </a:r>
+            <a:r>
+              <a:rPr lang="cs-CZ" dirty="0">
+                <a:solidFill>
+                  <a:srgbClr val="020002"/>
+                </a:solidFill>
+                <a:latin typeface="Consolas"/>
+              </a:rPr>
+              <a:t>Async</a:t>
+            </a:r>
+            <a:r>
+              <a:rPr lang="cs-CZ" dirty="0">
+                <a:solidFill>
+                  <a:srgbClr val="800080"/>
+                </a:solidFill>
+                <a:latin typeface="Consolas"/>
+              </a:rPr>
+              <a:t>.</a:t>
+            </a:r>
+            <a:r>
+              <a:rPr lang="cs-CZ" dirty="0">
+                <a:solidFill>
+                  <a:srgbClr val="020002"/>
+                </a:solidFill>
+                <a:latin typeface="Consolas"/>
+              </a:rPr>
+              <a:t>GuardedAwaitObservable</a:t>
+            </a:r>
+            <a:r>
+              <a:rPr lang="cs-CZ" dirty="0">
+                <a:solidFill>
+                  <a:prstClr val="black"/>
+                </a:solidFill>
+                <a:latin typeface="Consolas"/>
+              </a:rPr>
               <a:t> </a:t>
             </a:r>
             <a:r>
-              <a:rPr lang="en-US" dirty="0" smtClean="0">
-                <a:solidFill>
-                  <a:prstClr val="black"/>
-                </a:solidFill>
-                <a:latin typeface="Consolas"/>
-              </a:rPr>
-              <a:t>   </a:t>
-            </a:r>
-            <a:r>
-              <a:rPr lang="cs-CZ" dirty="0" smtClean="0">
+              <a:rPr lang="cs-CZ" dirty="0">
                 <a:solidFill>
                   <a:srgbClr val="020002"/>
                 </a:solidFill>
                 <a:latin typeface="Consolas"/>
               </a:rPr>
-              <a:t>Async</a:t>
-            </a:r>
-            <a:r>
-              <a:rPr lang="cs-CZ" dirty="0" smtClean="0">
+              <a:t>wc</a:t>
+            </a:r>
+            <a:r>
+              <a:rPr lang="cs-CZ" dirty="0">
                 <a:solidFill>
                   <a:srgbClr val="800080"/>
                 </a:solidFill>
@@ -13378,16 +13060,16 @@
               <a:t>.</a:t>
             </a:r>
             <a:r>
-              <a:rPr lang="cs-CZ" dirty="0" smtClean="0">
+              <a:rPr lang="cs-CZ" dirty="0">
                 <a:solidFill>
                   <a:srgbClr val="020002"/>
                 </a:solidFill>
                 <a:latin typeface="Consolas"/>
               </a:rPr>
-              <a:t>GuardedAwaitObservable</a:t>
-            </a:r>
-            <a:r>
-              <a:rPr lang="cs-CZ" dirty="0" smtClean="0">
+              <a:t>DownloadStringCompleted</a:t>
+            </a:r>
+            <a:r>
+              <a:rPr lang="cs-CZ" dirty="0">
                 <a:solidFill>
                   <a:prstClr val="black"/>
                 </a:solidFill>
@@ -13395,8 +13077,73 @@
               </a:rPr>
               <a:t> </a:t>
             </a:r>
-            <a:r>
-              <a:rPr lang="cs-CZ" dirty="0" smtClean="0">
+          </a:p>
+          <a:p>
+            <a:r>
+              <a:rPr lang="cs-CZ" dirty="0">
+                <a:solidFill>
+                  <a:prstClr val="black"/>
+                </a:solidFill>
+                <a:latin typeface="Consolas"/>
+              </a:rPr>
+              <a:t>     </a:t>
+            </a:r>
+            <a:r>
+              <a:rPr lang="en-US" dirty="0">
+                <a:solidFill>
+                  <a:prstClr val="black"/>
+                </a:solidFill>
+                <a:latin typeface="Consolas"/>
+              </a:rPr>
+              <a:t> </a:t>
+            </a:r>
+            <a:r>
+              <a:rPr lang="cs-CZ" dirty="0">
+                <a:solidFill>
+                  <a:prstClr val="black"/>
+                </a:solidFill>
+                <a:latin typeface="Consolas"/>
+              </a:rPr>
+              <a:t>(</a:t>
+            </a:r>
+            <a:r>
+              <a:rPr lang="cs-CZ" dirty="0">
+                <a:solidFill>
+                  <a:srgbClr val="0000FF"/>
+                </a:solidFill>
+                <a:latin typeface="Consolas"/>
+              </a:rPr>
+              <a:t>fun</a:t>
+            </a:r>
+            <a:r>
+              <a:rPr lang="cs-CZ" dirty="0">
+                <a:solidFill>
+                  <a:prstClr val="black"/>
+                </a:solidFill>
+                <a:latin typeface="Consolas"/>
+              </a:rPr>
+              <a:t> () </a:t>
+            </a:r>
+            <a:r>
+              <a:rPr lang="cs-CZ" dirty="0">
+                <a:solidFill>
+                  <a:srgbClr val="0000FF"/>
+                </a:solidFill>
+                <a:latin typeface="Consolas"/>
+              </a:rPr>
+              <a:t>-&gt;</a:t>
+            </a:r>
+            <a:r>
+              <a:rPr lang="cs-CZ" dirty="0">
+                <a:solidFill>
+                  <a:prstClr val="black"/>
+                </a:solidFill>
+                <a:latin typeface="Consolas"/>
+              </a:rPr>
+              <a:t> </a:t>
+            </a:r>
+            <a:r>
+              <a:rPr lang="cs-CZ" dirty="0">
                 <a:solidFill>
                   <a:srgbClr val="020002"/>
                 </a:solidFill>
@@ -13405,7 +13152,7 @@
               <a:t>wc</a:t>
             </a:r>
             <a:r>
-              <a:rPr lang="cs-CZ" dirty="0" smtClean="0">
+              <a:rPr lang="cs-CZ" dirty="0">
                 <a:solidFill>
                   <a:srgbClr val="800080"/>
                 </a:solidFill>
@@ -13414,16 +13161,34 @@
               <a:t>.</a:t>
             </a:r>
             <a:r>
-              <a:rPr lang="cs-CZ" dirty="0" smtClean="0">
+              <a:rPr lang="cs-CZ" dirty="0">
                 <a:solidFill>
                   <a:srgbClr val="020002"/>
                 </a:solidFill>
                 <a:latin typeface="Consolas"/>
               </a:rPr>
-              <a:t>DownloadStringCompleted</a:t>
-            </a:r>
-            <a:r>
-              <a:rPr lang="cs-CZ" dirty="0" smtClean="0">
+              <a:t>DownloadStringAsync</a:t>
+            </a:r>
+            <a:r>
+              <a:rPr lang="cs-CZ" dirty="0">
+                <a:solidFill>
+                  <a:prstClr val="black"/>
+                </a:solidFill>
+                <a:latin typeface="Consolas"/>
+              </a:rPr>
+              <a:t>(</a:t>
+            </a:r>
+            <a:r>
+              <a:rPr lang="cs-CZ" dirty="0">
+                <a:solidFill>
+                  <a:srgbClr val="0000FF"/>
+                </a:solidFill>
+                <a:latin typeface="Consolas"/>
+              </a:rPr>
+              <a:t>new</a:t>
+            </a:r>
+            <a:r>
+              <a:rPr lang="cs-CZ" dirty="0">
                 <a:solidFill>
                   <a:prstClr val="black"/>
                 </a:solidFill>
@@ -13431,34 +13196,17 @@
               </a:rPr>
               <a:t> </a:t>
             </a:r>
-            <a:endParaRPr lang="cs-CZ" dirty="0">
-              <a:solidFill>
-                <a:prstClr val="black"/>
-              </a:solidFill>
-              <a:latin typeface="Consolas"/>
-            </a:endParaRPr>
-          </a:p>
-          <a:p>
-            <a:r>
-              <a:rPr lang="cs-CZ" dirty="0" smtClean="0">
-                <a:solidFill>
-                  <a:prstClr val="black"/>
-                </a:solidFill>
-                <a:latin typeface="Consolas"/>
-              </a:rPr>
-              <a:t>     </a:t>
-            </a:r>
-            <a:r>
-              <a:rPr lang="en-US" dirty="0" smtClean="0">
-                <a:solidFill>
-                  <a:prstClr val="black"/>
-                </a:solidFill>
-                <a:latin typeface="Consolas"/>
-              </a:rPr>
-              <a:t> </a:t>
-            </a:r>
-            <a:r>
-              <a:rPr lang="cs-CZ" dirty="0" smtClean="0">
+            <a:r>
+              <a:rPr lang="cs-CZ" dirty="0">
+                <a:solidFill>
+                  <a:srgbClr val="020002"/>
+                </a:solidFill>
+                <a:latin typeface="Consolas"/>
+              </a:rPr>
+              <a:t>Uri</a:t>
+            </a:r>
+            <a:r>
+              <a:rPr lang="cs-CZ" dirty="0">
                 <a:solidFill>
                   <a:prstClr val="black"/>
                 </a:solidFill>
@@ -13469,122 +13217,14 @@
             <a:r>
               <a:rPr lang="cs-CZ" dirty="0">
                 <a:solidFill>
-                  <a:srgbClr val="0000FF"/>
-                </a:solidFill>
-                <a:latin typeface="Consolas"/>
-              </a:rPr>
-              <a:t>fun</a:t>
-            </a:r>
-            <a:r>
-              <a:rPr lang="cs-CZ" dirty="0">
-                <a:solidFill>
-                  <a:prstClr val="black"/>
-                </a:solidFill>
-                <a:latin typeface="Consolas"/>
-              </a:rPr>
-              <a:t> () </a:t>
-            </a:r>
-            <a:r>
-              <a:rPr lang="cs-CZ" dirty="0">
-                <a:solidFill>
-                  <a:srgbClr val="0000FF"/>
-                </a:solidFill>
-                <a:latin typeface="Consolas"/>
-              </a:rPr>
-              <a:t>-&gt;</a:t>
-            </a:r>
-            <a:r>
-              <a:rPr lang="cs-CZ" dirty="0">
-                <a:solidFill>
-                  <a:prstClr val="black"/>
-                </a:solidFill>
-                <a:latin typeface="Consolas"/>
-              </a:rPr>
-              <a:t> </a:t>
-            </a:r>
-            <a:r>
-              <a:rPr lang="cs-CZ" dirty="0" smtClean="0">
-                <a:solidFill>
                   <a:srgbClr val="020002"/>
                 </a:solidFill>
                 <a:latin typeface="Consolas"/>
               </a:rPr>
-              <a:t>wc</a:t>
-            </a:r>
-            <a:r>
-              <a:rPr lang="cs-CZ" dirty="0" smtClean="0">
-                <a:solidFill>
-                  <a:srgbClr val="800080"/>
-                </a:solidFill>
-                <a:latin typeface="Consolas"/>
-              </a:rPr>
-              <a:t>.</a:t>
-            </a:r>
-            <a:r>
-              <a:rPr lang="cs-CZ" dirty="0" smtClean="0">
-                <a:solidFill>
-                  <a:srgbClr val="020002"/>
-                </a:solidFill>
-                <a:latin typeface="Consolas"/>
-              </a:rPr>
-              <a:t>DownloadStringAsync</a:t>
-            </a:r>
-            <a:r>
-              <a:rPr lang="cs-CZ" dirty="0" smtClean="0">
-                <a:solidFill>
-                  <a:prstClr val="black"/>
-                </a:solidFill>
-                <a:latin typeface="Consolas"/>
-              </a:rPr>
-              <a:t>(</a:t>
-            </a:r>
-            <a:r>
-              <a:rPr lang="cs-CZ" dirty="0" smtClean="0">
-                <a:solidFill>
-                  <a:srgbClr val="0000FF"/>
-                </a:solidFill>
-                <a:latin typeface="Consolas"/>
-              </a:rPr>
-              <a:t>new</a:t>
-            </a:r>
-            <a:r>
-              <a:rPr lang="cs-CZ" dirty="0" smtClean="0">
-                <a:solidFill>
-                  <a:prstClr val="black"/>
-                </a:solidFill>
-                <a:latin typeface="Consolas"/>
-              </a:rPr>
-              <a:t> </a:t>
-            </a:r>
-            <a:r>
-              <a:rPr lang="cs-CZ" dirty="0">
-                <a:solidFill>
-                  <a:srgbClr val="020002"/>
-                </a:solidFill>
-                <a:latin typeface="Consolas"/>
-              </a:rPr>
-              <a:t>Uri</a:t>
-            </a:r>
-            <a:r>
-              <a:rPr lang="cs-CZ" dirty="0">
-                <a:solidFill>
-                  <a:prstClr val="black"/>
-                </a:solidFill>
-                <a:latin typeface="Consolas"/>
-              </a:rPr>
-              <a:t>(</a:t>
-            </a:r>
-            <a:r>
-              <a:rPr lang="cs-CZ" dirty="0">
-                <a:solidFill>
-                  <a:srgbClr val="020002"/>
-                </a:solidFill>
-                <a:latin typeface="Consolas"/>
-              </a:rPr>
               <a:t>uri</a:t>
             </a:r>
             <a:r>
-              <a:rPr lang="cs-CZ" dirty="0" smtClean="0">
+              <a:rPr lang="cs-CZ" dirty="0">
                 <a:solidFill>
                   <a:prstClr val="black"/>
                 </a:solidFill>
@@ -13595,7 +13235,7 @@
           </a:p>
           <a:p>
             <a:r>
-              <a:rPr lang="en-US" dirty="0" smtClean="0">
+              <a:rPr lang="en-US" dirty="0">
                 <a:solidFill>
                   <a:srgbClr val="008000"/>
                 </a:solidFill>
@@ -13604,7 +13244,7 @@
               <a:t>  // (...) </a:t>
             </a:r>
             <a:r>
-              <a:rPr lang="en-US" dirty="0" smtClean="0">
+              <a:rPr lang="en-US" dirty="0">
                 <a:solidFill>
                   <a:srgbClr val="020002"/>
                 </a:solidFill>
@@ -13634,13 +13274,6 @@
   <p:transition>
     <p:fade/>
   </p:transition>
-  <p:timing>
-    <p:tnLst>
-      <p:par>
-        <p:cTn id="1" dur="indefinite" restart="never" nodeType="tmRoot"/>
-      </p:par>
-    </p:tnLst>
-  </p:timing>
 </p:sld>
 </file>
 
@@ -13677,7 +13310,7 @@
           <a:lstStyle/>
           <a:p>
             <a:r>
-              <a:rPr lang="en-US" dirty="0" smtClean="0"/>
+              <a:rPr lang="en-US" dirty="0"/>
               <a:t>DEMO</a:t>
             </a:r>
             <a:endParaRPr lang="cs-CZ" dirty="0"/>
@@ -13700,7 +13333,7 @@
           <a:lstStyle/>
           <a:p>
             <a:r>
-              <a:rPr lang="en-US" dirty="0" smtClean="0"/>
+              <a:rPr lang="en-US" dirty="0"/>
               <a:t>Social rectangle drawing application</a:t>
             </a:r>
             <a:endParaRPr lang="cs-CZ" dirty="0"/>
@@ -13786,7 +13419,7 @@
               </a:spcAft>
             </a:pPr>
             <a:r>
-              <a:rPr lang="en-US" sz="2800" b="1" dirty="0" smtClean="0">
+              <a:rPr lang="en-US" sz="2800" b="1" dirty="0">
                 <a:gradFill>
                   <a:gsLst>
                     <a:gs pos="0">
@@ -13801,7 +13434,7 @@
               </a:rPr>
               <a:t>web 2.0 inside!!</a:t>
             </a:r>
-            <a:endParaRPr lang="cs-CZ" sz="2800" b="1" dirty="0" smtClean="0">
+            <a:endParaRPr lang="cs-CZ" sz="2800" b="1" dirty="0">
               <a:gradFill>
                 <a:gsLst>
                   <a:gs pos="0">
@@ -14083,13 +13716,8 @@
           <a:p>
             <a:r>
               <a:rPr lang="en-US" dirty="0"/>
-              <a:t>Brief summary of the </a:t>
-            </a:r>
-            <a:r>
-              <a:rPr lang="en-US" dirty="0" smtClean="0"/>
-              <a:t>talk</a:t>
-            </a:r>
-            <a:endParaRPr lang="en-US" dirty="0"/>
+              <a:t>Brief summary of the talk</a:t>
+            </a:r>
           </a:p>
         </p:txBody>
       </p:sp>
@@ -14115,121 +13743,121 @@
           <a:p>
             <a:pPr lvl="0"/>
             <a:r>
-              <a:rPr lang="en-US" dirty="0" smtClean="0"/>
+              <a:rPr lang="en-US" dirty="0"/>
               <a:t>Reactive code can run on the GUI thread!</a:t>
             </a:r>
           </a:p>
           <a:p>
             <a:pPr lvl="4"/>
-            <a:endParaRPr lang="en-US" dirty="0" smtClean="0"/>
+            <a:endParaRPr lang="en-US" dirty="0"/>
           </a:p>
           <a:p>
             <a:pPr lvl="0"/>
             <a:r>
-              <a:rPr lang="en-US" dirty="0" smtClean="0"/>
+              <a:rPr lang="en-US" dirty="0"/>
               <a:t>Two programming styles in F#</a:t>
             </a:r>
           </a:p>
           <a:p>
             <a:pPr lvl="1"/>
             <a:r>
-              <a:rPr lang="en-US" b="1" dirty="0" smtClean="0"/>
+              <a:rPr lang="en-US" b="1" dirty="0"/>
               <a:t>Declarative </a:t>
             </a:r>
             <a:r>
-              <a:rPr lang="en-US" dirty="0" smtClean="0"/>
+              <a:rPr lang="en-US" dirty="0"/>
               <a:t>or </a:t>
             </a:r>
             <a:r>
-              <a:rPr lang="en-US" b="1" dirty="0" smtClean="0"/>
+              <a:rPr lang="en-US" b="1" dirty="0"/>
               <a:t>data-flow </a:t>
             </a:r>
             <a:r>
-              <a:rPr lang="en-US" dirty="0" smtClean="0"/>
+              <a:rPr lang="en-US" dirty="0"/>
               <a:t>style</a:t>
             </a:r>
           </a:p>
           <a:p>
             <a:pPr lvl="2"/>
             <a:r>
-              <a:rPr lang="en-US" dirty="0" smtClean="0"/>
+              <a:rPr lang="en-US" dirty="0"/>
               <a:t>Using </a:t>
             </a:r>
             <a:r>
-              <a:rPr lang="en-US" sz="2000" dirty="0" err="1" smtClean="0">
+              <a:rPr lang="en-US" sz="2000" dirty="0" err="1">
                 <a:latin typeface="Consolas" pitchFamily="49" charset="0"/>
                 <a:cs typeface="Consolas" pitchFamily="49" charset="0"/>
               </a:rPr>
               <a:t>Event.scan</a:t>
             </a:r>
             <a:r>
-              <a:rPr lang="en-US" dirty="0" smtClean="0"/>
+              <a:rPr lang="en-US" dirty="0"/>
               <a:t> combinators</a:t>
             </a:r>
           </a:p>
           <a:p>
             <a:pPr lvl="1"/>
             <a:r>
-              <a:rPr lang="en-US" b="1" dirty="0" smtClean="0"/>
+              <a:rPr lang="en-US" b="1" dirty="0"/>
               <a:t>Imperative </a:t>
             </a:r>
             <a:r>
-              <a:rPr lang="en-US" dirty="0" smtClean="0"/>
+              <a:rPr lang="en-US" dirty="0"/>
               <a:t>or </a:t>
             </a:r>
             <a:r>
-              <a:rPr lang="en-US" b="1" dirty="0" smtClean="0"/>
+              <a:rPr lang="en-US" b="1" dirty="0"/>
               <a:t>control-flow </a:t>
             </a:r>
             <a:r>
-              <a:rPr lang="en-US" dirty="0" smtClean="0"/>
+              <a:rPr lang="en-US" dirty="0"/>
               <a:t>style</a:t>
             </a:r>
           </a:p>
           <a:p>
             <a:pPr lvl="2"/>
             <a:r>
-              <a:rPr lang="en-US" dirty="0" smtClean="0"/>
+              <a:rPr lang="en-US" dirty="0"/>
               <a:t>Using </a:t>
             </a:r>
             <a:r>
-              <a:rPr lang="en-US" sz="2000" dirty="0" err="1" smtClean="0">
+              <a:rPr lang="en-US" sz="2000" dirty="0" err="1">
                 <a:latin typeface="Consolas" pitchFamily="49" charset="0"/>
                 <a:cs typeface="Consolas" pitchFamily="49" charset="0"/>
               </a:rPr>
               <a:t>AwaitEvent</a:t>
             </a:r>
             <a:r>
-              <a:rPr lang="en-US" dirty="0" smtClean="0"/>
+              <a:rPr lang="en-US" dirty="0"/>
               <a:t> primitive</a:t>
             </a:r>
           </a:p>
           <a:p>
             <a:pPr lvl="1"/>
             <a:r>
-              <a:rPr lang="en-US" dirty="0" smtClean="0"/>
+              <a:rPr lang="en-US" dirty="0"/>
               <a:t>In both cases, we can use diagrams</a:t>
             </a:r>
           </a:p>
           <a:p>
             <a:pPr lvl="4"/>
-            <a:endParaRPr lang="en-US" dirty="0" smtClean="0"/>
-          </a:p>
-          <a:p>
-            <a:r>
-              <a:rPr lang="en-US" dirty="0" smtClean="0"/>
+            <a:endParaRPr lang="en-US" dirty="0"/>
+          </a:p>
+          <a:p>
+            <a:r>
+              <a:rPr lang="en-US" dirty="0"/>
               <a:t>Web requests from workflows</a:t>
             </a:r>
           </a:p>
           <a:p>
             <a:pPr lvl="1"/>
             <a:r>
-              <a:rPr lang="en-US" dirty="0" smtClean="0"/>
+              <a:rPr lang="en-US" dirty="0"/>
               <a:t>Both common patterns work</a:t>
             </a:r>
           </a:p>
           <a:p>
-            <a:endParaRPr lang="en-US" dirty="0" smtClean="0"/>
+            <a:endParaRPr lang="en-US" dirty="0"/>
           </a:p>
         </p:txBody>
       </p:sp>
@@ -14308,13 +13936,6 @@
       </p:transition>
     </mc:Fallback>
   </mc:AlternateContent>
-  <p:timing>
-    <p:tnLst>
-      <p:par>
-        <p:cTn id="1" dur="indefinite" restart="never" nodeType="tmRoot"/>
-      </p:par>
-    </p:tnLst>
-  </p:timing>
 </p:sld>
 </file>
 
@@ -14351,7 +13972,7 @@
           <a:lstStyle/>
           <a:p>
             <a:r>
-              <a:rPr lang="en-US" smtClean="0"/>
+              <a:rPr lang="en-US"/>
               <a:t>What is this talk about?</a:t>
             </a:r>
             <a:endParaRPr lang="cs-CZ" dirty="0"/>
@@ -14379,51 +14000,51 @@
           <a:lstStyle/>
           <a:p>
             <a:r>
-              <a:rPr lang="en-US" dirty="0" smtClean="0"/>
+              <a:rPr lang="en-US" dirty="0"/>
               <a:t>It is not about </a:t>
             </a:r>
             <a:r>
-              <a:rPr lang="en-US" i="1" dirty="0" smtClean="0"/>
+              <a:rPr lang="en-US" i="1" dirty="0"/>
               <a:t>concurrent programming</a:t>
             </a:r>
           </a:p>
           <a:p>
             <a:pPr lvl="1"/>
             <a:r>
-              <a:rPr lang="en-US" dirty="0" smtClean="0"/>
+              <a:rPr lang="en-US" dirty="0"/>
               <a:t>Multiple threads, various programming models</a:t>
             </a:r>
           </a:p>
           <a:p>
             <a:pPr lvl="1"/>
             <a:r>
-              <a:rPr lang="en-US" b="1" dirty="0" smtClean="0"/>
+              <a:rPr lang="en-US" b="1" dirty="0"/>
               <a:t>Immutable data </a:t>
             </a:r>
             <a:r>
-              <a:rPr lang="en-US" dirty="0" smtClean="0"/>
+              <a:rPr lang="en-US" dirty="0"/>
               <a:t>using Tasks or Parallel LINQ</a:t>
             </a:r>
           </a:p>
           <a:p>
             <a:pPr lvl="2"/>
             <a:r>
-              <a:rPr lang="en-US" dirty="0" smtClean="0"/>
+              <a:rPr lang="en-US" dirty="0"/>
               <a:t>We have full control over the control flow</a:t>
             </a:r>
           </a:p>
           <a:p>
             <a:pPr lvl="1"/>
             <a:r>
-              <a:rPr lang="en-US" b="1" dirty="0" smtClean="0"/>
+              <a:rPr lang="en-US" b="1" dirty="0"/>
               <a:t>Message passing </a:t>
             </a:r>
             <a:r>
-              <a:rPr lang="en-US" dirty="0" smtClean="0"/>
+              <a:rPr lang="en-US" dirty="0"/>
               <a:t>using F# </a:t>
             </a:r>
             <a:r>
-              <a:rPr lang="en-US" sz="2400" dirty="0" err="1" smtClean="0">
+              <a:rPr lang="en-US" sz="2400" dirty="0" err="1">
                 <a:solidFill>
                   <a:schemeClr val="accent1">
                     <a:lumMod val="50000"/>
@@ -14434,7 +14055,7 @@
               </a:rPr>
               <a:t>MailboxProcessor</a:t>
             </a:r>
-            <a:endParaRPr lang="en-US" sz="2400" dirty="0" smtClean="0">
+            <a:endParaRPr lang="en-US" sz="2400" dirty="0">
               <a:solidFill>
                 <a:schemeClr val="accent1">
                   <a:lumMod val="50000"/>
@@ -14447,35 +14068,35 @@
           <a:p>
             <a:pPr lvl="2"/>
             <a:r>
-              <a:rPr lang="en-US" dirty="0" smtClean="0"/>
+              <a:rPr lang="en-US" dirty="0"/>
               <a:t>Processors react to received messages </a:t>
             </a:r>
           </a:p>
           <a:p>
             <a:pPr lvl="4"/>
-            <a:endParaRPr lang="en-US" dirty="0" smtClean="0"/>
-          </a:p>
-          <a:p>
-            <a:r>
-              <a:rPr lang="en-US" dirty="0" smtClean="0"/>
+            <a:endParaRPr lang="en-US" dirty="0"/>
+          </a:p>
+          <a:p>
+            <a:r>
+              <a:rPr lang="en-US" dirty="0"/>
               <a:t>It is about </a:t>
             </a:r>
             <a:r>
-              <a:rPr lang="en-US" i="1" dirty="0" smtClean="0"/>
+              <a:rPr lang="en-US" i="1" dirty="0"/>
               <a:t>reactive programming</a:t>
             </a:r>
           </a:p>
           <a:p>
             <a:pPr lvl="1"/>
             <a:r>
-              <a:rPr lang="en-US" dirty="0" smtClean="0"/>
+              <a:rPr lang="en-US" dirty="0"/>
               <a:t>Components that react to events in general</a:t>
             </a:r>
           </a:p>
           <a:p>
             <a:pPr lvl="2"/>
             <a:r>
-              <a:rPr lang="en-US" sz="2000" dirty="0" err="1" smtClean="0">
+              <a:rPr lang="en-US" sz="2000" dirty="0" err="1">
                 <a:solidFill>
                   <a:schemeClr val="accent1">
                     <a:lumMod val="50000"/>
@@ -14487,7 +14108,7 @@
               <a:t>MailboxProcessor</a:t>
             </a:r>
             <a:r>
-              <a:rPr lang="en-US" dirty="0" smtClean="0">
+              <a:rPr lang="en-US" dirty="0">
                 <a:solidFill>
                   <a:schemeClr val="accent1">
                     <a:lumMod val="50000"/>
@@ -14497,14 +14118,14 @@
               <a:t> </a:t>
             </a:r>
             <a:r>
-              <a:rPr lang="en-US" dirty="0" smtClean="0"/>
+              <a:rPr lang="en-US" dirty="0"/>
               <a:t>is one possible implementation</a:t>
             </a:r>
           </a:p>
           <a:p>
             <a:pPr lvl="1"/>
             <a:r>
-              <a:rPr lang="en-US" dirty="0" smtClean="0"/>
+              <a:rPr lang="en-US" dirty="0"/>
               <a:t>Can be single-threaded – running on GUI thread</a:t>
             </a:r>
           </a:p>
@@ -14532,13 +14153,6 @@
       </p:transition>
     </mc:Fallback>
   </mc:AlternateContent>
-  <p:timing>
-    <p:tnLst>
-      <p:par>
-        <p:cTn id="1" dur="indefinite" restart="never" nodeType="tmRoot"/>
-      </p:par>
-    </p:tnLst>
-  </p:timing>
 </p:sld>
 </file>
 
@@ -14614,7 +14228,7 @@
           <a:lstStyle/>
           <a:p>
             <a:r>
-              <a:rPr lang="en-US" dirty="0" smtClean="0"/>
+              <a:rPr lang="en-US" dirty="0"/>
               <a:t>Thanks!</a:t>
             </a:r>
             <a:endParaRPr lang="cs-CZ" dirty="0"/>
@@ -14892,7 +14506,7 @@
               </a:spcBef>
             </a:pPr>
             <a:r>
-              <a:rPr lang="en-US" b="1" dirty="0" smtClean="0">
+              <a:rPr lang="en-US" b="1" dirty="0">
                 <a:solidFill>
                   <a:srgbClr val="DD8047">
                     <a:lumMod val="50000"/>
@@ -14901,7 +14515,7 @@
               </a:rPr>
               <a:t>Questions?</a:t>
             </a:r>
-            <a:endParaRPr lang="en-US" dirty="0" smtClean="0">
+            <a:endParaRPr lang="en-US" dirty="0">
               <a:solidFill>
                 <a:srgbClr val="DD8047">
                   <a:lumMod val="50000"/>
@@ -14933,13 +14547,6 @@
       </p:transition>
     </mc:Fallback>
   </mc:AlternateContent>
-  <p:timing>
-    <p:tnLst>
-      <p:par>
-        <p:cTn id="1" dur="indefinite" restart="never" nodeType="tmRoot"/>
-      </p:par>
-    </p:tnLst>
-  </p:timing>
 </p:sld>
 </file>
 
@@ -14976,7 +14583,7 @@
           <a:lstStyle/>
           <a:p>
             <a:r>
-              <a:rPr lang="en-US" smtClean="0"/>
+              <a:rPr lang="en-US"/>
               <a:t>References &amp; Links</a:t>
             </a:r>
             <a:endParaRPr lang="cs-CZ" dirty="0"/>
@@ -15004,33 +14611,33 @@
           <a:lstStyle/>
           <a:p>
             <a:r>
-              <a:rPr lang="en-US" b="1" dirty="0" smtClean="0"/>
+              <a:rPr lang="en-US" b="1" dirty="0"/>
               <a:t>What do you need to run samples?</a:t>
             </a:r>
           </a:p>
           <a:p>
             <a:pPr lvl="1"/>
             <a:r>
-              <a:rPr lang="en-US" dirty="0" smtClean="0"/>
+              <a:rPr lang="en-US" dirty="0"/>
               <a:t>Samples will be on my blog (below)</a:t>
             </a:r>
           </a:p>
           <a:p>
             <a:pPr lvl="1"/>
             <a:r>
-              <a:rPr lang="en-US" dirty="0" smtClean="0"/>
+              <a:rPr lang="en-US" dirty="0"/>
               <a:t>Get F# and F# </a:t>
             </a:r>
             <a:r>
-              <a:rPr lang="en-US" dirty="0" err="1" smtClean="0"/>
+              <a:rPr lang="en-US" dirty="0" err="1"/>
               <a:t>PowerPack</a:t>
             </a:r>
             <a:r>
-              <a:rPr lang="en-US" dirty="0" smtClean="0"/>
+              <a:rPr lang="en-US" dirty="0"/>
               <a:t> (</a:t>
             </a:r>
             <a:r>
-              <a:rPr lang="en-US" dirty="0" smtClean="0">
+              <a:rPr lang="en-US" dirty="0">
                 <a:hlinkClick r:id="rId2"/>
               </a:rPr>
               <a:t>http://www.fsharp.net</a:t>
@@ -15039,89 +14646,88 @@
               <a:rPr lang="en-US" dirty="0"/>
               <a:t>)</a:t>
             </a:r>
-            <a:endParaRPr lang="en-US" dirty="0" smtClean="0"/>
           </a:p>
           <a:p>
             <a:pPr lvl="1"/>
             <a:r>
-              <a:rPr lang="en-US" dirty="0" smtClean="0"/>
+              <a:rPr lang="en-US" dirty="0"/>
               <a:t>Get Silverlight Developer tools (F# included!)</a:t>
             </a:r>
           </a:p>
           <a:p>
             <a:pPr lvl="2"/>
             <a:r>
-              <a:rPr lang="cs-CZ" dirty="0" smtClean="0">
+              <a:rPr lang="cs-CZ" dirty="0">
                 <a:hlinkClick r:id="rId3"/>
               </a:rPr>
               <a:t>http://www.silverlight.net/getstarted</a:t>
             </a:r>
             <a:r>
-              <a:rPr lang="en-US" dirty="0" smtClean="0"/>
+              <a:rPr lang="en-US" dirty="0"/>
               <a:t> </a:t>
             </a:r>
           </a:p>
           <a:p>
             <a:pPr lvl="4"/>
-            <a:endParaRPr lang="en-US" dirty="0" smtClean="0"/>
-          </a:p>
-          <a:p>
-            <a:r>
-              <a:rPr lang="en-US" b="1" dirty="0" smtClean="0"/>
+            <a:endParaRPr lang="en-US" dirty="0"/>
+          </a:p>
+          <a:p>
+            <a:r>
+              <a:rPr lang="en-US" b="1" dirty="0"/>
               <a:t>Blog &amp; contacts </a:t>
             </a:r>
           </a:p>
           <a:p>
             <a:pPr lvl="1"/>
             <a:r>
-              <a:rPr lang="en-US" dirty="0" smtClean="0"/>
+              <a:rPr lang="en-US" dirty="0"/>
               <a:t>“Real-World Functional Programming”</a:t>
             </a:r>
           </a:p>
           <a:p>
             <a:pPr lvl="2"/>
             <a:r>
-              <a:rPr lang="en-US" dirty="0" smtClean="0">
+              <a:rPr lang="en-US" dirty="0">
                 <a:hlinkClick r:id="rId4"/>
               </a:rPr>
               <a:t>http://functional-programming.net</a:t>
             </a:r>
             <a:r>
-              <a:rPr lang="en-US" dirty="0" smtClean="0"/>
+              <a:rPr lang="en-US" dirty="0"/>
               <a:t> </a:t>
             </a:r>
           </a:p>
           <a:p>
             <a:pPr lvl="1"/>
             <a:r>
-              <a:rPr lang="en-US" dirty="0" smtClean="0"/>
+              <a:rPr lang="en-US" dirty="0"/>
               <a:t>My blog: </a:t>
             </a:r>
             <a:r>
-              <a:rPr lang="en-US" dirty="0" smtClean="0">
+              <a:rPr lang="en-US" dirty="0">
                 <a:hlinkClick r:id="rId5"/>
               </a:rPr>
               <a:t>http://tomasp.net/blog</a:t>
             </a:r>
             <a:r>
-              <a:rPr lang="en-US" dirty="0" smtClean="0"/>
+              <a:rPr lang="en-US" dirty="0"/>
               <a:t> </a:t>
             </a:r>
           </a:p>
           <a:p>
             <a:pPr lvl="1"/>
             <a:r>
-              <a:rPr lang="en-US" dirty="0" smtClean="0"/>
+              <a:rPr lang="en-US" dirty="0"/>
               <a:t>Contact: </a:t>
             </a:r>
             <a:r>
-              <a:rPr lang="en-US" dirty="0" smtClean="0">
+              <a:rPr lang="en-US" dirty="0">
                 <a:hlinkClick r:id="rId6"/>
               </a:rPr>
               <a:t>tomas@tomasp.net</a:t>
             </a:r>
             <a:r>
-              <a:rPr lang="en-US" dirty="0" smtClean="0"/>
+              <a:rPr lang="en-US" dirty="0"/>
               <a:t> </a:t>
             </a:r>
             <a:endParaRPr lang="cs-CZ" dirty="0"/>
@@ -15212,13 +14818,6 @@
       </p:transition>
     </mc:Fallback>
   </mc:AlternateContent>
-  <p:timing>
-    <p:tnLst>
-      <p:par>
-        <p:cTn id="1" dur="indefinite" restart="never" nodeType="tmRoot"/>
-      </p:par>
-    </p:tnLst>
-  </p:timing>
 </p:sld>
 </file>
 
@@ -15260,7 +14859,7 @@
           <a:lstStyle/>
           <a:p>
             <a:r>
-              <a:rPr lang="en-US" dirty="0" smtClean="0"/>
+              <a:rPr lang="en-US" dirty="0"/>
               <a:t>Single-threaded reactive programming</a:t>
             </a:r>
             <a:endParaRPr lang="cs-CZ" dirty="0"/>
@@ -15288,27 +14887,27 @@
           <a:lstStyle/>
           <a:p>
             <a:r>
-              <a:rPr lang="en-US" dirty="0" smtClean="0"/>
+              <a:rPr lang="en-US" dirty="0"/>
               <a:t>Single-threading makes GUI simple (possible!)</a:t>
             </a:r>
           </a:p>
           <a:p>
             <a:pPr lvl="1"/>
             <a:r>
-              <a:rPr lang="en-US" dirty="0" smtClean="0"/>
+              <a:rPr lang="en-US" dirty="0"/>
               <a:t>Reactive part of the application reacts quickly</a:t>
             </a:r>
           </a:p>
           <a:p>
             <a:pPr lvl="1"/>
             <a:r>
-              <a:rPr lang="en-US" dirty="0" smtClean="0"/>
+              <a:rPr lang="en-US" dirty="0"/>
               <a:t>Expensive work should be done in background</a:t>
             </a:r>
           </a:p>
           <a:p>
             <a:pPr lvl="4"/>
-            <a:endParaRPr lang="en-US" dirty="0" smtClean="0"/>
+            <a:endParaRPr lang="en-US" dirty="0"/>
           </a:p>
           <a:p>
             <a:r>
@@ -15327,20 +14926,19 @@
               <a:rPr lang="en-US" dirty="0"/>
               <a:t>to do with received data </a:t>
             </a:r>
-            <a:endParaRPr lang="en-US" dirty="0" smtClean="0"/>
           </a:p>
           <a:p>
             <a:pPr lvl="1"/>
             <a:r>
-              <a:rPr lang="en-US" dirty="0" smtClean="0"/>
+              <a:rPr lang="en-US" dirty="0"/>
               <a:t>Define </a:t>
             </a:r>
             <a:r>
-              <a:rPr lang="en-US" i="1" dirty="0" smtClean="0"/>
+              <a:rPr lang="en-US" i="1" dirty="0"/>
               <a:t>data-flow </a:t>
             </a:r>
             <a:r>
-              <a:rPr lang="en-US" dirty="0" smtClean="0"/>
+              <a:rPr lang="en-US" dirty="0"/>
               <a:t>using event combinators</a:t>
             </a:r>
           </a:p>
@@ -15349,7 +14947,7 @@
               <a:buNone/>
             </a:pPr>
             <a:r>
-              <a:rPr lang="en-US" b="1" dirty="0" smtClean="0">
+              <a:rPr lang="en-US" b="1" dirty="0">
                 <a:solidFill>
                   <a:srgbClr val="008000"/>
                 </a:solidFill>
@@ -15359,18 +14957,18 @@
               <a:t>     ⊕</a:t>
             </a:r>
             <a:r>
-              <a:rPr lang="en-US" dirty="0" smtClean="0">
+              <a:rPr lang="en-US" dirty="0">
                 <a:latin typeface="Cambria Math"/>
                 <a:ea typeface="Cambria Math"/>
               </a:rPr>
               <a:t> </a:t>
             </a:r>
             <a:r>
-              <a:rPr lang="en-US" dirty="0" smtClean="0"/>
+              <a:rPr lang="en-US" dirty="0"/>
               <a:t>Simple &amp; elegant   </a:t>
             </a:r>
             <a:r>
-              <a:rPr lang="en-US" b="1" dirty="0" smtClean="0">
+              <a:rPr lang="en-US" b="1" dirty="0">
                 <a:solidFill>
                   <a:srgbClr val="C00000"/>
                 </a:solidFill>
@@ -15380,20 +14978,20 @@
               <a:t>⊝</a:t>
             </a:r>
             <a:r>
-              <a:rPr lang="en-US" dirty="0" smtClean="0">
+              <a:rPr lang="en-US" dirty="0">
                 <a:latin typeface="Cambria Math"/>
                 <a:ea typeface="Cambria Math"/>
               </a:rPr>
               <a:t> </a:t>
             </a:r>
             <a:r>
-              <a:rPr lang="en-US" dirty="0" smtClean="0"/>
+              <a:rPr lang="en-US" dirty="0"/>
               <a:t>Limited expressivity</a:t>
             </a:r>
           </a:p>
           <a:p>
             <a:pPr lvl="4"/>
-            <a:endParaRPr lang="en-US" i="1" dirty="0" smtClean="0"/>
+            <a:endParaRPr lang="en-US" i="1" dirty="0"/>
           </a:p>
           <a:p>
             <a:pPr marL="460375" lvl="1" indent="-460375"/>
@@ -15417,18 +15015,18 @@
           <a:p>
             <a:pPr lvl="1"/>
             <a:r>
-              <a:rPr lang="en-US" i="1" dirty="0" smtClean="0"/>
+              <a:rPr lang="en-US" i="1" dirty="0"/>
               <a:t>Define control-flow </a:t>
             </a:r>
             <a:r>
-              <a:rPr lang="en-US" dirty="0" smtClean="0"/>
+              <a:rPr lang="en-US" dirty="0"/>
               <a:t>using asynchronous workflows </a:t>
             </a:r>
           </a:p>
           <a:p>
             <a:pPr lvl="1"/>
             <a:r>
-              <a:rPr lang="en-US" b="1" dirty="0" smtClean="0">
+              <a:rPr lang="en-US" b="1" dirty="0">
                 <a:solidFill>
                   <a:srgbClr val="C00000"/>
                 </a:solidFill>
@@ -15438,18 +15036,18 @@
               <a:t>⊝</a:t>
             </a:r>
             <a:r>
-              <a:rPr lang="en-US" dirty="0" smtClean="0">
+              <a:rPr lang="en-US" dirty="0">
                 <a:latin typeface="Cambria Math"/>
                 <a:ea typeface="Cambria Math"/>
               </a:rPr>
               <a:t> </a:t>
             </a:r>
             <a:r>
-              <a:rPr lang="en-US" dirty="0" smtClean="0"/>
+              <a:rPr lang="en-US" dirty="0"/>
               <a:t>Write more code   </a:t>
             </a:r>
             <a:r>
-              <a:rPr lang="en-US" b="1" dirty="0" smtClean="0">
+              <a:rPr lang="en-US" b="1" dirty="0">
                 <a:solidFill>
                   <a:srgbClr val="008000"/>
                 </a:solidFill>
@@ -15459,14 +15057,14 @@
               <a:t>⊕</a:t>
             </a:r>
             <a:r>
-              <a:rPr lang="en-US" dirty="0" smtClean="0">
+              <a:rPr lang="en-US" dirty="0">
                 <a:latin typeface="Cambria Math"/>
                 <a:ea typeface="Cambria Math"/>
               </a:rPr>
               <a:t> </a:t>
             </a:r>
             <a:r>
-              <a:rPr lang="en-US" dirty="0" smtClean="0"/>
+              <a:rPr lang="en-US" dirty="0"/>
               <a:t>Easy for difficult tasks</a:t>
             </a:r>
           </a:p>
@@ -15494,13 +15092,6 @@
       </p:transition>
     </mc:Fallback>
   </mc:AlternateContent>
-  <p:timing>
-    <p:tnLst>
-      <p:par>
-        <p:cTn id="1" dur="indefinite" restart="never" nodeType="tmRoot"/>
-      </p:par>
-    </p:tnLst>
-  </p:timing>
 </p:sld>
 </file>
 
@@ -15576,7 +15167,7 @@
           <a:lstStyle/>
           <a:p>
             <a:r>
-              <a:rPr lang="en-US" dirty="0" smtClean="0"/>
+              <a:rPr lang="en-US" dirty="0"/>
               <a:t>Talk outline</a:t>
             </a:r>
             <a:endParaRPr lang="cs-CZ" dirty="0"/>
@@ -15604,38 +15195,38 @@
           <a:lstStyle/>
           <a:p>
             <a:r>
-              <a:rPr lang="en-US" b="1" dirty="0" smtClean="0"/>
+              <a:rPr lang="en-US" b="1" dirty="0"/>
               <a:t>Writing reactive GUIs declaratively</a:t>
             </a:r>
           </a:p>
           <a:p>
             <a:pPr lvl="1"/>
             <a:r>
-              <a:rPr lang="en-US" dirty="0" smtClean="0"/>
+              <a:rPr lang="en-US" dirty="0"/>
               <a:t>Declarative GUI programming in WPF</a:t>
             </a:r>
           </a:p>
           <a:p>
             <a:pPr lvl="1"/>
             <a:r>
-              <a:rPr lang="en-US" dirty="0" smtClean="0"/>
+              <a:rPr lang="en-US" dirty="0"/>
               <a:t>Using F# event combinators</a:t>
             </a:r>
           </a:p>
           <a:p>
             <a:r>
-              <a:rPr lang="en-US" dirty="0" smtClean="0"/>
+              <a:rPr lang="en-US" dirty="0"/>
               <a:t>Writing reactive GUIs imperatively</a:t>
             </a:r>
           </a:p>
           <a:p>
             <a:pPr lvl="1"/>
             <a:r>
-              <a:rPr lang="en-US" dirty="0" smtClean="0"/>
+              <a:rPr lang="en-US" dirty="0"/>
               <a:t>Using the </a:t>
             </a:r>
             <a:r>
-              <a:rPr lang="en-US" sz="2400" dirty="0" err="1" smtClean="0">
+              <a:rPr lang="en-US" sz="2400" dirty="0" err="1">
                 <a:solidFill>
                   <a:schemeClr val="accent1">
                     <a:lumMod val="50000"/>
@@ -15647,7 +15238,7 @@
               <a:t>AwaitObservable</a:t>
             </a:r>
             <a:r>
-              <a:rPr lang="en-US" dirty="0" smtClean="0">
+              <a:rPr lang="en-US" dirty="0">
                 <a:solidFill>
                   <a:schemeClr val="accent1">
                     <a:lumMod val="50000"/>
@@ -15657,27 +15248,27 @@
               <a:t> </a:t>
             </a:r>
             <a:r>
-              <a:rPr lang="en-US" dirty="0" smtClean="0"/>
+              <a:rPr lang="en-US" dirty="0"/>
               <a:t>primitive</a:t>
             </a:r>
           </a:p>
           <a:p>
             <a:pPr lvl="1"/>
             <a:r>
-              <a:rPr lang="en-US" dirty="0" smtClean="0"/>
+              <a:rPr lang="en-US" dirty="0"/>
               <a:t>Understanding threading</a:t>
             </a:r>
           </a:p>
           <a:p>
             <a:r>
-              <a:rPr lang="en-US" dirty="0" smtClean="0"/>
+              <a:rPr lang="en-US" dirty="0"/>
               <a:t>Asynchronous programming with events</a:t>
             </a:r>
           </a:p>
           <a:p>
             <a:pPr lvl="1"/>
             <a:r>
-              <a:rPr lang="en-US" dirty="0" smtClean="0"/>
+              <a:rPr lang="en-US" dirty="0"/>
               <a:t>Asynchronous HTTP web requests</a:t>
             </a:r>
             <a:endParaRPr lang="cs-CZ" dirty="0"/>
@@ -15706,13 +15297,6 @@
       </p:transition>
     </mc:Fallback>
   </mc:AlternateContent>
-  <p:timing>
-    <p:tnLst>
-      <p:par>
-        <p:cTn id="1" dur="indefinite" restart="never" nodeType="tmRoot"/>
-      </p:par>
-    </p:tnLst>
-  </p:timing>
 </p:sld>
 </file>
 
@@ -15754,7 +15338,7 @@
           <a:lstStyle/>
           <a:p>
             <a:r>
-              <a:rPr lang="en-US" dirty="0" smtClean="0"/>
+              <a:rPr lang="en-US" dirty="0"/>
               <a:t>Everybody loves declarative style! </a:t>
             </a:r>
             <a:endParaRPr lang="cs-CZ" dirty="0"/>
@@ -15782,31 +15366,31 @@
           <a:lstStyle/>
           <a:p>
             <a:r>
-              <a:rPr lang="en-US" dirty="0" smtClean="0"/>
+              <a:rPr lang="en-US" dirty="0"/>
               <a:t>Used by numerous .NET libraries </a:t>
             </a:r>
           </a:p>
           <a:p>
             <a:pPr lvl="1"/>
             <a:r>
-              <a:rPr lang="en-US" dirty="0" smtClean="0"/>
+              <a:rPr lang="en-US" dirty="0"/>
               <a:t>LINQ for specifying queries in C#</a:t>
             </a:r>
           </a:p>
           <a:p>
             <a:pPr lvl="1"/>
             <a:r>
-              <a:rPr lang="en-US" dirty="0" smtClean="0"/>
+              <a:rPr lang="en-US" dirty="0"/>
               <a:t>Specifying layout of user interface in WPF/Silverlight</a:t>
             </a:r>
           </a:p>
           <a:p>
             <a:pPr lvl="4"/>
-            <a:endParaRPr lang="en-US" dirty="0" smtClean="0"/>
-          </a:p>
-          <a:p>
-            <a:r>
-              <a:rPr lang="en-US" dirty="0" smtClean="0"/>
+            <a:endParaRPr lang="en-US" dirty="0"/>
+          </a:p>
+          <a:p>
+            <a:r>
+              <a:rPr lang="en-US" dirty="0"/>
               <a:t>Can be used for specifying reactive aspects too!</a:t>
             </a:r>
             <a:endParaRPr lang="cs-CZ" dirty="0"/>
@@ -15857,10 +15441,10 @@
                 </a:solidFill>
                 <a:latin typeface="Consolas"/>
               </a:rPr>
-              <a:t>&lt;Button Content</a:t>
-            </a:r>
-            <a:r>
-              <a:rPr lang="cs-CZ" dirty="0" smtClean="0">
+              <a:t>&lt;Button Content="</a:t>
+            </a:r>
+            <a:r>
+              <a:rPr lang="en-US" dirty="0">
                 <a:solidFill>
                   <a:schemeClr val="bg1">
                     <a:lumMod val="50000"/>
@@ -15869,10 +15453,10 @@
                 </a:solidFill>
                 <a:latin typeface="Consolas"/>
               </a:rPr>
-              <a:t>="</a:t>
-            </a:r>
-            <a:r>
-              <a:rPr lang="en-US" dirty="0" smtClean="0">
+              <a:t>Click me!</a:t>
+            </a:r>
+            <a:r>
+              <a:rPr lang="cs-CZ" dirty="0">
                 <a:solidFill>
                   <a:schemeClr val="bg1">
                     <a:lumMod val="50000"/>
@@ -15881,10 +15465,12 @@
                 </a:solidFill>
                 <a:latin typeface="Consolas"/>
               </a:rPr>
-              <a:t>Click me!</a:t>
-            </a:r>
-            <a:r>
-              <a:rPr lang="cs-CZ" dirty="0" smtClean="0">
+              <a:t>"&gt;</a:t>
+            </a:r>
+          </a:p>
+          <a:p>
+            <a:r>
+              <a:rPr lang="en-US" dirty="0">
                 <a:solidFill>
                   <a:schemeClr val="bg1">
                     <a:lumMod val="50000"/>
@@ -15893,21 +15479,10 @@
                 </a:solidFill>
                 <a:latin typeface="Consolas"/>
               </a:rPr>
-              <a:t>"&gt;</a:t>
-            </a:r>
-            <a:endParaRPr lang="cs-CZ" dirty="0">
-              <a:solidFill>
-                <a:schemeClr val="bg1">
-                  <a:lumMod val="50000"/>
-                  <a:lumOff val="50000"/>
-                </a:schemeClr>
-              </a:solidFill>
-              <a:latin typeface="Consolas"/>
-            </a:endParaRPr>
-          </a:p>
-          <a:p>
-            <a:r>
-              <a:rPr lang="en-US" dirty="0" smtClean="0">
+              <a:t>  </a:t>
+            </a:r>
+            <a:r>
+              <a:rPr lang="cs-CZ" dirty="0">
                 <a:solidFill>
                   <a:schemeClr val="bg1">
                     <a:lumMod val="50000"/>
@@ -15916,36 +15491,21 @@
                 </a:solidFill>
                 <a:latin typeface="Consolas"/>
               </a:rPr>
+              <a:t>&lt;i:Interaction.Triggers&gt;</a:t>
+            </a:r>
+          </a:p>
+          <a:p>
+            <a:r>
+              <a:rPr lang="en-US" dirty="0">
+                <a:solidFill>
+                  <a:srgbClr val="808000"/>
+                </a:solidFill>
+                <a:latin typeface="Consolas"/>
+              </a:rPr>
               <a:t>  </a:t>
             </a:r>
             <a:r>
-              <a:rPr lang="cs-CZ" dirty="0" smtClean="0">
-                <a:solidFill>
-                  <a:schemeClr val="bg1">
-                    <a:lumMod val="50000"/>
-                    <a:lumOff val="50000"/>
-                  </a:schemeClr>
-                </a:solidFill>
-                <a:latin typeface="Consolas"/>
-              </a:rPr>
-              <a:t>&lt;</a:t>
-            </a:r>
-            <a:r>
-              <a:rPr lang="cs-CZ" dirty="0">
-                <a:solidFill>
-                  <a:schemeClr val="bg1">
-                    <a:lumMod val="50000"/>
-                    <a:lumOff val="50000"/>
-                  </a:schemeClr>
-                </a:solidFill>
-                <a:latin typeface="Consolas"/>
-              </a:rPr>
-              <a:t>i:Interaction.Triggers&gt;</a:t>
-            </a:r>
-          </a:p>
-          <a:p>
-            <a:r>
-              <a:rPr lang="en-US" dirty="0" smtClean="0">
+              <a:rPr lang="cs-CZ" dirty="0">
                 <a:solidFill>
                   <a:srgbClr val="808000"/>
                 </a:solidFill>
@@ -15954,16 +15514,7 @@
               <a:t>  </a:t>
             </a:r>
             <a:r>
-              <a:rPr lang="cs-CZ" dirty="0" smtClean="0">
-                <a:solidFill>
-                  <a:srgbClr val="808000"/>
-                </a:solidFill>
-                <a:latin typeface="Consolas"/>
-              </a:rPr>
-              <a:t>  </a:t>
-            </a:r>
-            <a:r>
-              <a:rPr lang="cs-CZ" dirty="0" smtClean="0">
+              <a:rPr lang="cs-CZ" dirty="0">
                 <a:solidFill>
                   <a:srgbClr val="0000FF"/>
                 </a:solidFill>
@@ -16031,19 +15582,10 @@
                 </a:solidFill>
                 <a:latin typeface="Consolas"/>
               </a:rPr>
-              <a:t> </a:t>
-            </a:r>
-            <a:r>
-              <a:rPr lang="en-US" dirty="0" smtClean="0">
-                <a:solidFill>
-                  <a:srgbClr val="0000FF"/>
-                </a:solidFill>
-                <a:latin typeface="Consolas"/>
-              </a:rPr>
-              <a:t>     </a:t>
-            </a:r>
-            <a:r>
-              <a:rPr lang="cs-CZ" dirty="0" smtClean="0">
+              <a:t>      </a:t>
+            </a:r>
+            <a:r>
+              <a:rPr lang="cs-CZ" dirty="0">
                 <a:solidFill>
                   <a:srgbClr val="0000FF"/>
                 </a:solidFill>
@@ -16153,7 +15695,7 @@
               <a:t>/&gt;</a:t>
             </a:r>
             <a:r>
-              <a:rPr lang="cs-CZ" dirty="0" smtClean="0">
+              <a:rPr lang="cs-CZ" dirty="0">
                 <a:solidFill>
                   <a:srgbClr val="808000"/>
                 </a:solidFill>
@@ -16162,7 +15704,7 @@
               <a:t>    </a:t>
             </a:r>
             <a:r>
-              <a:rPr lang="en-US" dirty="0" smtClean="0">
+              <a:rPr lang="en-US" dirty="0">
                 <a:solidFill>
                   <a:srgbClr val="808000"/>
                 </a:solidFill>
@@ -16179,19 +15721,10 @@
                 </a:solidFill>
                 <a:latin typeface="Consolas"/>
               </a:rPr>
-              <a:t> </a:t>
-            </a:r>
-            <a:r>
-              <a:rPr lang="en-US" dirty="0" smtClean="0">
-                <a:solidFill>
-                  <a:srgbClr val="808000"/>
-                </a:solidFill>
-                <a:latin typeface="Consolas"/>
-              </a:rPr>
-              <a:t>   </a:t>
-            </a:r>
-            <a:r>
-              <a:rPr lang="cs-CZ" dirty="0" smtClean="0">
+              <a:t>    </a:t>
+            </a:r>
+            <a:r>
+              <a:rPr lang="cs-CZ" dirty="0">
                 <a:solidFill>
                   <a:srgbClr val="0000FF"/>
                 </a:solidFill>
@@ -16253,10 +15786,12 @@
                 </a:solidFill>
                 <a:latin typeface="Consolas"/>
               </a:rPr>
-              <a:t>  </a:t>
-            </a:r>
-            <a:r>
-              <a:rPr lang="cs-CZ" dirty="0" smtClean="0">
+              <a:t>  &lt;/i:Interaction.Triggers&gt;</a:t>
+            </a:r>
+          </a:p>
+          <a:p>
+            <a:r>
+              <a:rPr lang="cs-CZ" dirty="0">
                 <a:solidFill>
                   <a:schemeClr val="bg1">
                     <a:lumMod val="50000"/>
@@ -16265,47 +15800,9 @@
                 </a:solidFill>
                 <a:latin typeface="Consolas"/>
               </a:rPr>
-              <a:t>&lt;/</a:t>
-            </a:r>
-            <a:r>
-              <a:rPr lang="cs-CZ" dirty="0">
-                <a:solidFill>
-                  <a:schemeClr val="bg1">
-                    <a:lumMod val="50000"/>
-                    <a:lumOff val="50000"/>
-                  </a:schemeClr>
-                </a:solidFill>
-                <a:latin typeface="Consolas"/>
-              </a:rPr>
-              <a:t>i:Interaction.Triggers&gt;</a:t>
-            </a:r>
-          </a:p>
-          <a:p>
-            <a:r>
-              <a:rPr lang="cs-CZ" dirty="0">
-                <a:solidFill>
-                  <a:schemeClr val="bg1">
-                    <a:lumMod val="50000"/>
-                    <a:lumOff val="50000"/>
-                  </a:schemeClr>
-                </a:solidFill>
-                <a:latin typeface="Consolas"/>
-              </a:rPr>
-              <a:t>&lt;/Button</a:t>
-            </a:r>
-            <a:r>
-              <a:rPr lang="cs-CZ" dirty="0" smtClean="0">
-                <a:solidFill>
-                  <a:schemeClr val="bg1">
-                    <a:lumMod val="50000"/>
-                    <a:lumOff val="50000"/>
-                  </a:schemeClr>
-                </a:solidFill>
-                <a:latin typeface="Consolas"/>
-              </a:rPr>
-              <a:t>&gt;</a:t>
-            </a:r>
-            <a:endParaRPr lang="cs-CZ" dirty="0" smtClean="0">
+              <a:t>&lt;/Button&gt;</a:t>
+            </a:r>
+            <a:endParaRPr lang="cs-CZ" dirty="0">
               <a:solidFill>
                 <a:schemeClr val="bg1">
                   <a:lumMod val="50000"/>
@@ -16406,7 +15903,7 @@
               </a:spcAft>
             </a:pPr>
             <a:r>
-              <a:rPr lang="en-US" sz="2000" b="1" dirty="0" smtClean="0">
+              <a:rPr lang="en-US" sz="2000" b="1" dirty="0">
                 <a:gradFill>
                   <a:gsLst>
                     <a:gs pos="0">
@@ -16421,7 +15918,7 @@
               </a:rPr>
               <a:t>Triggered when this event occurs</a:t>
             </a:r>
-            <a:endParaRPr lang="cs-CZ" sz="2000" b="1" dirty="0" smtClean="0">
+            <a:endParaRPr lang="cs-CZ" sz="2000" b="1" dirty="0">
               <a:gradFill>
                 <a:gsLst>
                   <a:gs pos="0">
@@ -16527,7 +16024,7 @@
               </a:spcAft>
             </a:pPr>
             <a:r>
-              <a:rPr lang="en-US" sz="2000" b="1" dirty="0" smtClean="0">
+              <a:rPr lang="en-US" sz="2000" b="1" dirty="0">
                 <a:gradFill>
                   <a:gsLst>
                     <a:gs pos="0">
@@ -16542,7 +16039,7 @@
               </a:rPr>
               <a:t>This action calls specified method </a:t>
             </a:r>
-            <a:endParaRPr lang="cs-CZ" sz="2000" b="1" dirty="0" smtClean="0">
+            <a:endParaRPr lang="cs-CZ" sz="2000" b="1" dirty="0">
               <a:gradFill>
                 <a:gsLst>
                   <a:gs pos="0">
@@ -16633,7 +16130,7 @@
                 <a:spcPct val="0"/>
               </a:spcAft>
             </a:pPr>
-            <a:endParaRPr lang="cs-CZ" sz="2400" dirty="0" smtClean="0">
+            <a:endParaRPr lang="cs-CZ" sz="2400" dirty="0">
               <a:gradFill>
                 <a:gsLst>
                   <a:gs pos="0">
@@ -16673,7 +16170,7 @@
           <a:p>
             <a:pPr algn="ctr"/>
             <a:r>
-              <a:rPr lang="en-US" b="1" dirty="0" smtClean="0">
+              <a:rPr lang="en-US" b="1" dirty="0">
                 <a:gradFill>
                   <a:gsLst>
                     <a:gs pos="0">
@@ -16688,7 +16185,7 @@
               </a:rPr>
               <a:t>Declarative</a:t>
             </a:r>
-            <a:endParaRPr lang="cs-CZ" b="1" dirty="0" err="1" smtClean="0">
+            <a:endParaRPr lang="cs-CZ" b="1" dirty="0" err="1">
               <a:gradFill>
                 <a:gsLst>
                   <a:gs pos="0">
@@ -17092,7 +16589,7 @@
           <a:lstStyle/>
           <a:p>
             <a:r>
-              <a:rPr lang="en-US" dirty="0" smtClean="0"/>
+              <a:rPr lang="en-US" dirty="0"/>
               <a:t>Everybody loves declarative style!  (2.)</a:t>
             </a:r>
             <a:endParaRPr lang="cs-CZ" dirty="0"/>
@@ -17120,36 +16617,36 @@
           <a:lstStyle/>
           <a:p>
             <a:r>
-              <a:rPr lang="en-US" dirty="0" smtClean="0"/>
+              <a:rPr lang="en-US" dirty="0"/>
               <a:t>Specifying more complex behaviors</a:t>
             </a:r>
           </a:p>
           <a:p>
             <a:pPr lvl="1"/>
             <a:r>
-              <a:rPr lang="en-US" dirty="0" smtClean="0"/>
+              <a:rPr lang="en-US" dirty="0"/>
               <a:t>We can write new Triggers and Actions…</a:t>
             </a:r>
           </a:p>
           <a:p>
             <a:pPr lvl="1"/>
             <a:r>
-              <a:rPr lang="en-US" dirty="0" smtClean="0"/>
+              <a:rPr lang="en-US" dirty="0"/>
               <a:t>For example </a:t>
             </a:r>
             <a:r>
-              <a:rPr lang="en-US" i="1" dirty="0" smtClean="0"/>
+              <a:rPr lang="en-US" i="1" dirty="0"/>
               <a:t>Silverlight Experimental Hacks </a:t>
             </a:r>
             <a:r>
-              <a:rPr lang="en-US" dirty="0" smtClean="0"/>
+              <a:rPr lang="en-US" dirty="0"/>
               <a:t>Library</a:t>
             </a:r>
           </a:p>
           <a:p>
             <a:pPr lvl="2"/>
             <a:r>
-              <a:rPr lang="en-US" dirty="0" smtClean="0"/>
+              <a:rPr lang="en-US" dirty="0"/>
               <a:t>We can specify conditions for triggers</a:t>
             </a:r>
           </a:p>
@@ -17199,10 +16696,10 @@
                 </a:solidFill>
                 <a:latin typeface="Consolas"/>
               </a:rPr>
-              <a:t>&lt;Button Content</a:t>
-            </a:r>
-            <a:r>
-              <a:rPr lang="cs-CZ" dirty="0" smtClean="0">
+              <a:t>&lt;Button Content="</a:t>
+            </a:r>
+            <a:r>
+              <a:rPr lang="en-US" dirty="0">
                 <a:solidFill>
                   <a:schemeClr val="bg1">
                     <a:lumMod val="50000"/>
@@ -17211,10 +16708,10 @@
                 </a:solidFill>
                 <a:latin typeface="Consolas"/>
               </a:rPr>
-              <a:t>="</a:t>
-            </a:r>
-            <a:r>
-              <a:rPr lang="en-US" dirty="0" smtClean="0">
+              <a:t>Click me!</a:t>
+            </a:r>
+            <a:r>
+              <a:rPr lang="cs-CZ" dirty="0">
                 <a:solidFill>
                   <a:schemeClr val="bg1">
                     <a:lumMod val="50000"/>
@@ -17223,36 +16720,12 @@
                 </a:solidFill>
                 <a:latin typeface="Consolas"/>
               </a:rPr>
-              <a:t>Click me!</a:t>
-            </a:r>
-            <a:r>
-              <a:rPr lang="cs-CZ" dirty="0" smtClean="0">
-                <a:solidFill>
-                  <a:schemeClr val="bg1">
-                    <a:lumMod val="50000"/>
-                    <a:lumOff val="50000"/>
-                  </a:schemeClr>
-                </a:solidFill>
-                <a:latin typeface="Consolas"/>
-              </a:rPr>
-              <a:t>"&gt;&lt;</a:t>
-            </a:r>
-            <a:r>
-              <a:rPr lang="cs-CZ" dirty="0">
-                <a:solidFill>
-                  <a:schemeClr val="bg1">
-                    <a:lumMod val="50000"/>
-                    <a:lumOff val="50000"/>
-                  </a:schemeClr>
-                </a:solidFill>
-                <a:latin typeface="Consolas"/>
-              </a:rPr>
-              <a:t>i:Interaction.Triggers&gt;</a:t>
-            </a:r>
-          </a:p>
-          <a:p>
-            <a:r>
-              <a:rPr lang="en-US" dirty="0" smtClean="0">
+              <a:t>"&gt;&lt;i:Interaction.Triggers&gt;</a:t>
+            </a:r>
+          </a:p>
+          <a:p>
+            <a:r>
+              <a:rPr lang="en-US" dirty="0">
                 <a:solidFill>
                   <a:srgbClr val="0000FF"/>
                 </a:solidFill>
@@ -17261,7 +16734,7 @@
               <a:t>  </a:t>
             </a:r>
             <a:r>
-              <a:rPr lang="cs-CZ" dirty="0" smtClean="0">
+              <a:rPr lang="cs-CZ" dirty="0">
                 <a:solidFill>
                   <a:srgbClr val="0000FF"/>
                 </a:solidFill>
@@ -17270,7 +16743,7 @@
               <a:t>&lt;</a:t>
             </a:r>
             <a:r>
-              <a:rPr lang="en-US" dirty="0" smtClean="0">
+              <a:rPr lang="en-US" dirty="0">
                 <a:solidFill>
                   <a:srgbClr val="A31515"/>
                 </a:solidFill>
@@ -17279,7 +16752,7 @@
               <a:t>ex</a:t>
             </a:r>
             <a:r>
-              <a:rPr lang="cs-CZ" dirty="0" smtClean="0">
+              <a:rPr lang="cs-CZ" dirty="0">
                 <a:solidFill>
                   <a:srgbClr val="0000FF"/>
                 </a:solidFill>
@@ -17288,7 +16761,7 @@
               <a:t>:</a:t>
             </a:r>
             <a:r>
-              <a:rPr lang="cs-CZ" dirty="0" smtClean="0">
+              <a:rPr lang="cs-CZ" dirty="0">
                 <a:solidFill>
                   <a:srgbClr val="A31515"/>
                 </a:solidFill>
@@ -17297,22 +16770,13 @@
               <a:t>EventTrigger</a:t>
             </a:r>
             <a:r>
-              <a:rPr lang="cs-CZ" dirty="0" smtClean="0">
+              <a:rPr lang="cs-CZ" dirty="0">
                 <a:solidFill>
                   <a:srgbClr val="FF0000"/>
                 </a:solidFill>
                 <a:latin typeface="Consolas"/>
               </a:rPr>
-              <a:t> </a:t>
-            </a:r>
-            <a:r>
-              <a:rPr lang="cs-CZ" dirty="0">
-                <a:solidFill>
-                  <a:srgbClr val="FF0000"/>
-                </a:solidFill>
-                <a:latin typeface="Consolas"/>
-              </a:rPr>
-              <a:t>EventName</a:t>
+              <a:t> EventName</a:t>
             </a:r>
             <a:r>
               <a:rPr lang="cs-CZ" dirty="0">
@@ -17321,18 +16785,9 @@
                 </a:solidFill>
                 <a:latin typeface="Consolas"/>
               </a:rPr>
-              <a:t>="Click</a:t>
-            </a:r>
-            <a:r>
-              <a:rPr lang="cs-CZ" dirty="0" smtClean="0">
-                <a:solidFill>
-                  <a:srgbClr val="0000FF"/>
-                </a:solidFill>
-                <a:latin typeface="Consolas"/>
-              </a:rPr>
-              <a:t>"&gt;</a:t>
-            </a:r>
-            <a:endParaRPr lang="en-US" dirty="0" smtClean="0">
+              <a:t>="Click"&gt;</a:t>
+            </a:r>
+            <a:endParaRPr lang="en-US" dirty="0">
               <a:solidFill>
                 <a:srgbClr val="0000FF"/>
               </a:solidFill>
@@ -17341,7 +16796,7 @@
           </a:p>
           <a:p>
             <a:r>
-              <a:rPr lang="en-US" dirty="0" smtClean="0">
+              <a:rPr lang="en-US" dirty="0">
                 <a:solidFill>
                   <a:schemeClr val="bg1">
                     <a:lumMod val="50000"/>
@@ -17353,7 +16808,7 @@
               <a:t>    </a:t>
             </a:r>
             <a:r>
-              <a:rPr lang="cs-CZ" dirty="0" smtClean="0">
+              <a:rPr lang="cs-CZ" dirty="0">
                 <a:solidFill>
                   <a:schemeClr val="bg1">
                     <a:lumMod val="50000"/>
@@ -17377,7 +16832,7 @@
               <a:t>ex</a:t>
             </a:r>
             <a:r>
-              <a:rPr lang="cs-CZ" dirty="0" smtClean="0">
+              <a:rPr lang="cs-CZ" dirty="0">
                 <a:solidFill>
                   <a:schemeClr val="bg1">
                     <a:lumMod val="50000"/>
@@ -17389,7 +16844,7 @@
               <a:t>:EventTrigger</a:t>
             </a:r>
             <a:r>
-              <a:rPr lang="en-US" dirty="0" smtClean="0">
+              <a:rPr lang="en-US" dirty="0">
                 <a:solidFill>
                   <a:schemeClr val="bg1">
                     <a:lumMod val="50000"/>
@@ -17401,7 +16856,7 @@
               <a:t>.Conditions</a:t>
             </a:r>
             <a:r>
-              <a:rPr lang="cs-CZ" dirty="0" smtClean="0">
+              <a:rPr lang="cs-CZ" dirty="0">
                 <a:solidFill>
                   <a:schemeClr val="bg1">
                     <a:lumMod val="50000"/>
@@ -17425,7 +16880,7 @@
               <a:t>ex</a:t>
             </a:r>
             <a:r>
-              <a:rPr lang="cs-CZ" dirty="0" smtClean="0">
+              <a:rPr lang="cs-CZ" dirty="0">
                 <a:solidFill>
                   <a:schemeClr val="bg1">
                     <a:lumMod val="50000"/>
@@ -17437,7 +16892,7 @@
               <a:t>:</a:t>
             </a:r>
             <a:r>
-              <a:rPr lang="en-US" dirty="0" err="1" smtClean="0">
+              <a:rPr lang="en-US" dirty="0" err="1">
                 <a:solidFill>
                   <a:schemeClr val="bg1">
                     <a:lumMod val="50000"/>
@@ -17472,7 +16927,7 @@
           </a:p>
           <a:p>
             <a:r>
-              <a:rPr lang="en-US" dirty="0" smtClean="0">
+              <a:rPr lang="en-US" dirty="0">
                 <a:solidFill>
                   <a:srgbClr val="0000FF"/>
                 </a:solidFill>
@@ -17481,7 +16936,7 @@
               <a:t>      </a:t>
             </a:r>
             <a:r>
-              <a:rPr lang="cs-CZ" dirty="0" smtClean="0">
+              <a:rPr lang="cs-CZ" dirty="0">
                 <a:solidFill>
                   <a:srgbClr val="0000FF"/>
                 </a:solidFill>
@@ -17490,7 +16945,7 @@
               <a:t>&lt;</a:t>
             </a:r>
             <a:r>
-              <a:rPr lang="cs-CZ" dirty="0" smtClean="0">
+              <a:rPr lang="cs-CZ" dirty="0">
                 <a:solidFill>
                   <a:srgbClr val="A31515"/>
                 </a:solidFill>
@@ -17499,7 +16954,7 @@
               <a:t>e</a:t>
             </a:r>
             <a:r>
-              <a:rPr lang="en-US" dirty="0" smtClean="0">
+              <a:rPr lang="en-US" dirty="0">
                 <a:solidFill>
                   <a:srgbClr val="A31515"/>
                 </a:solidFill>
@@ -17508,7 +16963,7 @@
               <a:t>x</a:t>
             </a:r>
             <a:r>
-              <a:rPr lang="cs-CZ" dirty="0" smtClean="0">
+              <a:rPr lang="cs-CZ" dirty="0">
                 <a:solidFill>
                   <a:srgbClr val="0000FF"/>
                 </a:solidFill>
@@ -17517,7 +16972,7 @@
               <a:t>:</a:t>
             </a:r>
             <a:r>
-              <a:rPr lang="en-US" dirty="0" err="1" smtClean="0">
+              <a:rPr lang="en-US" dirty="0" err="1">
                 <a:solidFill>
                   <a:srgbClr val="A31515"/>
                 </a:solidFill>
@@ -17526,7 +16981,7 @@
               <a:t>InvokingCondition</a:t>
             </a:r>
             <a:r>
-              <a:rPr lang="cs-CZ" dirty="0" smtClean="0">
+              <a:rPr lang="cs-CZ" dirty="0">
                 <a:solidFill>
                   <a:srgbClr val="FF0000"/>
                 </a:solidFill>
@@ -17535,7 +16990,7 @@
               <a:t> </a:t>
             </a:r>
             <a:r>
-              <a:rPr lang="en-US" dirty="0" err="1" smtClean="0">
+              <a:rPr lang="en-US" dirty="0" err="1">
                 <a:solidFill>
                   <a:srgbClr val="FF0000"/>
                 </a:solidFill>
@@ -17544,7 +16999,7 @@
               <a:t>ElementName</a:t>
             </a:r>
             <a:r>
-              <a:rPr lang="cs-CZ" dirty="0" smtClean="0">
+              <a:rPr lang="cs-CZ" dirty="0">
                 <a:solidFill>
                   <a:srgbClr val="0000FF"/>
                 </a:solidFill>
@@ -17553,7 +17008,7 @@
               <a:t>="</a:t>
             </a:r>
             <a:r>
-              <a:rPr lang="en-US" dirty="0" err="1" smtClean="0">
+              <a:rPr lang="en-US" dirty="0" err="1">
                 <a:solidFill>
                   <a:srgbClr val="0000FF"/>
                 </a:solidFill>
@@ -17570,7 +17025,81 @@
               </a:rPr>
               <a:t>"</a:t>
             </a:r>
-            <a:endParaRPr lang="en-US" dirty="0" smtClean="0">
+          </a:p>
+          <a:p>
+            <a:r>
+              <a:rPr lang="en-US" dirty="0">
+                <a:solidFill>
+                  <a:srgbClr val="FF0000"/>
+                </a:solidFill>
+                <a:latin typeface="Consolas"/>
+              </a:rPr>
+              <a:t>         Property</a:t>
+            </a:r>
+            <a:r>
+              <a:rPr lang="cs-CZ" dirty="0">
+                <a:solidFill>
+                  <a:srgbClr val="0000FF"/>
+                </a:solidFill>
+                <a:latin typeface="Consolas"/>
+              </a:rPr>
+              <a:t>="</a:t>
+            </a:r>
+            <a:r>
+              <a:rPr lang="en-US" dirty="0">
+                <a:solidFill>
+                  <a:srgbClr val="0000FF"/>
+                </a:solidFill>
+                <a:latin typeface="Consolas"/>
+              </a:rPr>
+              <a:t>Enabled</a:t>
+            </a:r>
+            <a:r>
+              <a:rPr lang="cs-CZ" dirty="0">
+                <a:solidFill>
+                  <a:srgbClr val="0000FF"/>
+                </a:solidFill>
+                <a:latin typeface="Consolas"/>
+              </a:rPr>
+              <a:t>" </a:t>
+            </a:r>
+            <a:r>
+              <a:rPr lang="en-US" dirty="0">
+                <a:solidFill>
+                  <a:srgbClr val="FF0000"/>
+                </a:solidFill>
+                <a:latin typeface="Consolas"/>
+              </a:rPr>
+              <a:t>Value</a:t>
+            </a:r>
+            <a:r>
+              <a:rPr lang="cs-CZ" dirty="0">
+                <a:solidFill>
+                  <a:srgbClr val="0000FF"/>
+                </a:solidFill>
+                <a:latin typeface="Consolas"/>
+              </a:rPr>
+              <a:t>="</a:t>
+            </a:r>
+            <a:r>
+              <a:rPr lang="en-US" dirty="0">
+                <a:solidFill>
+                  <a:srgbClr val="0000FF"/>
+                </a:solidFill>
+                <a:latin typeface="Consolas"/>
+              </a:rPr>
+              <a:t>True</a:t>
+            </a:r>
+            <a:r>
+              <a:rPr lang="cs-CZ" dirty="0">
+                <a:solidFill>
+                  <a:srgbClr val="0000FF"/>
+                </a:solidFill>
+                <a:latin typeface="Consolas"/>
+              </a:rPr>
+              <a:t>" /&gt;</a:t>
+            </a:r>
+            <a:endParaRPr lang="en-US" dirty="0">
               <a:solidFill>
                 <a:srgbClr val="0000FF"/>
               </a:solidFill>
@@ -17579,87 +17108,7 @@
           </a:p>
           <a:p>
             <a:r>
-              <a:rPr lang="en-US" dirty="0" smtClean="0">
-                <a:solidFill>
-                  <a:srgbClr val="FF0000"/>
-                </a:solidFill>
-                <a:latin typeface="Consolas"/>
-              </a:rPr>
-              <a:t>         Property</a:t>
-            </a:r>
-            <a:r>
-              <a:rPr lang="cs-CZ" dirty="0" smtClean="0">
-                <a:solidFill>
-                  <a:srgbClr val="0000FF"/>
-                </a:solidFill>
-                <a:latin typeface="Consolas"/>
-              </a:rPr>
-              <a:t>="</a:t>
-            </a:r>
-            <a:r>
-              <a:rPr lang="en-US" dirty="0" smtClean="0">
-                <a:solidFill>
-                  <a:srgbClr val="0000FF"/>
-                </a:solidFill>
-                <a:latin typeface="Consolas"/>
-              </a:rPr>
-              <a:t>Enabled</a:t>
-            </a:r>
-            <a:r>
-              <a:rPr lang="cs-CZ" dirty="0">
-                <a:solidFill>
-                  <a:srgbClr val="0000FF"/>
-                </a:solidFill>
-                <a:latin typeface="Consolas"/>
-              </a:rPr>
-              <a:t>" </a:t>
-            </a:r>
-            <a:r>
-              <a:rPr lang="en-US" dirty="0" smtClean="0">
-                <a:solidFill>
-                  <a:srgbClr val="FF0000"/>
-                </a:solidFill>
-                <a:latin typeface="Consolas"/>
-              </a:rPr>
-              <a:t>Value</a:t>
-            </a:r>
-            <a:r>
-              <a:rPr lang="cs-CZ" dirty="0" smtClean="0">
-                <a:solidFill>
-                  <a:srgbClr val="0000FF"/>
-                </a:solidFill>
-                <a:latin typeface="Consolas"/>
-              </a:rPr>
-              <a:t>="</a:t>
-            </a:r>
-            <a:r>
-              <a:rPr lang="en-US" dirty="0" smtClean="0">
-                <a:solidFill>
-                  <a:srgbClr val="0000FF"/>
-                </a:solidFill>
-                <a:latin typeface="Consolas"/>
-              </a:rPr>
-              <a:t>True</a:t>
-            </a:r>
-            <a:r>
-              <a:rPr lang="cs-CZ" dirty="0" smtClean="0">
-                <a:solidFill>
-                  <a:srgbClr val="0000FF"/>
-                </a:solidFill>
-                <a:latin typeface="Consolas"/>
-              </a:rPr>
-              <a:t>" /&gt;</a:t>
-            </a:r>
-            <a:endParaRPr lang="en-US" dirty="0" smtClean="0">
-              <a:solidFill>
-                <a:srgbClr val="0000FF"/>
-              </a:solidFill>
-              <a:latin typeface="Consolas"/>
-            </a:endParaRPr>
-          </a:p>
-          <a:p>
-            <a:r>
-              <a:rPr lang="en-US" dirty="0" smtClean="0">
+              <a:rPr lang="en-US" dirty="0">
                 <a:solidFill>
                   <a:schemeClr val="bg1">
                     <a:lumMod val="50000"/>
@@ -17671,7 +17120,7 @@
               <a:t>    </a:t>
             </a:r>
             <a:r>
-              <a:rPr lang="cs-CZ" dirty="0" smtClean="0">
+              <a:rPr lang="cs-CZ" dirty="0">
                 <a:solidFill>
                   <a:schemeClr val="bg1">
                     <a:lumMod val="50000"/>
@@ -17695,7 +17144,7 @@
               <a:t>/ex</a:t>
             </a:r>
             <a:r>
-              <a:rPr lang="cs-CZ" dirty="0" smtClean="0">
+              <a:rPr lang="cs-CZ" dirty="0">
                 <a:solidFill>
                   <a:schemeClr val="bg1">
                     <a:lumMod val="50000"/>
@@ -17707,7 +17156,7 @@
               <a:t>:</a:t>
             </a:r>
             <a:r>
-              <a:rPr lang="en-US" dirty="0" err="1" smtClean="0">
+              <a:rPr lang="en-US" dirty="0" err="1">
                 <a:solidFill>
                   <a:schemeClr val="bg1">
                     <a:lumMod val="50000"/>
@@ -17719,7 +17168,7 @@
               <a:t>InvokingConditions</a:t>
             </a:r>
             <a:r>
-              <a:rPr lang="cs-CZ" dirty="0" smtClean="0">
+              <a:rPr lang="cs-CZ" dirty="0">
                 <a:solidFill>
                   <a:schemeClr val="bg1">
                     <a:lumMod val="50000"/>
@@ -17731,7 +17180,7 @@
               <a:t>&gt;&lt;</a:t>
             </a:r>
             <a:r>
-              <a:rPr lang="en-US" dirty="0" smtClean="0">
+              <a:rPr lang="en-US" dirty="0">
                 <a:solidFill>
                   <a:schemeClr val="bg1">
                     <a:lumMod val="50000"/>
@@ -17767,7 +17216,7 @@
               <a:t>.Conditions</a:t>
             </a:r>
             <a:r>
-              <a:rPr lang="cs-CZ" dirty="0" smtClean="0">
+              <a:rPr lang="cs-CZ" dirty="0">
                 <a:solidFill>
                   <a:schemeClr val="bg1">
                     <a:lumMod val="50000"/>
@@ -17778,7 +17227,7 @@
               </a:rPr>
               <a:t>&gt;</a:t>
             </a:r>
-            <a:endParaRPr lang="en-US" dirty="0" smtClean="0">
+            <a:endParaRPr lang="en-US" dirty="0">
               <a:solidFill>
                 <a:schemeClr val="bg1">
                   <a:lumMod val="50000"/>
@@ -17796,73 +17245,118 @@
                 </a:solidFill>
                 <a:latin typeface="Consolas"/>
               </a:rPr>
+              <a:t>    </a:t>
+            </a:r>
+            <a:r>
+              <a:rPr lang="cs-CZ" dirty="0">
+                <a:solidFill>
+                  <a:srgbClr val="0000FF"/>
+                </a:solidFill>
+                <a:latin typeface="Consolas"/>
+              </a:rPr>
+              <a:t>&lt;</a:t>
+            </a:r>
+            <a:r>
+              <a:rPr lang="cs-CZ" dirty="0">
+                <a:solidFill>
+                  <a:srgbClr val="A31515"/>
+                </a:solidFill>
+                <a:latin typeface="Consolas"/>
+              </a:rPr>
+              <a:t>e</a:t>
+            </a:r>
+            <a:r>
+              <a:rPr lang="en-US" dirty="0">
+                <a:solidFill>
+                  <a:srgbClr val="A31515"/>
+                </a:solidFill>
+                <a:latin typeface="Consolas"/>
+              </a:rPr>
+              <a:t>x</a:t>
+            </a:r>
+            <a:r>
+              <a:rPr lang="cs-CZ" dirty="0">
+                <a:solidFill>
+                  <a:srgbClr val="0000FF"/>
+                </a:solidFill>
+                <a:latin typeface="Consolas"/>
+              </a:rPr>
+              <a:t>:</a:t>
+            </a:r>
+            <a:r>
+              <a:rPr lang="en-US" dirty="0">
+                <a:solidFill>
+                  <a:srgbClr val="A31515"/>
+                </a:solidFill>
+                <a:latin typeface="Consolas"/>
+              </a:rPr>
+              <a:t>Property</a:t>
+            </a:r>
+            <a:r>
+              <a:rPr lang="cs-CZ" dirty="0">
+                <a:solidFill>
+                  <a:srgbClr val="A31515"/>
+                </a:solidFill>
+                <a:latin typeface="Consolas"/>
+              </a:rPr>
+              <a:t>Action</a:t>
+            </a:r>
+            <a:r>
+              <a:rPr lang="cs-CZ" dirty="0">
+                <a:solidFill>
+                  <a:srgbClr val="FF0000"/>
+                </a:solidFill>
+                <a:latin typeface="Consolas"/>
+              </a:rPr>
               <a:t> </a:t>
             </a:r>
             <a:r>
-              <a:rPr lang="en-US" dirty="0" smtClean="0">
+              <a:rPr lang="en-US" dirty="0">
+                <a:solidFill>
+                  <a:srgbClr val="FF0000"/>
+                </a:solidFill>
+                <a:latin typeface="Consolas"/>
+              </a:rPr>
+              <a:t>Property</a:t>
+            </a:r>
+            <a:r>
+              <a:rPr lang="cs-CZ" dirty="0">
+                <a:solidFill>
+                  <a:srgbClr val="FF0000"/>
+                </a:solidFill>
+                <a:latin typeface="Consolas"/>
+              </a:rPr>
+              <a:t>Name</a:t>
+            </a:r>
+            <a:r>
+              <a:rPr lang="cs-CZ" dirty="0">
                 <a:solidFill>
                   <a:srgbClr val="0000FF"/>
                 </a:solidFill>
                 <a:latin typeface="Consolas"/>
               </a:rPr>
-              <a:t>   </a:t>
-            </a:r>
-            <a:r>
-              <a:rPr lang="cs-CZ" dirty="0" smtClean="0">
+              <a:t>="</a:t>
+            </a:r>
+            <a:r>
+              <a:rPr lang="en-US" dirty="0">
                 <a:solidFill>
                   <a:srgbClr val="0000FF"/>
                 </a:solidFill>
                 <a:latin typeface="Consolas"/>
               </a:rPr>
-              <a:t>&lt;</a:t>
-            </a:r>
-            <a:r>
-              <a:rPr lang="cs-CZ" dirty="0" smtClean="0">
-                <a:solidFill>
-                  <a:srgbClr val="A31515"/>
-                </a:solidFill>
-                <a:latin typeface="Consolas"/>
-              </a:rPr>
-              <a:t>e</a:t>
-            </a:r>
-            <a:r>
-              <a:rPr lang="en-US" dirty="0" smtClean="0">
-                <a:solidFill>
-                  <a:srgbClr val="A31515"/>
-                </a:solidFill>
-                <a:latin typeface="Consolas"/>
-              </a:rPr>
-              <a:t>x</a:t>
-            </a:r>
-            <a:r>
-              <a:rPr lang="cs-CZ" dirty="0" smtClean="0">
+              <a:t>Visible</a:t>
+            </a:r>
+            <a:r>
+              <a:rPr lang="cs-CZ" dirty="0">
                 <a:solidFill>
                   <a:srgbClr val="0000FF"/>
                 </a:solidFill>
                 <a:latin typeface="Consolas"/>
               </a:rPr>
-              <a:t>:</a:t>
-            </a:r>
-            <a:r>
-              <a:rPr lang="en-US" dirty="0" smtClean="0">
-                <a:solidFill>
-                  <a:srgbClr val="A31515"/>
-                </a:solidFill>
-                <a:latin typeface="Consolas"/>
-              </a:rPr>
-              <a:t>Property</a:t>
-            </a:r>
-            <a:r>
-              <a:rPr lang="cs-CZ" dirty="0" smtClean="0">
-                <a:solidFill>
-                  <a:srgbClr val="A31515"/>
-                </a:solidFill>
-                <a:latin typeface="Consolas"/>
-              </a:rPr>
-              <a:t>Action</a:t>
-            </a:r>
-            <a:r>
-              <a:rPr lang="cs-CZ" dirty="0" smtClean="0">
+              <a:t>"</a:t>
+            </a:r>
+            <a:r>
+              <a:rPr lang="cs-CZ" dirty="0">
                 <a:solidFill>
                   <a:srgbClr val="FF0000"/>
                 </a:solidFill>
@@ -17871,174 +17365,58 @@
               <a:t> </a:t>
             </a:r>
             <a:r>
-              <a:rPr lang="en-US" dirty="0" smtClean="0">
+              <a:rPr lang="en-US" dirty="0">
                 <a:solidFill>
                   <a:srgbClr val="FF0000"/>
                 </a:solidFill>
                 <a:latin typeface="Consolas"/>
               </a:rPr>
-              <a:t>Property</a:t>
-            </a:r>
-            <a:r>
-              <a:rPr lang="cs-CZ" dirty="0" smtClean="0">
+              <a:t>Value</a:t>
+            </a:r>
+            <a:r>
+              <a:rPr lang="cs-CZ" dirty="0">
+                <a:solidFill>
+                  <a:srgbClr val="0000FF"/>
+                </a:solidFill>
+                <a:latin typeface="Consolas"/>
+              </a:rPr>
+              <a:t>="</a:t>
+            </a:r>
+            <a:r>
+              <a:rPr lang="en-US" dirty="0">
+                <a:solidFill>
+                  <a:srgbClr val="0000FF"/>
+                </a:solidFill>
+                <a:latin typeface="Consolas"/>
+              </a:rPr>
+              <a:t>True</a:t>
+            </a:r>
+            <a:r>
+              <a:rPr lang="cs-CZ" dirty="0">
+                <a:solidFill>
+                  <a:srgbClr val="0000FF"/>
+                </a:solidFill>
+                <a:latin typeface="Consolas"/>
+              </a:rPr>
+              <a:t>"</a:t>
+            </a:r>
+            <a:r>
+              <a:rPr lang="en-US" dirty="0">
                 <a:solidFill>
                   <a:srgbClr val="FF0000"/>
                 </a:solidFill>
                 <a:latin typeface="Consolas"/>
               </a:rPr>
-              <a:t>Name</a:t>
-            </a:r>
-            <a:r>
-              <a:rPr lang="cs-CZ" dirty="0" smtClean="0">
+              <a:t> </a:t>
+            </a:r>
+            <a:r>
+              <a:rPr lang="cs-CZ" dirty="0">
                 <a:solidFill>
                   <a:srgbClr val="0000FF"/>
                 </a:solidFill>
                 <a:latin typeface="Consolas"/>
               </a:rPr>
-              <a:t>="</a:t>
-            </a:r>
-            <a:r>
-              <a:rPr lang="en-US" dirty="0" smtClean="0">
-                <a:solidFill>
-                  <a:srgbClr val="0000FF"/>
-                </a:solidFill>
-                <a:latin typeface="Consolas"/>
-              </a:rPr>
-              <a:t>Visible</a:t>
-            </a:r>
-            <a:r>
-              <a:rPr lang="cs-CZ" dirty="0" smtClean="0">
-                <a:solidFill>
-                  <a:srgbClr val="0000FF"/>
-                </a:solidFill>
-                <a:latin typeface="Consolas"/>
-              </a:rPr>
-              <a:t>"</a:t>
-            </a:r>
-            <a:r>
-              <a:rPr lang="cs-CZ" dirty="0" smtClean="0">
-                <a:solidFill>
-                  <a:srgbClr val="FF0000"/>
-                </a:solidFill>
-                <a:latin typeface="Consolas"/>
-              </a:rPr>
-              <a:t> </a:t>
-            </a:r>
-            <a:r>
-              <a:rPr lang="en-US" dirty="0">
-                <a:solidFill>
-                  <a:srgbClr val="FF0000"/>
-                </a:solidFill>
-                <a:latin typeface="Consolas"/>
-              </a:rPr>
-              <a:t>Value</a:t>
-            </a:r>
-            <a:r>
-              <a:rPr lang="cs-CZ" dirty="0">
-                <a:solidFill>
-                  <a:srgbClr val="0000FF"/>
-                </a:solidFill>
-                <a:latin typeface="Consolas"/>
-              </a:rPr>
-              <a:t>="</a:t>
-            </a:r>
-            <a:r>
-              <a:rPr lang="en-US" dirty="0">
-                <a:solidFill>
-                  <a:srgbClr val="0000FF"/>
-                </a:solidFill>
-                <a:latin typeface="Consolas"/>
-              </a:rPr>
-              <a:t>True</a:t>
-            </a:r>
-            <a:r>
-              <a:rPr lang="cs-CZ" dirty="0">
-                <a:solidFill>
-                  <a:srgbClr val="0000FF"/>
-                </a:solidFill>
-                <a:latin typeface="Consolas"/>
-              </a:rPr>
-              <a:t>"</a:t>
-            </a:r>
-            <a:r>
-              <a:rPr lang="en-US" dirty="0" smtClean="0">
-                <a:solidFill>
-                  <a:srgbClr val="FF0000"/>
-                </a:solidFill>
-                <a:latin typeface="Consolas"/>
-              </a:rPr>
-              <a:t> </a:t>
-            </a:r>
-            <a:r>
-              <a:rPr lang="cs-CZ" dirty="0" smtClean="0">
-                <a:solidFill>
-                  <a:srgbClr val="0000FF"/>
-                </a:solidFill>
-                <a:latin typeface="Consolas"/>
-              </a:rPr>
               <a:t>/&gt;</a:t>
-            </a:r>
-            <a:endParaRPr lang="cs-CZ" dirty="0" smtClean="0">
-              <a:solidFill>
-                <a:prstClr val="black"/>
-              </a:solidFill>
-              <a:latin typeface="Consolas"/>
-            </a:endParaRPr>
-          </a:p>
-          <a:p>
-            <a:r>
-              <a:rPr lang="cs-CZ" dirty="0" smtClean="0">
-                <a:solidFill>
-                  <a:srgbClr val="808000"/>
-                </a:solidFill>
-                <a:latin typeface="Consolas"/>
-              </a:rPr>
-              <a:t>  </a:t>
-            </a:r>
-            <a:r>
-              <a:rPr lang="cs-CZ" dirty="0" smtClean="0">
-                <a:solidFill>
-                  <a:srgbClr val="0000FF"/>
-                </a:solidFill>
-                <a:latin typeface="Consolas"/>
-              </a:rPr>
-              <a:t>&lt;/</a:t>
-            </a:r>
-            <a:r>
-              <a:rPr lang="en-US" dirty="0" smtClean="0">
-                <a:solidFill>
-                  <a:srgbClr val="A31515"/>
-                </a:solidFill>
-                <a:latin typeface="Consolas"/>
-              </a:rPr>
-              <a:t>ex</a:t>
-            </a:r>
-            <a:r>
-              <a:rPr lang="cs-CZ" dirty="0" smtClean="0">
-                <a:solidFill>
-                  <a:srgbClr val="0000FF"/>
-                </a:solidFill>
-                <a:latin typeface="Consolas"/>
-              </a:rPr>
-              <a:t>:</a:t>
-            </a:r>
-            <a:r>
-              <a:rPr lang="cs-CZ" dirty="0" smtClean="0">
-                <a:solidFill>
-                  <a:srgbClr val="A31515"/>
-                </a:solidFill>
-                <a:latin typeface="Consolas"/>
-              </a:rPr>
-              <a:t>EventTrigger</a:t>
-            </a:r>
-            <a:r>
-              <a:rPr lang="cs-CZ" dirty="0">
-                <a:solidFill>
-                  <a:srgbClr val="0000FF"/>
-                </a:solidFill>
-                <a:latin typeface="Consolas"/>
-              </a:rPr>
-              <a:t>&gt;</a:t>
             </a:r>
             <a:endParaRPr lang="cs-CZ" dirty="0">
               <a:solidFill>
@@ -18049,7 +17427,69 @@
           </a:p>
           <a:p>
             <a:r>
-              <a:rPr lang="cs-CZ" dirty="0" smtClean="0">
+              <a:rPr lang="cs-CZ" dirty="0">
+                <a:solidFill>
+                  <a:srgbClr val="808000"/>
+                </a:solidFill>
+                <a:latin typeface="Consolas"/>
+              </a:rPr>
+              <a:t>  </a:t>
+            </a:r>
+            <a:r>
+              <a:rPr lang="cs-CZ" dirty="0">
+                <a:solidFill>
+                  <a:srgbClr val="0000FF"/>
+                </a:solidFill>
+                <a:latin typeface="Consolas"/>
+              </a:rPr>
+              <a:t>&lt;/</a:t>
+            </a:r>
+            <a:r>
+              <a:rPr lang="en-US" dirty="0">
+                <a:solidFill>
+                  <a:srgbClr val="A31515"/>
+                </a:solidFill>
+                <a:latin typeface="Consolas"/>
+              </a:rPr>
+              <a:t>ex</a:t>
+            </a:r>
+            <a:r>
+              <a:rPr lang="cs-CZ" dirty="0">
+                <a:solidFill>
+                  <a:srgbClr val="0000FF"/>
+                </a:solidFill>
+                <a:latin typeface="Consolas"/>
+              </a:rPr>
+              <a:t>:</a:t>
+            </a:r>
+            <a:r>
+              <a:rPr lang="cs-CZ" dirty="0">
+                <a:solidFill>
+                  <a:srgbClr val="A31515"/>
+                </a:solidFill>
+                <a:latin typeface="Consolas"/>
+              </a:rPr>
+              <a:t>EventTrigger</a:t>
+            </a:r>
+            <a:r>
+              <a:rPr lang="cs-CZ" dirty="0">
+                <a:solidFill>
+                  <a:srgbClr val="0000FF"/>
+                </a:solidFill>
+                <a:latin typeface="Consolas"/>
+              </a:rPr>
+              <a:t>&gt;</a:t>
+            </a:r>
+            <a:endParaRPr lang="cs-CZ" dirty="0">
+              <a:solidFill>
+                <a:prstClr val="black"/>
+              </a:solidFill>
+              <a:latin typeface="Consolas"/>
+            </a:endParaRPr>
+          </a:p>
+          <a:p>
+            <a:r>
+              <a:rPr lang="cs-CZ" dirty="0">
                 <a:solidFill>
                   <a:schemeClr val="bg1">
                     <a:lumMod val="50000"/>
@@ -18058,57 +17498,9 @@
                 </a:solidFill>
                 <a:latin typeface="Consolas"/>
               </a:rPr>
-              <a:t>&lt;/</a:t>
-            </a:r>
-            <a:r>
-              <a:rPr lang="cs-CZ" dirty="0">
-                <a:solidFill>
-                  <a:schemeClr val="bg1">
-                    <a:lumMod val="50000"/>
-                    <a:lumOff val="50000"/>
-                  </a:schemeClr>
-                </a:solidFill>
-                <a:latin typeface="Consolas"/>
-              </a:rPr>
-              <a:t>i:Interaction.Triggers</a:t>
-            </a:r>
-            <a:r>
-              <a:rPr lang="cs-CZ" dirty="0" smtClean="0">
-                <a:solidFill>
-                  <a:schemeClr val="bg1">
-                    <a:lumMod val="50000"/>
-                    <a:lumOff val="50000"/>
-                  </a:schemeClr>
-                </a:solidFill>
-                <a:latin typeface="Consolas"/>
-              </a:rPr>
-              <a:t>&gt;&lt;/</a:t>
-            </a:r>
-            <a:r>
-              <a:rPr lang="cs-CZ" dirty="0">
-                <a:solidFill>
-                  <a:schemeClr val="bg1">
-                    <a:lumMod val="50000"/>
-                    <a:lumOff val="50000"/>
-                  </a:schemeClr>
-                </a:solidFill>
-                <a:latin typeface="Consolas"/>
-              </a:rPr>
-              <a:t>Button</a:t>
-            </a:r>
-            <a:r>
-              <a:rPr lang="cs-CZ" dirty="0" smtClean="0">
-                <a:solidFill>
-                  <a:schemeClr val="bg1">
-                    <a:lumMod val="50000"/>
-                    <a:lumOff val="50000"/>
-                  </a:schemeClr>
-                </a:solidFill>
-                <a:latin typeface="Consolas"/>
-              </a:rPr>
-              <a:t>&gt;</a:t>
-            </a:r>
-            <a:endParaRPr lang="cs-CZ" dirty="0" smtClean="0">
+              <a:t>&lt;/i:Interaction.Triggers&gt;&lt;/Button&gt;</a:t>
+            </a:r>
+            <a:endParaRPr lang="cs-CZ" dirty="0">
               <a:solidFill>
                 <a:schemeClr val="bg1">
                   <a:lumMod val="50000"/>
@@ -18209,7 +17601,7 @@
               </a:spcAft>
             </a:pPr>
             <a:r>
-              <a:rPr lang="en-US" sz="2000" b="1" dirty="0" smtClean="0">
+              <a:rPr lang="en-US" sz="2000" b="1" dirty="0">
                 <a:gradFill>
                   <a:gsLst>
                     <a:gs pos="0">
@@ -18225,7 +17617,7 @@
               <a:t>Triggered only when </a:t>
             </a:r>
             <a:r>
-              <a:rPr lang="en-US" sz="1600" b="1" dirty="0" err="1" smtClean="0">
+              <a:rPr lang="en-US" sz="1600" b="1" dirty="0" err="1">
                 <a:gradFill>
                   <a:gsLst>
                     <a:gs pos="0">
@@ -18243,7 +17635,7 @@
               <a:t>chkAllow.Enabled</a:t>
             </a:r>
             <a:r>
-              <a:rPr lang="en-US" sz="1600" b="1" dirty="0" smtClean="0">
+              <a:rPr lang="en-US" sz="1600" b="1" dirty="0">
                 <a:gradFill>
                   <a:gsLst>
                     <a:gs pos="0">
@@ -18260,7 +17652,7 @@
               </a:rPr>
               <a:t> == true</a:t>
             </a:r>
-            <a:endParaRPr lang="cs-CZ" sz="1600" b="1" dirty="0" smtClean="0">
+            <a:endParaRPr lang="cs-CZ" sz="1600" b="1" dirty="0">
               <a:gradFill>
                 <a:gsLst>
                   <a:gs pos="0">
@@ -18368,7 +17760,7 @@
               </a:spcAft>
             </a:pPr>
             <a:r>
-              <a:rPr lang="en-US" sz="2000" b="1" dirty="0" smtClean="0">
+              <a:rPr lang="en-US" sz="2000" b="1" dirty="0">
                 <a:gradFill>
                   <a:gsLst>
                     <a:gs pos="0">
@@ -18383,7 +17775,7 @@
               </a:rPr>
               <a:t>Displays some control</a:t>
             </a:r>
-            <a:endParaRPr lang="cs-CZ" sz="1600" b="1" dirty="0" smtClean="0">
+            <a:endParaRPr lang="cs-CZ" sz="1600" b="1" dirty="0">
               <a:gradFill>
                 <a:gsLst>
                   <a:gs pos="0">
@@ -18604,7 +17996,7 @@
           <a:lstStyle/>
           <a:p>
             <a:r>
-              <a:rPr lang="en-US" dirty="0" smtClean="0"/>
+              <a:rPr lang="en-US" dirty="0"/>
               <a:t>Digression: Declarative list processing</a:t>
             </a:r>
             <a:endParaRPr lang="cs-CZ" dirty="0"/>
@@ -18632,21 +18024,21 @@
           <a:lstStyle/>
           <a:p>
             <a:r>
-              <a:rPr lang="en-US" dirty="0" smtClean="0"/>
+              <a:rPr lang="en-US" dirty="0"/>
               <a:t>Essentially the same thing as LINQ queries </a:t>
             </a:r>
           </a:p>
           <a:p>
             <a:r>
-              <a:rPr lang="en-US" dirty="0" smtClean="0"/>
+              <a:rPr lang="en-US" dirty="0"/>
               <a:t>Declarative – specify </a:t>
             </a:r>
             <a:r>
-              <a:rPr lang="en-US" i="1" dirty="0" smtClean="0"/>
+              <a:rPr lang="en-US" i="1" dirty="0"/>
               <a:t>what </a:t>
             </a:r>
             <a:r>
-              <a:rPr lang="en-US" dirty="0" smtClean="0"/>
+              <a:rPr lang="en-US" dirty="0"/>
               <a:t>results we want </a:t>
             </a:r>
           </a:p>
@@ -18654,7 +18046,7 @@
             <a:pPr marL="460375" lvl="1" indent="0">
               <a:buNone/>
             </a:pPr>
-            <a:endParaRPr lang="en-US" dirty="0" smtClean="0"/>
+            <a:endParaRPr lang="en-US" dirty="0"/>
           </a:p>
         </p:txBody>
       </p:sp>
@@ -18693,7 +18085,7 @@
           <a:lstStyle/>
           <a:p>
             <a:r>
-              <a:rPr lang="en-US" dirty="0" smtClean="0">
+              <a:rPr lang="en-US" dirty="0">
                 <a:solidFill>
                   <a:srgbClr val="800080"/>
                 </a:solidFill>
@@ -18702,7 +18094,7 @@
               <a:t>&gt;</a:t>
             </a:r>
             <a:r>
-              <a:rPr lang="en-US" dirty="0" smtClean="0">
+              <a:rPr lang="en-US" dirty="0">
                 <a:solidFill>
                   <a:prstClr val="black"/>
                 </a:solidFill>
@@ -18711,7 +18103,7 @@
               <a:t> </a:t>
             </a:r>
             <a:r>
-              <a:rPr lang="en-US" dirty="0" smtClean="0">
+              <a:rPr lang="en-US" dirty="0">
                 <a:solidFill>
                   <a:srgbClr val="0000FF"/>
                 </a:solidFill>
@@ -18720,7 +18112,7 @@
               <a:t>let</a:t>
             </a:r>
             <a:r>
-              <a:rPr lang="en-US" dirty="0" smtClean="0">
+              <a:rPr lang="en-US" dirty="0">
                 <a:solidFill>
                   <a:prstClr val="black"/>
                 </a:solidFill>
@@ -18870,253 +18262,229 @@
                 </a:solidFill>
                 <a:latin typeface="Consolas"/>
               </a:rPr>
+              <a:t>) ]</a:t>
+            </a:r>
+          </a:p>
+          <a:p>
+            <a:r>
+              <a:rPr lang="en-US" dirty="0">
+                <a:solidFill>
+                  <a:prstClr val="black"/>
+                </a:solidFill>
+                <a:latin typeface="Consolas"/>
+              </a:rPr>
+              <a:t>  ;;</a:t>
+            </a:r>
+          </a:p>
+          <a:p>
+            <a:r>
+              <a:rPr lang="en-US" dirty="0">
+                <a:solidFill>
+                  <a:srgbClr val="800080"/>
+                </a:solidFill>
+                <a:latin typeface="Consolas"/>
+              </a:rPr>
+              <a:t>&gt;</a:t>
+            </a:r>
+            <a:r>
+              <a:rPr lang="en-US" dirty="0">
+                <a:solidFill>
+                  <a:prstClr val="black"/>
+                </a:solidFill>
+                <a:latin typeface="Consolas"/>
+              </a:rPr>
+              <a:t> </a:t>
+            </a:r>
+            <a:r>
+              <a:rPr lang="es-ES" dirty="0" err="1">
+                <a:solidFill>
+                  <a:srgbClr val="020002"/>
+                </a:solidFill>
+                <a:latin typeface="Consolas"/>
+              </a:rPr>
+              <a:t>List</a:t>
+            </a:r>
+            <a:r>
+              <a:rPr lang="es-ES" dirty="0" err="1">
+                <a:solidFill>
+                  <a:srgbClr val="800080"/>
+                </a:solidFill>
+                <a:latin typeface="Consolas"/>
+              </a:rPr>
+              <a:t>.</a:t>
+            </a:r>
+            <a:r>
+              <a:rPr lang="es-ES" dirty="0" err="1">
+                <a:solidFill>
+                  <a:srgbClr val="020002"/>
+                </a:solidFill>
+                <a:latin typeface="Consolas"/>
+              </a:rPr>
+              <a:t>map</a:t>
+            </a:r>
+            <a:r>
+              <a:rPr lang="es-ES" dirty="0">
+                <a:solidFill>
+                  <a:prstClr val="black"/>
+                </a:solidFill>
+                <a:latin typeface="Consolas"/>
+              </a:rPr>
+              <a:t> (</a:t>
+            </a:r>
+            <a:r>
+              <a:rPr lang="es-ES" dirty="0" err="1">
+                <a:solidFill>
+                  <a:srgbClr val="0000FF"/>
+                </a:solidFill>
+                <a:latin typeface="Consolas"/>
+              </a:rPr>
+              <a:t>fun</a:t>
+            </a:r>
+            <a:r>
+              <a:rPr lang="es-ES" dirty="0">
+                <a:solidFill>
+                  <a:prstClr val="black"/>
+                </a:solidFill>
+                <a:latin typeface="Consolas"/>
+              </a:rPr>
+              <a:t> (</a:t>
+            </a:r>
+            <a:r>
+              <a:rPr lang="es-ES" dirty="0">
+                <a:solidFill>
+                  <a:srgbClr val="020002"/>
+                </a:solidFill>
+                <a:latin typeface="Consolas"/>
+              </a:rPr>
+              <a:t>x</a:t>
+            </a:r>
+            <a:r>
+              <a:rPr lang="es-ES" dirty="0">
+                <a:solidFill>
+                  <a:prstClr val="black"/>
+                </a:solidFill>
+                <a:latin typeface="Consolas"/>
+              </a:rPr>
+              <a:t>, </a:t>
+            </a:r>
+            <a:r>
+              <a:rPr lang="es-ES" dirty="0">
+                <a:solidFill>
+                  <a:srgbClr val="020002"/>
+                </a:solidFill>
+                <a:latin typeface="Consolas"/>
+              </a:rPr>
+              <a:t>y</a:t>
+            </a:r>
+            <a:r>
+              <a:rPr lang="es-ES" dirty="0">
+                <a:solidFill>
+                  <a:prstClr val="black"/>
+                </a:solidFill>
+                <a:latin typeface="Consolas"/>
+              </a:rPr>
               <a:t>) </a:t>
             </a:r>
             <a:r>
-              <a:rPr lang="en-US" dirty="0" smtClean="0">
-                <a:solidFill>
-                  <a:prstClr val="black"/>
-                </a:solidFill>
-                <a:latin typeface="Consolas"/>
-              </a:rPr>
-              <a:t>]</a:t>
-            </a:r>
-          </a:p>
-          <a:p>
-            <a:r>
-              <a:rPr lang="en-US" dirty="0" smtClean="0">
-                <a:solidFill>
-                  <a:prstClr val="black"/>
-                </a:solidFill>
-                <a:latin typeface="Consolas"/>
-              </a:rPr>
-              <a:t>  ;;</a:t>
-            </a:r>
-            <a:endParaRPr lang="en-US" dirty="0">
-              <a:solidFill>
-                <a:prstClr val="black"/>
-              </a:solidFill>
-              <a:latin typeface="Consolas"/>
-            </a:endParaRPr>
-          </a:p>
-          <a:p>
-            <a:r>
-              <a:rPr lang="en-US" dirty="0">
+              <a:rPr lang="es-ES" dirty="0">
+                <a:solidFill>
+                  <a:srgbClr val="0000FF"/>
+                </a:solidFill>
+                <a:latin typeface="Consolas"/>
+              </a:rPr>
+              <a:t>-&gt;</a:t>
+            </a:r>
+            <a:r>
+              <a:rPr lang="es-ES" dirty="0">
+                <a:solidFill>
+                  <a:prstClr val="black"/>
+                </a:solidFill>
+                <a:latin typeface="Consolas"/>
+              </a:rPr>
+              <a:t> </a:t>
+            </a:r>
+            <a:r>
+              <a:rPr lang="es-ES" dirty="0">
+                <a:solidFill>
+                  <a:srgbClr val="020002"/>
+                </a:solidFill>
+                <a:latin typeface="Consolas"/>
+              </a:rPr>
+              <a:t>x</a:t>
+            </a:r>
+            <a:r>
+              <a:rPr lang="es-ES" dirty="0">
                 <a:solidFill>
                   <a:srgbClr val="800080"/>
                 </a:solidFill>
                 <a:latin typeface="Consolas"/>
               </a:rPr>
-              <a:t>&gt;</a:t>
-            </a:r>
-            <a:r>
-              <a:rPr lang="en-US" dirty="0">
-                <a:solidFill>
-                  <a:prstClr val="black"/>
-                </a:solidFill>
-                <a:latin typeface="Consolas"/>
-              </a:rPr>
-              <a:t> </a:t>
-            </a:r>
-            <a:r>
-              <a:rPr lang="es-ES" dirty="0" err="1" smtClean="0">
+              <a:t>+</a:t>
+            </a:r>
+            <a:r>
+              <a:rPr lang="es-ES" dirty="0">
+                <a:solidFill>
+                  <a:srgbClr val="008000"/>
+                </a:solidFill>
+                <a:latin typeface="Consolas"/>
+              </a:rPr>
+              <a:t>25.0</a:t>
+            </a:r>
+            <a:r>
+              <a:rPr lang="es-ES" dirty="0">
+                <a:solidFill>
+                  <a:prstClr val="black"/>
+                </a:solidFill>
+                <a:latin typeface="Consolas"/>
+              </a:rPr>
+              <a:t>, </a:t>
+            </a:r>
+            <a:r>
+              <a:rPr lang="es-ES" dirty="0">
                 <a:solidFill>
                   <a:srgbClr val="020002"/>
                 </a:solidFill>
                 <a:latin typeface="Consolas"/>
               </a:rPr>
-              <a:t>List</a:t>
-            </a:r>
-            <a:r>
-              <a:rPr lang="es-ES" dirty="0" err="1" smtClean="0">
+              <a:t>y</a:t>
+            </a:r>
+            <a:r>
+              <a:rPr lang="es-ES" dirty="0">
                 <a:solidFill>
                   <a:srgbClr val="800080"/>
                 </a:solidFill>
                 <a:latin typeface="Consolas"/>
               </a:rPr>
-              <a:t>.</a:t>
-            </a:r>
-            <a:r>
-              <a:rPr lang="es-ES" dirty="0" err="1" smtClean="0">
+              <a:t>+</a:t>
+            </a:r>
+            <a:r>
+              <a:rPr lang="es-ES" dirty="0">
+                <a:solidFill>
+                  <a:srgbClr val="008000"/>
+                </a:solidFill>
+                <a:latin typeface="Consolas"/>
+              </a:rPr>
+              <a:t>25.0</a:t>
+            </a:r>
+            <a:r>
+              <a:rPr lang="es-ES" dirty="0">
+                <a:solidFill>
+                  <a:prstClr val="black"/>
+                </a:solidFill>
+                <a:latin typeface="Consolas"/>
+              </a:rPr>
+              <a:t>) </a:t>
+            </a:r>
+            <a:r>
+              <a:rPr lang="es-ES" dirty="0" err="1">
                 <a:solidFill>
                   <a:srgbClr val="020002"/>
                 </a:solidFill>
                 <a:latin typeface="Consolas"/>
               </a:rPr>
-              <a:t>map</a:t>
-            </a:r>
-            <a:r>
-              <a:rPr lang="es-ES" dirty="0" smtClean="0">
-                <a:solidFill>
-                  <a:prstClr val="black"/>
-                </a:solidFill>
-                <a:latin typeface="Consolas"/>
-              </a:rPr>
-              <a:t> </a:t>
-            </a:r>
-            <a:r>
-              <a:rPr lang="es-ES" dirty="0">
-                <a:solidFill>
-                  <a:prstClr val="black"/>
-                </a:solidFill>
-                <a:latin typeface="Consolas"/>
-              </a:rPr>
-              <a:t>(</a:t>
-            </a:r>
-            <a:r>
-              <a:rPr lang="es-ES" dirty="0" err="1">
-                <a:solidFill>
-                  <a:srgbClr val="0000FF"/>
-                </a:solidFill>
-                <a:latin typeface="Consolas"/>
-              </a:rPr>
-              <a:t>fun</a:t>
-            </a:r>
-            <a:r>
-              <a:rPr lang="es-ES" dirty="0">
-                <a:solidFill>
-                  <a:prstClr val="black"/>
-                </a:solidFill>
-                <a:latin typeface="Consolas"/>
-              </a:rPr>
-              <a:t> (</a:t>
-            </a:r>
-            <a:r>
-              <a:rPr lang="es-ES" dirty="0">
-                <a:solidFill>
-                  <a:srgbClr val="020002"/>
-                </a:solidFill>
-                <a:latin typeface="Consolas"/>
-              </a:rPr>
-              <a:t>x</a:t>
-            </a:r>
-            <a:r>
-              <a:rPr lang="es-ES" dirty="0">
-                <a:solidFill>
-                  <a:prstClr val="black"/>
-                </a:solidFill>
-                <a:latin typeface="Consolas"/>
-              </a:rPr>
-              <a:t>, </a:t>
-            </a:r>
-            <a:r>
-              <a:rPr lang="es-ES" dirty="0">
-                <a:solidFill>
-                  <a:srgbClr val="020002"/>
-                </a:solidFill>
-                <a:latin typeface="Consolas"/>
-              </a:rPr>
-              <a:t>y</a:t>
-            </a:r>
-            <a:r>
-              <a:rPr lang="es-ES" dirty="0">
-                <a:solidFill>
-                  <a:prstClr val="black"/>
-                </a:solidFill>
-                <a:latin typeface="Consolas"/>
-              </a:rPr>
-              <a:t>) </a:t>
-            </a:r>
-            <a:r>
-              <a:rPr lang="es-ES" dirty="0">
-                <a:solidFill>
-                  <a:srgbClr val="0000FF"/>
-                </a:solidFill>
-                <a:latin typeface="Consolas"/>
-              </a:rPr>
-              <a:t>-&gt;</a:t>
-            </a:r>
-            <a:r>
-              <a:rPr lang="es-ES" dirty="0">
-                <a:solidFill>
-                  <a:prstClr val="black"/>
-                </a:solidFill>
-                <a:latin typeface="Consolas"/>
-              </a:rPr>
-              <a:t> </a:t>
-            </a:r>
-            <a:r>
-              <a:rPr lang="es-ES" dirty="0">
-                <a:solidFill>
-                  <a:srgbClr val="020002"/>
-                </a:solidFill>
-                <a:latin typeface="Consolas"/>
-              </a:rPr>
-              <a:t>x</a:t>
-            </a:r>
-            <a:r>
-              <a:rPr lang="es-ES" dirty="0">
-                <a:solidFill>
-                  <a:srgbClr val="800080"/>
-                </a:solidFill>
-                <a:latin typeface="Consolas"/>
-              </a:rPr>
-              <a:t>+</a:t>
-            </a:r>
-            <a:r>
-              <a:rPr lang="es-ES" dirty="0">
-                <a:solidFill>
-                  <a:srgbClr val="008000"/>
-                </a:solidFill>
-                <a:latin typeface="Consolas"/>
-              </a:rPr>
-              <a:t>25.0</a:t>
-            </a:r>
-            <a:r>
-              <a:rPr lang="es-ES" dirty="0">
-                <a:solidFill>
-                  <a:prstClr val="black"/>
-                </a:solidFill>
-                <a:latin typeface="Consolas"/>
-              </a:rPr>
-              <a:t>, </a:t>
-            </a:r>
-            <a:r>
-              <a:rPr lang="es-ES" dirty="0">
-                <a:solidFill>
-                  <a:srgbClr val="020002"/>
-                </a:solidFill>
-                <a:latin typeface="Consolas"/>
-              </a:rPr>
-              <a:t>y</a:t>
-            </a:r>
-            <a:r>
-              <a:rPr lang="es-ES" dirty="0">
-                <a:solidFill>
-                  <a:srgbClr val="800080"/>
-                </a:solidFill>
-                <a:latin typeface="Consolas"/>
-              </a:rPr>
-              <a:t>+</a:t>
-            </a:r>
-            <a:r>
-              <a:rPr lang="es-ES" dirty="0">
-                <a:solidFill>
-                  <a:srgbClr val="008000"/>
-                </a:solidFill>
-                <a:latin typeface="Consolas"/>
-              </a:rPr>
-              <a:t>25.0</a:t>
-            </a:r>
-            <a:r>
-              <a:rPr lang="es-ES" dirty="0">
-                <a:solidFill>
-                  <a:prstClr val="black"/>
-                </a:solidFill>
-                <a:latin typeface="Consolas"/>
-              </a:rPr>
-              <a:t>) </a:t>
-            </a:r>
-            <a:r>
-              <a:rPr lang="es-ES" dirty="0" err="1" smtClean="0">
-                <a:solidFill>
-                  <a:srgbClr val="020002"/>
-                </a:solidFill>
-                <a:latin typeface="Consolas"/>
-              </a:rPr>
               <a:t>points</a:t>
             </a:r>
-            <a:endParaRPr lang="es-ES" dirty="0" smtClean="0">
+            <a:endParaRPr lang="es-ES" dirty="0">
               <a:solidFill>
                 <a:srgbClr val="020002"/>
               </a:solidFill>
@@ -19131,19 +18499,10 @@
                 </a:solidFill>
                 <a:latin typeface="Consolas"/>
               </a:rPr>
-              <a:t> </a:t>
-            </a:r>
-            <a:r>
-              <a:rPr lang="es-ES" dirty="0" smtClean="0">
-                <a:solidFill>
-                  <a:srgbClr val="020002"/>
-                </a:solidFill>
-                <a:latin typeface="Consolas"/>
-              </a:rPr>
-              <a:t> </a:t>
-            </a:r>
-            <a:r>
-              <a:rPr lang="es-ES" dirty="0" smtClean="0">
+              <a:t>  </a:t>
+            </a:r>
+            <a:r>
+              <a:rPr lang="es-ES" dirty="0">
                 <a:solidFill>
                   <a:prstClr val="black"/>
                 </a:solidFill>
@@ -19151,12 +18510,6 @@
               </a:rPr>
               <a:t>;;</a:t>
             </a:r>
-            <a:endParaRPr lang="es-ES" dirty="0">
-              <a:solidFill>
-                <a:prstClr val="black"/>
-              </a:solidFill>
-              <a:latin typeface="Consolas"/>
-            </a:endParaRPr>
           </a:p>
           <a:p>
             <a:r>
@@ -19171,7 +18524,7 @@
               </a:rPr>
               <a:t>val it : (float * float) list = </a:t>
             </a:r>
-            <a:endParaRPr lang="en-US" i="1" dirty="0" smtClean="0">
+            <a:endParaRPr lang="en-US" i="1" dirty="0">
               <a:solidFill>
                 <a:schemeClr val="bg1">
                   <a:lumMod val="50000"/>
@@ -19192,10 +18545,10 @@
                 </a:solidFill>
                 <a:latin typeface="Consolas"/>
               </a:rPr>
-              <a:t> </a:t>
-            </a:r>
-            <a:r>
-              <a:rPr lang="en-US" i="1" dirty="0" smtClean="0">
+              <a:t>  </a:t>
+            </a:r>
+            <a:r>
+              <a:rPr lang="cs-CZ" i="1" dirty="0">
                 <a:solidFill>
                   <a:schemeClr val="bg1">
                     <a:lumMod val="50000"/>
@@ -19204,31 +18557,7 @@
                 </a:solidFill>
                 <a:latin typeface="Consolas"/>
               </a:rPr>
-              <a:t> </a:t>
-            </a:r>
-            <a:r>
-              <a:rPr lang="cs-CZ" i="1" dirty="0" smtClean="0">
-                <a:solidFill>
-                  <a:schemeClr val="bg1">
-                    <a:lumMod val="50000"/>
-                    <a:lumOff val="50000"/>
-                  </a:schemeClr>
-                </a:solidFill>
-                <a:latin typeface="Consolas"/>
-              </a:rPr>
-              <a:t>[(</a:t>
-            </a:r>
-            <a:r>
-              <a:rPr lang="cs-CZ" i="1" dirty="0">
-                <a:solidFill>
-                  <a:schemeClr val="bg1">
-                    <a:lumMod val="50000"/>
-                    <a:lumOff val="50000"/>
-                  </a:schemeClr>
-                </a:solidFill>
-                <a:latin typeface="Consolas"/>
-              </a:rPr>
-              <a:t>25.0, 75.0); (125.0, 25.0); (325.0, 125.0)]</a:t>
+              <a:t>[(25.0, 75.0); (125.0, 25.0); (325.0, 125.0)]</a:t>
             </a:r>
           </a:p>
           <a:p>
@@ -19949,7 +19278,7 @@
               <a:t>y</a:t>
             </a:r>
             <a:r>
-              <a:rPr lang="es-ES" dirty="0" smtClean="0">
+              <a:rPr lang="es-ES" dirty="0">
                 <a:solidFill>
                   <a:prstClr val="black"/>
                 </a:solidFill>
@@ -19966,23 +19295,8 @@
                 </a:solidFill>
                 <a:latin typeface="Consolas"/>
               </a:rPr>
-              <a:t> </a:t>
-            </a:r>
-            <a:r>
-              <a:rPr lang="es-ES" dirty="0" smtClean="0">
-                <a:solidFill>
-                  <a:prstClr val="black"/>
-                </a:solidFill>
-                <a:latin typeface="Consolas"/>
-              </a:rPr>
-              <a:t> ;;</a:t>
-            </a:r>
-            <a:endParaRPr lang="es-ES" dirty="0">
-              <a:solidFill>
-                <a:prstClr val="black"/>
-              </a:solidFill>
-              <a:latin typeface="Consolas"/>
-            </a:endParaRPr>
+              <a:t>  ;;</a:t>
+            </a:r>
           </a:p>
           <a:p>
             <a:r>
@@ -20090,7 +19404,7 @@
               </a:spcAft>
             </a:pPr>
             <a:r>
-              <a:rPr lang="en-US" sz="2000" b="1" dirty="0" smtClean="0">
+              <a:rPr lang="en-US" sz="2000" b="1" dirty="0">
                 <a:gradFill>
                   <a:gsLst>
                     <a:gs pos="0">
@@ -20105,7 +19419,7 @@
               </a:rPr>
               <a:t>Create list of points</a:t>
             </a:r>
-            <a:endParaRPr lang="cs-CZ" sz="1600" b="1" dirty="0" smtClean="0">
+            <a:endParaRPr lang="cs-CZ" sz="1600" b="1" dirty="0">
               <a:gradFill>
                 <a:gsLst>
                   <a:gs pos="0">
@@ -20213,7 +19527,7 @@
               </a:spcAft>
             </a:pPr>
             <a:r>
-              <a:rPr lang="en-US" sz="2000" b="1" dirty="0" smtClean="0">
+              <a:rPr lang="en-US" sz="2000" b="1" dirty="0">
                 <a:gradFill>
                   <a:gsLst>
                     <a:gs pos="0">
@@ -20228,7 +19542,7 @@
               </a:rPr>
               <a:t>Add 25 to X and Y coordinates</a:t>
             </a:r>
-            <a:endParaRPr lang="cs-CZ" sz="1600" b="1" dirty="0" smtClean="0">
+            <a:endParaRPr lang="cs-CZ" sz="1600" b="1" dirty="0">
               <a:gradFill>
                 <a:gsLst>
                   <a:gs pos="0">
@@ -20336,7 +19650,7 @@
               </a:spcAft>
             </a:pPr>
             <a:r>
-              <a:rPr lang="en-US" sz="2000" b="1" dirty="0" smtClean="0">
+              <a:rPr lang="en-US" sz="2000" b="1" dirty="0">
                 <a:gradFill>
                   <a:gsLst>
                     <a:gs pos="0">
@@ -20362,7 +19676,7 @@
               </a:spcAft>
             </a:pPr>
             <a:r>
-              <a:rPr lang="en-US" sz="2000" b="1" dirty="0" smtClean="0">
+              <a:rPr lang="en-US" sz="2000" b="1" dirty="0">
                 <a:gradFill>
                   <a:gsLst>
                     <a:gs pos="0">
@@ -20389,7 +19703,7 @@
               </a:spcAft>
             </a:pPr>
             <a:r>
-              <a:rPr lang="en-US" sz="2000" b="1" dirty="0" smtClean="0">
+              <a:rPr lang="en-US" sz="2000" b="1" dirty="0">
                 <a:gradFill>
                   <a:gsLst>
                     <a:gs pos="0">
@@ -20405,7 +19719,7 @@
               </a:rPr>
               <a:t>* Print points</a:t>
             </a:r>
-            <a:endParaRPr lang="cs-CZ" sz="2000" b="1" dirty="0" smtClean="0">
+            <a:endParaRPr lang="cs-CZ" sz="2000" b="1" dirty="0">
               <a:gradFill>
                 <a:gsLst>
                   <a:gs pos="0">
@@ -20674,7 +19988,7 @@
           <a:lstStyle/>
           <a:p>
             <a:r>
-              <a:rPr lang="en-US" dirty="0" smtClean="0"/>
+              <a:rPr lang="en-US" dirty="0"/>
               <a:t>DEMO</a:t>
             </a:r>
             <a:endParaRPr lang="cs-CZ" dirty="0"/>
@@ -20697,7 +20011,7 @@
           <a:lstStyle/>
           <a:p>
             <a:r>
-              <a:rPr lang="en-US" dirty="0" smtClean="0"/>
+              <a:rPr lang="en-US" dirty="0"/>
               <a:t>Introducing F# event combinators</a:t>
             </a:r>
             <a:endParaRPr lang="cs-CZ" dirty="0"/>
@@ -20726,13 +20040,6 @@
       </p:transition>
     </mc:Fallback>
   </mc:AlternateContent>
-  <p:timing>
-    <p:tnLst>
-      <p:par>
-        <p:cTn id="1" dur="indefinite" restart="never" nodeType="tmRoot"/>
-      </p:par>
-    </p:tnLst>
-  </p:timing>
 </p:sld>
 </file>
 
